--- a/doc/Proposal Presentation.pptx
+++ b/doc/Proposal Presentation.pptx
@@ -27,30 +27,32 @@
     <p:sldId id="272" r:id="rId22"/>
     <p:sldId id="273" r:id="rId23"/>
     <p:sldId id="274" r:id="rId24"/>
+    <p:sldId id="275" r:id="rId25"/>
+    <p:sldId id="276" r:id="rId26"/>
   </p:sldIdLst>
   <p:sldSz cy="5143500" cx="9144000"/>
   <p:notesSz cx="6858000" cy="9144000"/>
   <p:embeddedFontLst>
     <p:embeddedFont>
       <p:font typeface="Raleway"/>
-      <p:regular r:id="rId25"/>
-      <p:bold r:id="rId26"/>
-      <p:italic r:id="rId27"/>
-      <p:boldItalic r:id="rId28"/>
+      <p:regular r:id="rId27"/>
+      <p:bold r:id="rId28"/>
+      <p:italic r:id="rId29"/>
+      <p:boldItalic r:id="rId30"/>
     </p:embeddedFont>
     <p:embeddedFont>
       <p:font typeface="Roboto"/>
-      <p:regular r:id="rId29"/>
-      <p:bold r:id="rId30"/>
-      <p:italic r:id="rId31"/>
-      <p:boldItalic r:id="rId32"/>
+      <p:regular r:id="rId31"/>
+      <p:bold r:id="rId32"/>
+      <p:italic r:id="rId33"/>
+      <p:boldItalic r:id="rId34"/>
     </p:embeddedFont>
     <p:embeddedFont>
       <p:font typeface="Lato"/>
-      <p:regular r:id="rId33"/>
-      <p:bold r:id="rId34"/>
-      <p:italic r:id="rId35"/>
-      <p:boldItalic r:id="rId36"/>
+      <p:regular r:id="rId35"/>
+      <p:bold r:id="rId36"/>
+      <p:italic r:id="rId37"/>
+      <p:boldItalic r:id="rId38"/>
     </p:embeddedFont>
   </p:embeddedFontLst>
   <p:defaultTextStyle>
@@ -831,7 +833,7 @@
   <p:cSld>
     <p:spTree>
       <p:nvGrpSpPr>
-        <p:cNvPr id="138" name="Shape 138"/>
+        <p:cNvPr id="136" name="Shape 136"/>
         <p:cNvGrpSpPr/>
         <p:nvPr/>
       </p:nvGrpSpPr>
@@ -845,7 +847,7 @@
       </p:grpSpPr>
       <p:sp>
         <p:nvSpPr>
-          <p:cNvPr id="139" name="Google Shape;139;g23e34196cf2_0_5:notes"/>
+          <p:cNvPr id="137" name="Google Shape;137;g23e34196cf2_0_0:notes"/>
           <p:cNvSpPr/>
           <p:nvPr>
             <p:ph idx="2" type="sldImg"/>
@@ -880,7 +882,7 @@
       </p:sp>
       <p:sp>
         <p:nvSpPr>
-          <p:cNvPr id="140" name="Google Shape;140;g23e34196cf2_0_5:notes"/>
+          <p:cNvPr id="138" name="Google Shape;138;g23e34196cf2_0_0:notes"/>
           <p:cNvSpPr txBox="1"/>
           <p:nvPr>
             <p:ph idx="1" type="body"/>
@@ -901,83 +903,143 @@
           </a:bodyPr>
           <a:lstStyle/>
           <a:p>
-            <a:pPr indent="0" lvl="0" marL="0" rtl="0" algn="l">
-              <a:spcBef>
-                <a:spcPts val="0"/>
-              </a:spcBef>
-              <a:spcAft>
-                <a:spcPts val="0"/>
-              </a:spcAft>
-              <a:buNone/>
-            </a:pPr>
-            <a:r>
-              <a:rPr lang="en"/>
-              <a:t>For most of the stores are located in exurban and light suburban.</a:t>
-            </a:r>
-            <a:endParaRPr/>
-          </a:p>
-          <a:p>
-            <a:pPr indent="0" lvl="0" marL="0" rtl="0" algn="l">
-              <a:spcBef>
-                <a:spcPts val="0"/>
-              </a:spcBef>
-              <a:spcAft>
-                <a:spcPts val="0"/>
-              </a:spcAft>
-              <a:buNone/>
-            </a:pPr>
-            <a:r>
-              <a:rPr lang="en"/>
-              <a:t>As the diagram shown on the right, it shows the area size for each level of the store density.</a:t>
-            </a:r>
-            <a:endParaRPr/>
-          </a:p>
-          <a:p>
-            <a:pPr indent="0" lvl="0" marL="0" rtl="0" algn="l">
-              <a:spcBef>
-                <a:spcPts val="0"/>
-              </a:spcBef>
-              <a:spcAft>
-                <a:spcPts val="0"/>
-              </a:spcAft>
-              <a:buNone/>
-            </a:pPr>
-            <a:r>
-              <a:rPr lang="en"/>
-              <a:t>The only </a:t>
-            </a:r>
-            <a:r>
-              <a:rPr lang="en"/>
-              <a:t>category</a:t>
-            </a:r>
-            <a:r>
-              <a:rPr lang="en"/>
-              <a:t> has the store density of light urban is other. The </a:t>
-            </a:r>
-            <a:r>
-              <a:rPr lang="en"/>
-              <a:t>reason</a:t>
-            </a:r>
-            <a:r>
-              <a:rPr lang="en"/>
-              <a:t> is that the other category contain church, which mostly located in light urban areas.</a:t>
-            </a:r>
-            <a:endParaRPr/>
-          </a:p>
-          <a:p>
-            <a:pPr indent="0" lvl="0" marL="0" rtl="0" algn="l">
-              <a:spcBef>
-                <a:spcPts val="0"/>
-              </a:spcBef>
-              <a:spcAft>
-                <a:spcPts val="0"/>
-              </a:spcAft>
-              <a:buNone/>
-            </a:pPr>
-            <a:r>
-              <a:t/>
-            </a:r>
-            <a:endParaRPr/>
+            <a:pPr indent="-336550" lvl="0" marL="457200" rtl="0" algn="l">
+              <a:spcBef>
+                <a:spcPts val="0"/>
+              </a:spcBef>
+              <a:spcAft>
+                <a:spcPts val="0"/>
+              </a:spcAft>
+              <a:buClr>
+                <a:schemeClr val="dk1"/>
+              </a:buClr>
+              <a:buSzPts val="1700"/>
+              <a:buFont typeface="Lato"/>
+              <a:buChar char="●"/>
+            </a:pPr>
+            <a:r>
+              <a:rPr lang="en" sz="1700">
+                <a:solidFill>
+                  <a:schemeClr val="dk1"/>
+                </a:solidFill>
+                <a:latin typeface="Lato"/>
+                <a:ea typeface="Lato"/>
+                <a:cs typeface="Lato"/>
+                <a:sym typeface="Lato"/>
+              </a:rPr>
+              <a:t>The highest portion among categories are very large metro.</a:t>
+            </a:r>
+            <a:endParaRPr sz="1700">
+              <a:solidFill>
+                <a:schemeClr val="dk1"/>
+              </a:solidFill>
+              <a:latin typeface="Lato"/>
+              <a:ea typeface="Lato"/>
+              <a:cs typeface="Lato"/>
+              <a:sym typeface="Lato"/>
+            </a:endParaRPr>
+          </a:p>
+          <a:p>
+            <a:pPr indent="-336550" lvl="0" marL="457200" rtl="0" algn="l">
+              <a:spcBef>
+                <a:spcPts val="0"/>
+              </a:spcBef>
+              <a:spcAft>
+                <a:spcPts val="0"/>
+              </a:spcAft>
+              <a:buClr>
+                <a:schemeClr val="dk1"/>
+              </a:buClr>
+              <a:buSzPts val="1700"/>
+              <a:buFont typeface="Lato"/>
+              <a:buChar char="●"/>
+            </a:pPr>
+            <a:r>
+              <a:rPr lang="en" sz="1700">
+                <a:solidFill>
+                  <a:schemeClr val="dk1"/>
+                </a:solidFill>
+                <a:latin typeface="Lato"/>
+                <a:ea typeface="Lato"/>
+                <a:cs typeface="Lato"/>
+                <a:sym typeface="Lato"/>
+              </a:rPr>
+              <a:t>Home has a high percentage of </a:t>
+            </a:r>
+            <a:r>
+              <a:rPr b="1" lang="en" sz="1700">
+                <a:solidFill>
+                  <a:schemeClr val="dk1"/>
+                </a:solidFill>
+                <a:latin typeface="Lato"/>
+                <a:ea typeface="Lato"/>
+                <a:cs typeface="Lato"/>
+                <a:sym typeface="Lato"/>
+              </a:rPr>
+              <a:t>very large metro</a:t>
+            </a:r>
+            <a:r>
+              <a:rPr lang="en" sz="1700">
+                <a:solidFill>
+                  <a:schemeClr val="dk1"/>
+                </a:solidFill>
+                <a:latin typeface="Lato"/>
+                <a:ea typeface="Lato"/>
+                <a:cs typeface="Lato"/>
+                <a:sym typeface="Lato"/>
+              </a:rPr>
+              <a:t>.</a:t>
+            </a:r>
+            <a:endParaRPr sz="1700">
+              <a:solidFill>
+                <a:schemeClr val="dk1"/>
+              </a:solidFill>
+              <a:latin typeface="Lato"/>
+              <a:ea typeface="Lato"/>
+              <a:cs typeface="Lato"/>
+              <a:sym typeface="Lato"/>
+            </a:endParaRPr>
+          </a:p>
+          <a:p>
+            <a:pPr indent="-336550" lvl="0" marL="457200" rtl="0" algn="l">
+              <a:spcBef>
+                <a:spcPts val="0"/>
+              </a:spcBef>
+              <a:spcAft>
+                <a:spcPts val="0"/>
+              </a:spcAft>
+              <a:buClr>
+                <a:schemeClr val="dk1"/>
+              </a:buClr>
+              <a:buSzPts val="1700"/>
+              <a:buFont typeface="Lato"/>
+              <a:buChar char="●"/>
+            </a:pPr>
+            <a:r>
+              <a:rPr lang="en" sz="1700">
+                <a:solidFill>
+                  <a:schemeClr val="dk1"/>
+                </a:solidFill>
+                <a:latin typeface="Lato"/>
+                <a:ea typeface="Lato"/>
+                <a:cs typeface="Lato"/>
+                <a:sym typeface="Lato"/>
+              </a:rPr>
+              <a:t>Travel has a high percentage of </a:t>
+            </a:r>
+            <a:r>
+              <a:rPr b="1" lang="en" sz="1700">
+                <a:solidFill>
+                  <a:schemeClr val="dk1"/>
+                </a:solidFill>
+                <a:latin typeface="Lato"/>
+                <a:ea typeface="Lato"/>
+                <a:cs typeface="Lato"/>
+                <a:sym typeface="Lato"/>
+              </a:rPr>
+              <a:t>small city.</a:t>
+            </a:r>
+            <a:endParaRPr sz="1400"/>
           </a:p>
         </p:txBody>
       </p:sp>
@@ -994,7 +1056,7 @@
   <p:cSld>
     <p:spTree>
       <p:nvGrpSpPr>
-        <p:cNvPr id="159" name="Shape 159"/>
+        <p:cNvPr id="143" name="Shape 143"/>
         <p:cNvGrpSpPr/>
         <p:nvPr/>
       </p:nvGrpSpPr>
@@ -1008,7 +1070,7 @@
       </p:grpSpPr>
       <p:sp>
         <p:nvSpPr>
-          <p:cNvPr id="160" name="Google Shape;160;g23daaea3afc_0_16:notes"/>
+          <p:cNvPr id="144" name="Google Shape;144;g23e34196cf2_0_5:notes"/>
           <p:cNvSpPr/>
           <p:nvPr>
             <p:ph idx="2" type="sldImg"/>
@@ -1043,7 +1105,7 @@
       </p:sp>
       <p:sp>
         <p:nvSpPr>
-          <p:cNvPr id="161" name="Google Shape;161;g23daaea3afc_0_16:notes"/>
+          <p:cNvPr id="145" name="Google Shape;145;g23e34196cf2_0_5:notes"/>
           <p:cNvSpPr txBox="1"/>
           <p:nvPr>
             <p:ph idx="1" type="body"/>
@@ -1065,206 +1127,110 @@
           <a:lstStyle/>
           <a:p>
             <a:pPr indent="0" lvl="0" marL="0" rtl="0" algn="l">
-              <a:lnSpc>
-                <a:spcPct val="115000"/>
-              </a:lnSpc>
-              <a:spcBef>
-                <a:spcPts val="0"/>
-              </a:spcBef>
-              <a:spcAft>
-                <a:spcPts val="0"/>
-              </a:spcAft>
-              <a:buClr>
-                <a:schemeClr val="dk1"/>
-              </a:buClr>
-              <a:buSzPts val="1100"/>
-              <a:buFont typeface="Arial"/>
-              <a:buNone/>
-            </a:pPr>
-            <a:r>
-              <a:rPr lang="en">
-                <a:solidFill>
-                  <a:schemeClr val="dk1"/>
-                </a:solidFill>
-              </a:rPr>
-              <a:t>For Smoothie King, there are over one thousand features for surrounding population demographic, consumer behaviour, and store information for the 796 US store locations. </a:t>
-            </a:r>
-            <a:endParaRPr>
-              <a:solidFill>
-                <a:schemeClr val="dk1"/>
-              </a:solidFill>
-            </a:endParaRPr>
+              <a:spcBef>
+                <a:spcPts val="0"/>
+              </a:spcBef>
+              <a:spcAft>
+                <a:spcPts val="0"/>
+              </a:spcAft>
+              <a:buNone/>
+            </a:pPr>
+            <a:r>
+              <a:rPr lang="en" sz="1500"/>
+              <a:t>For most of the stores are located in exurban and light suburban.</a:t>
+            </a:r>
+            <a:endParaRPr sz="1500"/>
           </a:p>
           <a:p>
             <a:pPr indent="0" lvl="0" marL="0" rtl="0" algn="l">
-              <a:lnSpc>
-                <a:spcPct val="115000"/>
-              </a:lnSpc>
-              <a:spcBef>
-                <a:spcPts val="0"/>
-              </a:spcBef>
-              <a:spcAft>
-                <a:spcPts val="0"/>
-              </a:spcAft>
-              <a:buClr>
-                <a:schemeClr val="dk1"/>
-              </a:buClr>
-              <a:buSzPts val="1100"/>
-              <a:buFont typeface="Arial"/>
+              <a:spcBef>
+                <a:spcPts val="0"/>
+              </a:spcBef>
+              <a:spcAft>
+                <a:spcPts val="0"/>
+              </a:spcAft>
               <a:buNone/>
             </a:pPr>
             <a:r>
               <a:t/>
             </a:r>
-            <a:endParaRPr>
-              <a:solidFill>
-                <a:schemeClr val="dk1"/>
-              </a:solidFill>
-            </a:endParaRPr>
+            <a:endParaRPr sz="1500"/>
           </a:p>
           <a:p>
             <a:pPr indent="0" lvl="0" marL="0" rtl="0" algn="l">
-              <a:lnSpc>
-                <a:spcPct val="115000"/>
-              </a:lnSpc>
-              <a:spcBef>
-                <a:spcPts val="0"/>
-              </a:spcBef>
-              <a:spcAft>
-                <a:spcPts val="0"/>
-              </a:spcAft>
-              <a:buClr>
-                <a:schemeClr val="dk1"/>
-              </a:buClr>
-              <a:buSzPts val="1100"/>
-              <a:buFont typeface="Arial"/>
-              <a:buNone/>
-            </a:pPr>
-            <a:r>
-              <a:rPr lang="en">
-                <a:solidFill>
-                  <a:schemeClr val="dk1"/>
-                </a:solidFill>
-              </a:rPr>
-              <a:t>Among these features, many of them are highly correlated to one another. Therefore, it is important to start with feature selection and dimensionality reduction process. Other than manually analyzing the data columns, we are planning to use Principal Component Analysis (PCA) to reduce the dimension and Recursive Feature Elimination method to select the most important features. </a:t>
-            </a:r>
-            <a:endParaRPr>
-              <a:solidFill>
-                <a:schemeClr val="dk1"/>
-              </a:solidFill>
-            </a:endParaRPr>
+              <a:spcBef>
+                <a:spcPts val="0"/>
+              </a:spcBef>
+              <a:spcAft>
+                <a:spcPts val="0"/>
+              </a:spcAft>
+              <a:buNone/>
+            </a:pPr>
+            <a:r>
+              <a:rPr lang="en" sz="1500"/>
+              <a:t>As the diagram shown on the right, it shows the area size for each level of the store density.</a:t>
+            </a:r>
+            <a:endParaRPr sz="1500"/>
           </a:p>
           <a:p>
             <a:pPr indent="0" lvl="0" marL="0" rtl="0" algn="l">
-              <a:lnSpc>
-                <a:spcPct val="115000"/>
-              </a:lnSpc>
-              <a:spcBef>
-                <a:spcPts val="0"/>
-              </a:spcBef>
-              <a:spcAft>
-                <a:spcPts val="0"/>
-              </a:spcAft>
-              <a:buClr>
-                <a:schemeClr val="dk1"/>
-              </a:buClr>
-              <a:buSzPts val="1100"/>
-              <a:buFont typeface="Arial"/>
+              <a:spcBef>
+                <a:spcPts val="0"/>
+              </a:spcBef>
+              <a:spcAft>
+                <a:spcPts val="0"/>
+              </a:spcAft>
               <a:buNone/>
             </a:pPr>
             <a:r>
               <a:t/>
             </a:r>
-            <a:endParaRPr>
-              <a:solidFill>
-                <a:schemeClr val="dk1"/>
-              </a:solidFill>
-            </a:endParaRPr>
+            <a:endParaRPr sz="1500"/>
           </a:p>
           <a:p>
             <a:pPr indent="0" lvl="0" marL="0" rtl="0" algn="l">
-              <a:lnSpc>
-                <a:spcPct val="115000"/>
-              </a:lnSpc>
-              <a:spcBef>
-                <a:spcPts val="0"/>
-              </a:spcBef>
-              <a:spcAft>
-                <a:spcPts val="0"/>
-              </a:spcAft>
-              <a:buClr>
-                <a:schemeClr val="dk1"/>
-              </a:buClr>
-              <a:buSzPts val="1100"/>
-              <a:buFont typeface="Arial"/>
-              <a:buNone/>
-            </a:pPr>
-            <a:r>
-              <a:rPr lang="en">
-                <a:solidFill>
-                  <a:schemeClr val="dk1"/>
-                </a:solidFill>
-              </a:rPr>
-              <a:t>With the data and the supervised classification objective, we propose to use an LGBMClassifier as it effectively trains high-dimensional datasets and usually leads to relatively high accuracy for the multi-class problems.</a:t>
-            </a:r>
-            <a:endParaRPr>
-              <a:solidFill>
-                <a:schemeClr val="dk1"/>
-              </a:solidFill>
-            </a:endParaRPr>
+              <a:spcBef>
+                <a:spcPts val="0"/>
+              </a:spcBef>
+              <a:spcAft>
+                <a:spcPts val="0"/>
+              </a:spcAft>
+              <a:buNone/>
+            </a:pPr>
+            <a:r>
+              <a:rPr lang="en" sz="1500"/>
+              <a:t>The only </a:t>
+            </a:r>
+            <a:r>
+              <a:rPr lang="en" sz="1500"/>
+              <a:t>category</a:t>
+            </a:r>
+            <a:r>
+              <a:rPr lang="en" sz="1500"/>
+              <a:t> has the store density of light urban is other. The </a:t>
+            </a:r>
+            <a:r>
+              <a:rPr lang="en" sz="1500"/>
+              <a:t>reason</a:t>
+            </a:r>
+            <a:r>
+              <a:rPr lang="en" sz="1500"/>
+              <a:t> is that the other category contain church, which mostly located in light urban areas.</a:t>
+            </a:r>
+            <a:endParaRPr sz="1500"/>
           </a:p>
           <a:p>
             <a:pPr indent="0" lvl="0" marL="0" rtl="0" algn="l">
-              <a:lnSpc>
-                <a:spcPct val="115000"/>
-              </a:lnSpc>
-              <a:spcBef>
-                <a:spcPts val="0"/>
-              </a:spcBef>
-              <a:spcAft>
-                <a:spcPts val="0"/>
-              </a:spcAft>
-              <a:buClr>
-                <a:schemeClr val="dk1"/>
-              </a:buClr>
-              <a:buSzPts val="1100"/>
-              <a:buFont typeface="Arial"/>
+              <a:spcBef>
+                <a:spcPts val="0"/>
+              </a:spcBef>
+              <a:spcAft>
+                <a:spcPts val="0"/>
+              </a:spcAft>
               <a:buNone/>
             </a:pPr>
             <a:r>
               <a:t/>
-            </a:r>
-            <a:endParaRPr>
-              <a:solidFill>
-                <a:schemeClr val="dk1"/>
-              </a:solidFill>
-            </a:endParaRPr>
-          </a:p>
-          <a:p>
-            <a:pPr indent="0" lvl="0" marL="0" rtl="0" algn="l">
-              <a:lnSpc>
-                <a:spcPct val="115000"/>
-              </a:lnSpc>
-              <a:spcBef>
-                <a:spcPts val="0"/>
-              </a:spcBef>
-              <a:spcAft>
-                <a:spcPts val="0"/>
-              </a:spcAft>
-              <a:buClr>
-                <a:schemeClr val="dk1"/>
-              </a:buClr>
-              <a:buSzPts val="1100"/>
-              <a:buFont typeface="Arial"/>
-              <a:buNone/>
-            </a:pPr>
-            <a:r>
-              <a:rPr lang="en">
-                <a:solidFill>
-                  <a:schemeClr val="dk1"/>
-                </a:solidFill>
-              </a:rPr>
-              <a:t>With the labelt , the result will be evaluated through the model accuracy score. The accuracy would indicate how many stores are classified correctly into the designated category where higher accuracy suggests better model performance. The result can be interpreted through SHAP (SHapley Additive exPlanations) plots which should be able to tell the story of which features drive the decision of a particular category assignment for a certain store.</a:t>
             </a:r>
             <a:endParaRPr/>
           </a:p>
@@ -1283,7 +1249,7 @@
   <p:cSld>
     <p:spTree>
       <p:nvGrpSpPr>
-        <p:cNvPr id="165" name="Shape 165"/>
+        <p:cNvPr id="164" name="Shape 164"/>
         <p:cNvGrpSpPr/>
         <p:nvPr/>
       </p:nvGrpSpPr>
@@ -1297,7 +1263,7 @@
       </p:grpSpPr>
       <p:sp>
         <p:nvSpPr>
-          <p:cNvPr id="166" name="Google Shape;166;g23daaea3afc_0_21:notes"/>
+          <p:cNvPr id="165" name="Google Shape;165;g23daaea3afc_0_16:notes"/>
           <p:cNvSpPr/>
           <p:nvPr>
             <p:ph idx="2" type="sldImg"/>
@@ -1332,7 +1298,7 @@
       </p:sp>
       <p:sp>
         <p:nvSpPr>
-          <p:cNvPr id="167" name="Google Shape;167;g23daaea3afc_0_21:notes"/>
+          <p:cNvPr id="166" name="Google Shape;166;g23daaea3afc_0_16:notes"/>
           <p:cNvSpPr txBox="1"/>
           <p:nvPr>
             <p:ph idx="1" type="body"/>
@@ -1354,16 +1320,206 @@
           <a:lstStyle/>
           <a:p>
             <a:pPr indent="0" lvl="0" marL="0" rtl="0" algn="l">
-              <a:spcBef>
-                <a:spcPts val="0"/>
-              </a:spcBef>
-              <a:spcAft>
-                <a:spcPts val="0"/>
-              </a:spcAft>
+              <a:lnSpc>
+                <a:spcPct val="115000"/>
+              </a:lnSpc>
+              <a:spcBef>
+                <a:spcPts val="0"/>
+              </a:spcBef>
+              <a:spcAft>
+                <a:spcPts val="0"/>
+              </a:spcAft>
+              <a:buClr>
+                <a:schemeClr val="dk1"/>
+              </a:buClr>
+              <a:buSzPts val="1100"/>
+              <a:buFont typeface="Arial"/>
+              <a:buNone/>
+            </a:pPr>
+            <a:r>
+              <a:rPr lang="en">
+                <a:solidFill>
+                  <a:schemeClr val="dk1"/>
+                </a:solidFill>
+              </a:rPr>
+              <a:t>For Smoothie King, there are over one thousand features for surrounding population demographic, consumer behaviour, and store information for the 796 US store locations. </a:t>
+            </a:r>
+            <a:endParaRPr>
+              <a:solidFill>
+                <a:schemeClr val="dk1"/>
+              </a:solidFill>
+            </a:endParaRPr>
+          </a:p>
+          <a:p>
+            <a:pPr indent="0" lvl="0" marL="0" rtl="0" algn="l">
+              <a:lnSpc>
+                <a:spcPct val="115000"/>
+              </a:lnSpc>
+              <a:spcBef>
+                <a:spcPts val="0"/>
+              </a:spcBef>
+              <a:spcAft>
+                <a:spcPts val="0"/>
+              </a:spcAft>
+              <a:buClr>
+                <a:schemeClr val="dk1"/>
+              </a:buClr>
+              <a:buSzPts val="1100"/>
+              <a:buFont typeface="Arial"/>
               <a:buNone/>
             </a:pPr>
             <a:r>
               <a:t/>
+            </a:r>
+            <a:endParaRPr>
+              <a:solidFill>
+                <a:schemeClr val="dk1"/>
+              </a:solidFill>
+            </a:endParaRPr>
+          </a:p>
+          <a:p>
+            <a:pPr indent="0" lvl="0" marL="0" rtl="0" algn="l">
+              <a:lnSpc>
+                <a:spcPct val="115000"/>
+              </a:lnSpc>
+              <a:spcBef>
+                <a:spcPts val="0"/>
+              </a:spcBef>
+              <a:spcAft>
+                <a:spcPts val="0"/>
+              </a:spcAft>
+              <a:buClr>
+                <a:schemeClr val="dk1"/>
+              </a:buClr>
+              <a:buSzPts val="1100"/>
+              <a:buFont typeface="Arial"/>
+              <a:buNone/>
+            </a:pPr>
+            <a:r>
+              <a:rPr lang="en">
+                <a:solidFill>
+                  <a:schemeClr val="dk1"/>
+                </a:solidFill>
+              </a:rPr>
+              <a:t>Among these features, many of them are highly correlated to one another. Therefore, it is important to start with feature selection and dimensionality reduction process. Other than manually analyzing the data columns, we are planning to use Principal Component Analysis (PCA) to reduce the dimension and Recursive Feature Elimination method to select the most important features. </a:t>
+            </a:r>
+            <a:endParaRPr>
+              <a:solidFill>
+                <a:schemeClr val="dk1"/>
+              </a:solidFill>
+            </a:endParaRPr>
+          </a:p>
+          <a:p>
+            <a:pPr indent="0" lvl="0" marL="0" rtl="0" algn="l">
+              <a:lnSpc>
+                <a:spcPct val="115000"/>
+              </a:lnSpc>
+              <a:spcBef>
+                <a:spcPts val="0"/>
+              </a:spcBef>
+              <a:spcAft>
+                <a:spcPts val="0"/>
+              </a:spcAft>
+              <a:buClr>
+                <a:schemeClr val="dk1"/>
+              </a:buClr>
+              <a:buSzPts val="1100"/>
+              <a:buFont typeface="Arial"/>
+              <a:buNone/>
+            </a:pPr>
+            <a:r>
+              <a:t/>
+            </a:r>
+            <a:endParaRPr>
+              <a:solidFill>
+                <a:schemeClr val="dk1"/>
+              </a:solidFill>
+            </a:endParaRPr>
+          </a:p>
+          <a:p>
+            <a:pPr indent="0" lvl="0" marL="0" rtl="0" algn="l">
+              <a:lnSpc>
+                <a:spcPct val="115000"/>
+              </a:lnSpc>
+              <a:spcBef>
+                <a:spcPts val="0"/>
+              </a:spcBef>
+              <a:spcAft>
+                <a:spcPts val="0"/>
+              </a:spcAft>
+              <a:buClr>
+                <a:schemeClr val="dk1"/>
+              </a:buClr>
+              <a:buSzPts val="1100"/>
+              <a:buFont typeface="Arial"/>
+              <a:buNone/>
+            </a:pPr>
+            <a:r>
+              <a:rPr lang="en">
+                <a:solidFill>
+                  <a:schemeClr val="dk1"/>
+                </a:solidFill>
+              </a:rPr>
+              <a:t>With the data and the supervised classification objective, we propose to use an LGBMClassifier as it effectively trains high-dimensional datasets and usually leads to relatively high accuracy for the multi-class problems.</a:t>
+            </a:r>
+            <a:endParaRPr>
+              <a:solidFill>
+                <a:schemeClr val="dk1"/>
+              </a:solidFill>
+            </a:endParaRPr>
+          </a:p>
+          <a:p>
+            <a:pPr indent="0" lvl="0" marL="0" rtl="0" algn="l">
+              <a:lnSpc>
+                <a:spcPct val="115000"/>
+              </a:lnSpc>
+              <a:spcBef>
+                <a:spcPts val="0"/>
+              </a:spcBef>
+              <a:spcAft>
+                <a:spcPts val="0"/>
+              </a:spcAft>
+              <a:buClr>
+                <a:schemeClr val="dk1"/>
+              </a:buClr>
+              <a:buSzPts val="1100"/>
+              <a:buFont typeface="Arial"/>
+              <a:buNone/>
+            </a:pPr>
+            <a:r>
+              <a:t/>
+            </a:r>
+            <a:endParaRPr>
+              <a:solidFill>
+                <a:schemeClr val="dk1"/>
+              </a:solidFill>
+            </a:endParaRPr>
+          </a:p>
+          <a:p>
+            <a:pPr indent="0" lvl="0" marL="0" rtl="0" algn="l">
+              <a:lnSpc>
+                <a:spcPct val="115000"/>
+              </a:lnSpc>
+              <a:spcBef>
+                <a:spcPts val="0"/>
+              </a:spcBef>
+              <a:spcAft>
+                <a:spcPts val="0"/>
+              </a:spcAft>
+              <a:buClr>
+                <a:schemeClr val="dk1"/>
+              </a:buClr>
+              <a:buSzPts val="1100"/>
+              <a:buFont typeface="Arial"/>
+              <a:buNone/>
+            </a:pPr>
+            <a:r>
+              <a:rPr lang="en">
+                <a:solidFill>
+                  <a:schemeClr val="dk1"/>
+                </a:solidFill>
+              </a:rPr>
+              <a:t>With the labeled data, we can evaluate the model by its accuracy score. The score would indicate if the model is capable of detecting the most important traffic driving factor to a store. The result can be interpreted with SHAP plots where we can visualize which features drive the decision of a particular category assignment for a certain store.</a:t>
             </a:r>
             <a:endParaRPr/>
           </a:p>
@@ -1382,7 +1538,7 @@
   <p:cSld>
     <p:spTree>
       <p:nvGrpSpPr>
-        <p:cNvPr id="172" name="Shape 172"/>
+        <p:cNvPr id="170" name="Shape 170"/>
         <p:cNvGrpSpPr/>
         <p:nvPr/>
       </p:nvGrpSpPr>
@@ -1396,7 +1552,7 @@
       </p:grpSpPr>
       <p:sp>
         <p:nvSpPr>
-          <p:cNvPr id="173" name="Google Shape;173;g20a30798403_13_7:notes"/>
+          <p:cNvPr id="171" name="Google Shape;171;g23daaea3afc_0_21:notes"/>
           <p:cNvSpPr/>
           <p:nvPr>
             <p:ph idx="2" type="sldImg"/>
@@ -1431,7 +1587,7 @@
       </p:sp>
       <p:sp>
         <p:nvSpPr>
-          <p:cNvPr id="174" name="Google Shape;174;g20a30798403_13_7:notes"/>
+          <p:cNvPr id="172" name="Google Shape;172;g23daaea3afc_0_21:notes"/>
           <p:cNvSpPr txBox="1"/>
           <p:nvPr>
             <p:ph idx="1" type="body"/>
@@ -1459,56 +1615,10 @@
               <a:spcAft>
                 <a:spcPts val="0"/>
               </a:spcAft>
-              <a:buClr>
-                <a:schemeClr val="dk1"/>
-              </a:buClr>
-              <a:buSzPts val="1018"/>
-              <a:buFont typeface="Arial"/>
-              <a:buNone/>
-            </a:pPr>
-            <a:r>
-              <a:rPr lang="en" sz="1180">
-                <a:solidFill>
-                  <a:srgbClr val="595959"/>
-                </a:solidFill>
-                <a:latin typeface="Lato"/>
-                <a:ea typeface="Lato"/>
-                <a:cs typeface="Lato"/>
-                <a:sym typeface="Lato"/>
-              </a:rPr>
-              <a:t>x-axis: gen Z population %</a:t>
-            </a:r>
-            <a:endParaRPr sz="1180">
-              <a:solidFill>
-                <a:srgbClr val="595959"/>
-              </a:solidFill>
-              <a:latin typeface="Lato"/>
-              <a:ea typeface="Lato"/>
-              <a:cs typeface="Lato"/>
-              <a:sym typeface="Lato"/>
-            </a:endParaRPr>
-          </a:p>
-          <a:p>
-            <a:pPr indent="0" lvl="0" marL="0" rtl="0" algn="l">
-              <a:spcBef>
-                <a:spcPts val="0"/>
-              </a:spcBef>
-              <a:spcAft>
-                <a:spcPts val="0"/>
-              </a:spcAft>
-              <a:buNone/>
-            </a:pPr>
-            <a:r>
-              <a:rPr lang="en" sz="1180">
-                <a:solidFill>
-                  <a:srgbClr val="595959"/>
-                </a:solidFill>
-                <a:latin typeface="Lato"/>
-                <a:ea typeface="Lato"/>
-                <a:cs typeface="Lato"/>
-                <a:sym typeface="Lato"/>
-              </a:rPr>
-              <a:t>y-axis: amount spent on dinner (10 million USD)</a:t>
+              <a:buNone/>
+            </a:pPr>
+            <a:r>
+              <a:t/>
             </a:r>
             <a:endParaRPr/>
           </a:p>
@@ -1527,7 +1637,7 @@
   <p:cSld>
     <p:spTree>
       <p:nvGrpSpPr>
-        <p:cNvPr id="178" name="Shape 178"/>
+        <p:cNvPr id="177" name="Shape 177"/>
         <p:cNvGrpSpPr/>
         <p:nvPr/>
       </p:nvGrpSpPr>
@@ -1541,7 +1651,7 @@
       </p:grpSpPr>
       <p:sp>
         <p:nvSpPr>
-          <p:cNvPr id="179" name="Google Shape;179;g23ca989ced0_0_3653:notes"/>
+          <p:cNvPr id="178" name="Google Shape;178;g20a30798403_13_7:notes"/>
           <p:cNvSpPr/>
           <p:nvPr>
             <p:ph idx="2" type="sldImg"/>
@@ -1576,7 +1686,7 @@
       </p:sp>
       <p:sp>
         <p:nvSpPr>
-          <p:cNvPr id="180" name="Google Shape;180;g23ca989ced0_0_3653:notes"/>
+          <p:cNvPr id="179" name="Google Shape;179;g20a30798403_13_7:notes"/>
           <p:cNvSpPr txBox="1"/>
           <p:nvPr>
             <p:ph idx="1" type="body"/>
@@ -1604,10 +1714,56 @@
               <a:spcAft>
                 <a:spcPts val="0"/>
               </a:spcAft>
-              <a:buNone/>
-            </a:pPr>
-            <a:r>
-              <a:t/>
+              <a:buClr>
+                <a:schemeClr val="dk1"/>
+              </a:buClr>
+              <a:buSzPts val="1018"/>
+              <a:buFont typeface="Arial"/>
+              <a:buNone/>
+            </a:pPr>
+            <a:r>
+              <a:rPr lang="en" sz="1180">
+                <a:solidFill>
+                  <a:srgbClr val="595959"/>
+                </a:solidFill>
+                <a:latin typeface="Lato"/>
+                <a:ea typeface="Lato"/>
+                <a:cs typeface="Lato"/>
+                <a:sym typeface="Lato"/>
+              </a:rPr>
+              <a:t>x-axis: gen Z population %</a:t>
+            </a:r>
+            <a:endParaRPr sz="1180">
+              <a:solidFill>
+                <a:srgbClr val="595959"/>
+              </a:solidFill>
+              <a:latin typeface="Lato"/>
+              <a:ea typeface="Lato"/>
+              <a:cs typeface="Lato"/>
+              <a:sym typeface="Lato"/>
+            </a:endParaRPr>
+          </a:p>
+          <a:p>
+            <a:pPr indent="0" lvl="0" marL="0" rtl="0" algn="l">
+              <a:spcBef>
+                <a:spcPts val="0"/>
+              </a:spcBef>
+              <a:spcAft>
+                <a:spcPts val="0"/>
+              </a:spcAft>
+              <a:buNone/>
+            </a:pPr>
+            <a:r>
+              <a:rPr lang="en" sz="1180">
+                <a:solidFill>
+                  <a:srgbClr val="595959"/>
+                </a:solidFill>
+                <a:latin typeface="Lato"/>
+                <a:ea typeface="Lato"/>
+                <a:cs typeface="Lato"/>
+                <a:sym typeface="Lato"/>
+              </a:rPr>
+              <a:t>y-axis: amount spent on dinner (10 million USD)</a:t>
             </a:r>
             <a:endParaRPr/>
           </a:p>
@@ -1626,7 +1782,7 @@
   <p:cSld>
     <p:spTree>
       <p:nvGrpSpPr>
-        <p:cNvPr id="184" name="Shape 184"/>
+        <p:cNvPr id="183" name="Shape 183"/>
         <p:cNvGrpSpPr/>
         <p:nvPr/>
       </p:nvGrpSpPr>
@@ -1640,7 +1796,7 @@
       </p:grpSpPr>
       <p:sp>
         <p:nvSpPr>
-          <p:cNvPr id="185" name="Google Shape;185;g23daaea3afc_0_32:notes"/>
+          <p:cNvPr id="184" name="Google Shape;184;g23ca989ced0_0_3653:notes"/>
           <p:cNvSpPr/>
           <p:nvPr>
             <p:ph idx="2" type="sldImg"/>
@@ -1675,7 +1831,7 @@
       </p:sp>
       <p:sp>
         <p:nvSpPr>
-          <p:cNvPr id="186" name="Google Shape;186;g23daaea3afc_0_32:notes"/>
+          <p:cNvPr id="185" name="Google Shape;185;g23ca989ced0_0_3653:notes"/>
           <p:cNvSpPr txBox="1"/>
           <p:nvPr>
             <p:ph idx="1" type="body"/>
@@ -1725,7 +1881,7 @@
   <p:cSld>
     <p:spTree>
       <p:nvGrpSpPr>
-        <p:cNvPr id="191" name="Shape 191"/>
+        <p:cNvPr id="189" name="Shape 189"/>
         <p:cNvGrpSpPr/>
         <p:nvPr/>
       </p:nvGrpSpPr>
@@ -1739,7 +1895,7 @@
       </p:grpSpPr>
       <p:sp>
         <p:nvSpPr>
-          <p:cNvPr id="192" name="Google Shape;192;g23daaea3afc_0_42:notes"/>
+          <p:cNvPr id="190" name="Google Shape;190;g23daaea3afc_0_32:notes"/>
           <p:cNvSpPr/>
           <p:nvPr>
             <p:ph idx="2" type="sldImg"/>
@@ -1774,7 +1930,7 @@
       </p:sp>
       <p:sp>
         <p:nvSpPr>
-          <p:cNvPr id="193" name="Google Shape;193;g23daaea3afc_0_42:notes"/>
+          <p:cNvPr id="191" name="Google Shape;191;g23daaea3afc_0_32:notes"/>
           <p:cNvSpPr txBox="1"/>
           <p:nvPr>
             <p:ph idx="1" type="body"/>
@@ -1796,88 +1952,16 @@
           <a:lstStyle/>
           <a:p>
             <a:pPr indent="0" lvl="0" marL="0" rtl="0" algn="l">
-              <a:lnSpc>
-                <a:spcPct val="115000"/>
-              </a:lnSpc>
-              <a:spcBef>
-                <a:spcPts val="0"/>
-              </a:spcBef>
-              <a:spcAft>
-                <a:spcPts val="0"/>
-              </a:spcAft>
-              <a:buClr>
-                <a:schemeClr val="dk1"/>
-              </a:buClr>
-              <a:buSzPts val="1100"/>
-              <a:buFont typeface="Arial"/>
-              <a:buNone/>
-            </a:pPr>
-            <a:r>
-              <a:rPr lang="en">
-                <a:solidFill>
-                  <a:schemeClr val="dk1"/>
-                </a:solidFill>
-              </a:rPr>
-              <a:t>For Subway Canada, the corresponding dataset has relatively fewer features (53 features combined with similar information as mentioned above for Smoothie King, for approximately 1800 stores in Canada) in comparison to the other 2 restaurant chains. The implementation of PCA is optional. We will take a similar approach to Subway US and evaluate the result. </a:t>
-            </a:r>
-            <a:endParaRPr>
-              <a:solidFill>
-                <a:schemeClr val="dk1"/>
-              </a:solidFill>
-            </a:endParaRPr>
-          </a:p>
-          <a:p>
-            <a:pPr indent="0" lvl="0" marL="457200" rtl="0" algn="l">
-              <a:lnSpc>
-                <a:spcPct val="115000"/>
-              </a:lnSpc>
-              <a:spcBef>
-                <a:spcPts val="0"/>
-              </a:spcBef>
-              <a:spcAft>
-                <a:spcPts val="0"/>
-              </a:spcAft>
-              <a:buClr>
-                <a:schemeClr val="dk1"/>
-              </a:buClr>
-              <a:buSzPts val="1100"/>
-              <a:buFont typeface="Arial"/>
+              <a:spcBef>
+                <a:spcPts val="0"/>
+              </a:spcBef>
+              <a:spcAft>
+                <a:spcPts val="0"/>
+              </a:spcAft>
               <a:buNone/>
             </a:pPr>
             <a:r>
               <a:t/>
-            </a:r>
-            <a:endParaRPr>
-              <a:solidFill>
-                <a:schemeClr val="dk1"/>
-              </a:solidFill>
-            </a:endParaRPr>
-          </a:p>
-          <a:p>
-            <a:pPr indent="0" lvl="0" marL="0" rtl="0" algn="l">
-              <a:lnSpc>
-                <a:spcPct val="115000"/>
-              </a:lnSpc>
-              <a:spcBef>
-                <a:spcPts val="0"/>
-              </a:spcBef>
-              <a:spcAft>
-                <a:spcPts val="0"/>
-              </a:spcAft>
-              <a:buClr>
-                <a:schemeClr val="dk1"/>
-              </a:buClr>
-              <a:buSzPts val="1100"/>
-              <a:buFont typeface="Arial"/>
-              <a:buNone/>
-            </a:pPr>
-            <a:r>
-              <a:rPr lang="en">
-                <a:solidFill>
-                  <a:schemeClr val="dk1"/>
-                </a:solidFill>
-              </a:rPr>
-              <a:t>If the performance is not ideal, consider removing the PCA step and running clustering to evaluate the result again with the Silhouette Coefficient score and check Google Maps.</a:t>
             </a:r>
             <a:endParaRPr/>
           </a:p>
@@ -1896,7 +1980,7 @@
   <p:cSld>
     <p:spTree>
       <p:nvGrpSpPr>
-        <p:cNvPr id="197" name="Shape 197"/>
+        <p:cNvPr id="196" name="Shape 196"/>
         <p:cNvGrpSpPr/>
         <p:nvPr/>
       </p:nvGrpSpPr>
@@ -1910,7 +1994,7 @@
       </p:grpSpPr>
       <p:sp>
         <p:nvSpPr>
-          <p:cNvPr id="198" name="Google Shape;198;g22196019e4d_1_5:notes"/>
+          <p:cNvPr id="197" name="Google Shape;197;g23daaea3afc_0_42:notes"/>
           <p:cNvSpPr/>
           <p:nvPr>
             <p:ph idx="2" type="sldImg"/>
@@ -1945,7 +2029,7 @@
       </p:sp>
       <p:sp>
         <p:nvSpPr>
-          <p:cNvPr id="199" name="Google Shape;199;g22196019e4d_1_5:notes"/>
+          <p:cNvPr id="198" name="Google Shape;198;g23daaea3afc_0_42:notes"/>
           <p:cNvSpPr txBox="1"/>
           <p:nvPr>
             <p:ph idx="1" type="body"/>
@@ -1967,16 +2051,88 @@
           <a:lstStyle/>
           <a:p>
             <a:pPr indent="0" lvl="0" marL="0" rtl="0" algn="l">
-              <a:spcBef>
-                <a:spcPts val="0"/>
-              </a:spcBef>
-              <a:spcAft>
-                <a:spcPts val="0"/>
-              </a:spcAft>
+              <a:lnSpc>
+                <a:spcPct val="115000"/>
+              </a:lnSpc>
+              <a:spcBef>
+                <a:spcPts val="0"/>
+              </a:spcBef>
+              <a:spcAft>
+                <a:spcPts val="0"/>
+              </a:spcAft>
+              <a:buClr>
+                <a:schemeClr val="dk1"/>
+              </a:buClr>
+              <a:buSzPts val="1100"/>
+              <a:buFont typeface="Arial"/>
+              <a:buNone/>
+            </a:pPr>
+            <a:r>
+              <a:rPr lang="en">
+                <a:solidFill>
+                  <a:schemeClr val="dk1"/>
+                </a:solidFill>
+              </a:rPr>
+              <a:t>For Subway Canada, the corresponding dataset has relatively fewer features (53 features combined with similar information as mentioned above for Smoothie King, for approximately 1800 stores in Canada) in comparison to the other 2 restaurant chains. The implementation of PCA is optional. We will take a similar approach to Subway US and evaluate the result. </a:t>
+            </a:r>
+            <a:endParaRPr>
+              <a:solidFill>
+                <a:schemeClr val="dk1"/>
+              </a:solidFill>
+            </a:endParaRPr>
+          </a:p>
+          <a:p>
+            <a:pPr indent="0" lvl="0" marL="457200" rtl="0" algn="l">
+              <a:lnSpc>
+                <a:spcPct val="115000"/>
+              </a:lnSpc>
+              <a:spcBef>
+                <a:spcPts val="0"/>
+              </a:spcBef>
+              <a:spcAft>
+                <a:spcPts val="0"/>
+              </a:spcAft>
+              <a:buClr>
+                <a:schemeClr val="dk1"/>
+              </a:buClr>
+              <a:buSzPts val="1100"/>
+              <a:buFont typeface="Arial"/>
               <a:buNone/>
             </a:pPr>
             <a:r>
               <a:t/>
+            </a:r>
+            <a:endParaRPr>
+              <a:solidFill>
+                <a:schemeClr val="dk1"/>
+              </a:solidFill>
+            </a:endParaRPr>
+          </a:p>
+          <a:p>
+            <a:pPr indent="0" lvl="0" marL="0" rtl="0" algn="l">
+              <a:lnSpc>
+                <a:spcPct val="115000"/>
+              </a:lnSpc>
+              <a:spcBef>
+                <a:spcPts val="0"/>
+              </a:spcBef>
+              <a:spcAft>
+                <a:spcPts val="0"/>
+              </a:spcAft>
+              <a:buClr>
+                <a:schemeClr val="dk1"/>
+              </a:buClr>
+              <a:buSzPts val="1100"/>
+              <a:buFont typeface="Arial"/>
+              <a:buNone/>
+            </a:pPr>
+            <a:r>
+              <a:rPr lang="en">
+                <a:solidFill>
+                  <a:schemeClr val="dk1"/>
+                </a:solidFill>
+              </a:rPr>
+              <a:t>If the performance is not ideal, consider removing the PCA step and running clustering to evaluate the result again with the Silhouette Coefficient score and check Google Maps.</a:t>
             </a:r>
             <a:endParaRPr/>
           </a:p>
@@ -1995,7 +2151,7 @@
   <p:cSld>
     <p:spTree>
       <p:nvGrpSpPr>
-        <p:cNvPr id="203" name="Shape 203"/>
+        <p:cNvPr id="202" name="Shape 202"/>
         <p:cNvGrpSpPr/>
         <p:nvPr/>
       </p:nvGrpSpPr>
@@ -2009,7 +2165,7 @@
       </p:grpSpPr>
       <p:sp>
         <p:nvSpPr>
-          <p:cNvPr id="204" name="Google Shape;204;g23ca989ced0_0_3529:notes"/>
+          <p:cNvPr id="203" name="Google Shape;203;g22196019e4d_1_5:notes"/>
           <p:cNvSpPr/>
           <p:nvPr>
             <p:ph idx="2" type="sldImg"/>
@@ -2044,7 +2200,7 @@
       </p:sp>
       <p:sp>
         <p:nvSpPr>
-          <p:cNvPr id="205" name="Google Shape;205;g23ca989ced0_0_3529:notes"/>
+          <p:cNvPr id="204" name="Google Shape;204;g22196019e4d_1_5:notes"/>
           <p:cNvSpPr txBox="1"/>
           <p:nvPr>
             <p:ph idx="1" type="body"/>
@@ -2094,7 +2250,7 @@
   <p:cSld>
     <p:spTree>
       <p:nvGrpSpPr>
-        <p:cNvPr id="270" name="Shape 270"/>
+        <p:cNvPr id="208" name="Shape 208"/>
         <p:cNvGrpSpPr/>
         <p:nvPr/>
       </p:nvGrpSpPr>
@@ -2108,7 +2264,7 @@
       </p:grpSpPr>
       <p:sp>
         <p:nvSpPr>
-          <p:cNvPr id="271" name="Google Shape;271;g23daaea3afc_0_48:notes"/>
+          <p:cNvPr id="209" name="Google Shape;209;g23ca989ced0_0_3529:notes"/>
           <p:cNvSpPr/>
           <p:nvPr>
             <p:ph idx="2" type="sldImg"/>
@@ -2143,7 +2299,7 @@
       </p:sp>
       <p:sp>
         <p:nvSpPr>
-          <p:cNvPr id="272" name="Google Shape;272;g23daaea3afc_0_48:notes"/>
+          <p:cNvPr id="210" name="Google Shape;210;g23ca989ced0_0_3529:notes"/>
           <p:cNvSpPr txBox="1"/>
           <p:nvPr>
             <p:ph idx="1" type="body"/>
@@ -2287,12 +2443,12 @@
 </p:notes>
 </file>
 
-<file path=ppt/notesSlides/notesSlide3.xml><?xml version="1.0" encoding="utf-8"?>
+<file path=ppt/notesSlides/notesSlide20.xml><?xml version="1.0" encoding="utf-8"?>
 <p:notes xmlns:a="http://schemas.openxmlformats.org/drawingml/2006/main" xmlns:r="http://schemas.openxmlformats.org/officeDocument/2006/relationships" xmlns:mc="http://schemas.openxmlformats.org/markup-compatibility/2006" xmlns:mv="urn:schemas-microsoft-com:mac:vml" xmlns:p="http://schemas.openxmlformats.org/presentationml/2006/main" xmlns:c="http://schemas.openxmlformats.org/drawingml/2006/chart" xmlns:dgm="http://schemas.openxmlformats.org/drawingml/2006/diagram" xmlns:o="urn:schemas-microsoft-com:office:office" xmlns:v="urn:schemas-microsoft-com:vml" xmlns:pvml="urn:schemas-microsoft-com:office:powerpoint" xmlns:com="http://schemas.openxmlformats.org/drawingml/2006/compatibility" xmlns:p14="http://schemas.microsoft.com/office/powerpoint/2010/main" xmlns:p15="http://schemas.microsoft.com/office/powerpoint/2012/main" xmlns:ahyp="http://schemas.microsoft.com/office/drawing/2018/hyperlinkcolor" showMasterPhAnim="0" showMasterSp="0">
   <p:cSld>
     <p:spTree>
       <p:nvGrpSpPr>
-        <p:cNvPr id="94" name="Shape 94"/>
+        <p:cNvPr id="275" name="Shape 275"/>
         <p:cNvGrpSpPr/>
         <p:nvPr/>
       </p:nvGrpSpPr>
@@ -2306,7 +2462,7 @@
       </p:grpSpPr>
       <p:sp>
         <p:nvSpPr>
-          <p:cNvPr id="95" name="Google Shape;95;g23ca989ced0_0_3648:notes"/>
+          <p:cNvPr id="276" name="Google Shape;276;g20a30798403_2_31:notes"/>
           <p:cNvSpPr/>
           <p:nvPr>
             <p:ph idx="2" type="sldImg"/>
@@ -2341,7 +2497,7 @@
       </p:sp>
       <p:sp>
         <p:nvSpPr>
-          <p:cNvPr id="96" name="Google Shape;96;g23ca989ced0_0_3648:notes"/>
+          <p:cNvPr id="277" name="Google Shape;277;g20a30798403_2_31:notes"/>
           <p:cNvSpPr txBox="1"/>
           <p:nvPr>
             <p:ph idx="1" type="body"/>
@@ -2386,12 +2542,12 @@
 </p:notes>
 </file>
 
-<file path=ppt/notesSlides/notesSlide4.xml><?xml version="1.0" encoding="utf-8"?>
+<file path=ppt/notesSlides/notesSlide21.xml><?xml version="1.0" encoding="utf-8"?>
 <p:notes xmlns:a="http://schemas.openxmlformats.org/drawingml/2006/main" xmlns:r="http://schemas.openxmlformats.org/officeDocument/2006/relationships" xmlns:mc="http://schemas.openxmlformats.org/markup-compatibility/2006" xmlns:mv="urn:schemas-microsoft-com:mac:vml" xmlns:p="http://schemas.openxmlformats.org/presentationml/2006/main" xmlns:c="http://schemas.openxmlformats.org/drawingml/2006/chart" xmlns:dgm="http://schemas.openxmlformats.org/drawingml/2006/diagram" xmlns:o="urn:schemas-microsoft-com:office:office" xmlns:v="urn:schemas-microsoft-com:vml" xmlns:pvml="urn:schemas-microsoft-com:office:powerpoint" xmlns:com="http://schemas.openxmlformats.org/drawingml/2006/compatibility" xmlns:p14="http://schemas.microsoft.com/office/powerpoint/2010/main" xmlns:p15="http://schemas.microsoft.com/office/powerpoint/2012/main" xmlns:ahyp="http://schemas.microsoft.com/office/drawing/2018/hyperlinkcolor" showMasterPhAnim="0" showMasterSp="0">
   <p:cSld>
     <p:spTree>
       <p:nvGrpSpPr>
-        <p:cNvPr id="101" name="Shape 101"/>
+        <p:cNvPr id="280" name="Shape 280"/>
         <p:cNvGrpSpPr/>
         <p:nvPr/>
       </p:nvGrpSpPr>
@@ -2405,7 +2561,7 @@
       </p:grpSpPr>
       <p:sp>
         <p:nvSpPr>
-          <p:cNvPr id="102" name="Google Shape;102;g23ca989ced0_0_77:notes"/>
+          <p:cNvPr id="281" name="Google Shape;281;g23daaea3afc_0_48:notes"/>
           <p:cNvSpPr/>
           <p:nvPr>
             <p:ph idx="2" type="sldImg"/>
@@ -2440,7 +2596,7 @@
       </p:sp>
       <p:sp>
         <p:nvSpPr>
-          <p:cNvPr id="103" name="Google Shape;103;g23ca989ced0_0_77:notes"/>
+          <p:cNvPr id="282" name="Google Shape;282;g23daaea3afc_0_48:notes"/>
           <p:cNvSpPr txBox="1"/>
           <p:nvPr>
             <p:ph idx="1" type="body"/>
@@ -2471,12 +2627,7 @@
               <a:buNone/>
             </a:pPr>
             <a:r>
-              <a:rPr lang="en"/>
-              <a:t>The main problem for our project is determining what factors drive traffic to an area, given that there could be different factors for drivers to different locations. For example, in a predominantly shopping area the main </a:t>
-            </a:r>
-            <a:r>
-              <a:rPr lang="en"/>
-              <a:t>drivers of traffic could be young people, while the drivers for an area with a lot of office buildings could be people at work. Our goal is to identify clusters of similar restaurant locations by various features and use those features to determine the main factors that drive traffic to a location. This can help stores identify their main marketing audience and expand their business successfully.</a:t>
+              <a:t/>
             </a:r>
             <a:endParaRPr/>
           </a:p>
@@ -2490,12 +2641,12 @@
 </p:notes>
 </file>
 
-<file path=ppt/notesSlides/notesSlide5.xml><?xml version="1.0" encoding="utf-8"?>
+<file path=ppt/notesSlides/notesSlide3.xml><?xml version="1.0" encoding="utf-8"?>
 <p:notes xmlns:a="http://schemas.openxmlformats.org/drawingml/2006/main" xmlns:r="http://schemas.openxmlformats.org/officeDocument/2006/relationships" xmlns:mc="http://schemas.openxmlformats.org/markup-compatibility/2006" xmlns:mv="urn:schemas-microsoft-com:mac:vml" xmlns:p="http://schemas.openxmlformats.org/presentationml/2006/main" xmlns:c="http://schemas.openxmlformats.org/drawingml/2006/chart" xmlns:dgm="http://schemas.openxmlformats.org/drawingml/2006/diagram" xmlns:o="urn:schemas-microsoft-com:office:office" xmlns:v="urn:schemas-microsoft-com:vml" xmlns:pvml="urn:schemas-microsoft-com:office:powerpoint" xmlns:com="http://schemas.openxmlformats.org/drawingml/2006/compatibility" xmlns:p14="http://schemas.microsoft.com/office/powerpoint/2010/main" xmlns:p15="http://schemas.microsoft.com/office/powerpoint/2012/main" xmlns:ahyp="http://schemas.microsoft.com/office/drawing/2018/hyperlinkcolor" showMasterPhAnim="0" showMasterSp="0">
   <p:cSld>
     <p:spTree>
       <p:nvGrpSpPr>
-        <p:cNvPr id="107" name="Shape 107"/>
+        <p:cNvPr id="94" name="Shape 94"/>
         <p:cNvGrpSpPr/>
         <p:nvPr/>
       </p:nvGrpSpPr>
@@ -2509,7 +2660,7 @@
       </p:grpSpPr>
       <p:sp>
         <p:nvSpPr>
-          <p:cNvPr id="108" name="Google Shape;108;g22196019e4d_0_0:notes"/>
+          <p:cNvPr id="95" name="Google Shape;95;g22196019e4d_15_0:notes"/>
           <p:cNvSpPr/>
           <p:nvPr>
             <p:ph idx="2" type="sldImg"/>
@@ -2544,7 +2695,7 @@
       </p:sp>
       <p:sp>
         <p:nvSpPr>
-          <p:cNvPr id="109" name="Google Shape;109;g22196019e4d_0_0:notes"/>
+          <p:cNvPr id="96" name="Google Shape;96;g22196019e4d_15_0:notes"/>
           <p:cNvSpPr txBox="1"/>
           <p:nvPr>
             <p:ph idx="1" type="body"/>
@@ -2589,12 +2740,12 @@
 </p:notes>
 </file>
 
-<file path=ppt/notesSlides/notesSlide6.xml><?xml version="1.0" encoding="utf-8"?>
+<file path=ppt/notesSlides/notesSlide4.xml><?xml version="1.0" encoding="utf-8"?>
 <p:notes xmlns:a="http://schemas.openxmlformats.org/drawingml/2006/main" xmlns:r="http://schemas.openxmlformats.org/officeDocument/2006/relationships" xmlns:mc="http://schemas.openxmlformats.org/markup-compatibility/2006" xmlns:mv="urn:schemas-microsoft-com:mac:vml" xmlns:p="http://schemas.openxmlformats.org/presentationml/2006/main" xmlns:c="http://schemas.openxmlformats.org/drawingml/2006/chart" xmlns:dgm="http://schemas.openxmlformats.org/drawingml/2006/diagram" xmlns:o="urn:schemas-microsoft-com:office:office" xmlns:v="urn:schemas-microsoft-com:vml" xmlns:pvml="urn:schemas-microsoft-com:office:powerpoint" xmlns:com="http://schemas.openxmlformats.org/drawingml/2006/compatibility" xmlns:p14="http://schemas.microsoft.com/office/powerpoint/2010/main" xmlns:p15="http://schemas.microsoft.com/office/powerpoint/2012/main" xmlns:ahyp="http://schemas.microsoft.com/office/drawing/2018/hyperlinkcolor" showMasterPhAnim="0" showMasterSp="0">
   <p:cSld>
     <p:spTree>
       <p:nvGrpSpPr>
-        <p:cNvPr id="113" name="Shape 113"/>
+        <p:cNvPr id="99" name="Shape 99"/>
         <p:cNvGrpSpPr/>
         <p:nvPr/>
       </p:nvGrpSpPr>
@@ -2608,7 +2759,7 @@
       </p:grpSpPr>
       <p:sp>
         <p:nvSpPr>
-          <p:cNvPr id="114" name="Google Shape;114;g23d19337122_0_5:notes"/>
+          <p:cNvPr id="100" name="Google Shape;100;g23ca989ced0_0_3648:notes"/>
           <p:cNvSpPr/>
           <p:nvPr>
             <p:ph idx="2" type="sldImg"/>
@@ -2643,7 +2794,7 @@
       </p:sp>
       <p:sp>
         <p:nvSpPr>
-          <p:cNvPr id="115" name="Google Shape;115;g23d19337122_0_5:notes"/>
+          <p:cNvPr id="101" name="Google Shape;101;g23ca989ced0_0_3648:notes"/>
           <p:cNvSpPr txBox="1"/>
           <p:nvPr>
             <p:ph idx="1" type="body"/>
@@ -2688,12 +2839,12 @@
 </p:notes>
 </file>
 
-<file path=ppt/notesSlides/notesSlide7.xml><?xml version="1.0" encoding="utf-8"?>
+<file path=ppt/notesSlides/notesSlide5.xml><?xml version="1.0" encoding="utf-8"?>
 <p:notes xmlns:a="http://schemas.openxmlformats.org/drawingml/2006/main" xmlns:r="http://schemas.openxmlformats.org/officeDocument/2006/relationships" xmlns:mc="http://schemas.openxmlformats.org/markup-compatibility/2006" xmlns:mv="urn:schemas-microsoft-com:mac:vml" xmlns:p="http://schemas.openxmlformats.org/presentationml/2006/main" xmlns:c="http://schemas.openxmlformats.org/drawingml/2006/chart" xmlns:dgm="http://schemas.openxmlformats.org/drawingml/2006/diagram" xmlns:o="urn:schemas-microsoft-com:office:office" xmlns:v="urn:schemas-microsoft-com:vml" xmlns:pvml="urn:schemas-microsoft-com:office:powerpoint" xmlns:com="http://schemas.openxmlformats.org/drawingml/2006/compatibility" xmlns:p14="http://schemas.microsoft.com/office/powerpoint/2010/main" xmlns:p15="http://schemas.microsoft.com/office/powerpoint/2012/main" xmlns:ahyp="http://schemas.microsoft.com/office/drawing/2018/hyperlinkcolor" showMasterPhAnim="0" showMasterSp="0">
   <p:cSld>
     <p:spTree>
       <p:nvGrpSpPr>
-        <p:cNvPr id="119" name="Shape 119"/>
+        <p:cNvPr id="106" name="Shape 106"/>
         <p:cNvGrpSpPr/>
         <p:nvPr/>
       </p:nvGrpSpPr>
@@ -2707,7 +2858,7 @@
       </p:grpSpPr>
       <p:sp>
         <p:nvSpPr>
-          <p:cNvPr id="120" name="Google Shape;120;g22196019e4d_1_13:notes"/>
+          <p:cNvPr id="107" name="Google Shape;107;g23ca989ced0_0_77:notes"/>
           <p:cNvSpPr/>
           <p:nvPr>
             <p:ph idx="2" type="sldImg"/>
@@ -2742,7 +2893,7 @@
       </p:sp>
       <p:sp>
         <p:nvSpPr>
-          <p:cNvPr id="121" name="Google Shape;121;g22196019e4d_1_13:notes"/>
+          <p:cNvPr id="108" name="Google Shape;108;g23ca989ced0_0_77:notes"/>
           <p:cNvSpPr txBox="1"/>
           <p:nvPr>
             <p:ph idx="1" type="body"/>
@@ -2773,7 +2924,12 @@
               <a:buNone/>
             </a:pPr>
             <a:r>
-              <a:t/>
+              <a:rPr lang="en"/>
+              <a:t>The main problem for our project is determining what factors drive traffic to an area, given that there could be different factors for drivers to different locations. For example, in a predominantly shopping area the main </a:t>
+            </a:r>
+            <a:r>
+              <a:rPr lang="en"/>
+              <a:t>drivers of traffic could be young people, while the drivers for an area with a lot of office buildings could be people at work. Our goal is to identify clusters of similar restaurant locations by various features and use those features to determine the main factors that drive traffic to a location. This can help stores identify their main marketing audience and expand their business successfully.</a:t>
             </a:r>
             <a:endParaRPr/>
           </a:p>
@@ -2787,12 +2943,12 @@
 </p:notes>
 </file>
 
-<file path=ppt/notesSlides/notesSlide8.xml><?xml version="1.0" encoding="utf-8"?>
+<file path=ppt/notesSlides/notesSlide6.xml><?xml version="1.0" encoding="utf-8"?>
 <p:notes xmlns:a="http://schemas.openxmlformats.org/drawingml/2006/main" xmlns:r="http://schemas.openxmlformats.org/officeDocument/2006/relationships" xmlns:mc="http://schemas.openxmlformats.org/markup-compatibility/2006" xmlns:mv="urn:schemas-microsoft-com:mac:vml" xmlns:p="http://schemas.openxmlformats.org/presentationml/2006/main" xmlns:c="http://schemas.openxmlformats.org/drawingml/2006/chart" xmlns:dgm="http://schemas.openxmlformats.org/drawingml/2006/diagram" xmlns:o="urn:schemas-microsoft-com:office:office" xmlns:v="urn:schemas-microsoft-com:vml" xmlns:pvml="urn:schemas-microsoft-com:office:powerpoint" xmlns:com="http://schemas.openxmlformats.org/drawingml/2006/compatibility" xmlns:p14="http://schemas.microsoft.com/office/powerpoint/2010/main" xmlns:p15="http://schemas.microsoft.com/office/powerpoint/2012/main" xmlns:ahyp="http://schemas.microsoft.com/office/drawing/2018/hyperlinkcolor" showMasterPhAnim="0" showMasterSp="0">
   <p:cSld>
     <p:spTree>
       <p:nvGrpSpPr>
-        <p:cNvPr id="124" name="Shape 124"/>
+        <p:cNvPr id="112" name="Shape 112"/>
         <p:cNvGrpSpPr/>
         <p:nvPr/>
       </p:nvGrpSpPr>
@@ -2806,7 +2962,7 @@
       </p:grpSpPr>
       <p:sp>
         <p:nvSpPr>
-          <p:cNvPr id="125" name="Google Shape;125;g23daaea3afc_0_112:notes"/>
+          <p:cNvPr id="113" name="Google Shape;113;g22196019e4d_0_0:notes"/>
           <p:cNvSpPr/>
           <p:nvPr>
             <p:ph idx="2" type="sldImg"/>
@@ -2841,7 +2997,7 @@
       </p:sp>
       <p:sp>
         <p:nvSpPr>
-          <p:cNvPr id="126" name="Google Shape;126;g23daaea3afc_0_112:notes"/>
+          <p:cNvPr id="114" name="Google Shape;114;g22196019e4d_0_0:notes"/>
           <p:cNvSpPr txBox="1"/>
           <p:nvPr>
             <p:ph idx="1" type="body"/>
@@ -2872,226 +3028,6 @@
               <a:buNone/>
             </a:pPr>
             <a:r>
-              <a:rPr lang="en"/>
-              <a:t>The smoothies knig’s data is </a:t>
-            </a:r>
-            <a:r>
-              <a:rPr lang="en"/>
-              <a:t>collected from </a:t>
-            </a:r>
-            <a:r>
-              <a:rPr lang="en" sz="1300">
-                <a:solidFill>
-                  <a:srgbClr val="595959"/>
-                </a:solidFill>
-                <a:latin typeface="Lato"/>
-                <a:ea typeface="Lato"/>
-                <a:cs typeface="Lato"/>
-                <a:sym typeface="Lato"/>
-              </a:rPr>
-              <a:t>Mobile devices tracking through </a:t>
-            </a:r>
-            <a:r>
-              <a:rPr b="1" lang="en" sz="1300">
-                <a:solidFill>
-                  <a:srgbClr val="595959"/>
-                </a:solidFill>
-                <a:latin typeface="Lato"/>
-                <a:ea typeface="Lato"/>
-                <a:cs typeface="Lato"/>
-                <a:sym typeface="Lato"/>
-              </a:rPr>
-              <a:t>geo fencing</a:t>
-            </a:r>
-            <a:r>
-              <a:rPr lang="en" sz="1300">
-                <a:solidFill>
-                  <a:srgbClr val="595959"/>
-                </a:solidFill>
-                <a:latin typeface="Lato"/>
-                <a:ea typeface="Lato"/>
-                <a:cs typeface="Lato"/>
-                <a:sym typeface="Lato"/>
-              </a:rPr>
-              <a:t> over 12 months.</a:t>
-            </a:r>
-            <a:endParaRPr sz="1300">
-              <a:solidFill>
-                <a:srgbClr val="595959"/>
-              </a:solidFill>
-              <a:latin typeface="Lato"/>
-              <a:ea typeface="Lato"/>
-              <a:cs typeface="Lato"/>
-              <a:sym typeface="Lato"/>
-            </a:endParaRPr>
-          </a:p>
-          <a:p>
-            <a:pPr indent="0" lvl="0" marL="0" rtl="0" algn="l">
-              <a:spcBef>
-                <a:spcPts val="0"/>
-              </a:spcBef>
-              <a:spcAft>
-                <a:spcPts val="0"/>
-              </a:spcAft>
-              <a:buNone/>
-            </a:pPr>
-            <a:r>
-              <a:rPr lang="en" sz="1300">
-                <a:solidFill>
-                  <a:srgbClr val="595959"/>
-                </a:solidFill>
-                <a:latin typeface="Lato"/>
-                <a:ea typeface="Lato"/>
-                <a:cs typeface="Lato"/>
-                <a:sym typeface="Lato"/>
-              </a:rPr>
-              <a:t>If you are not familiar with geo fencing.</a:t>
-            </a:r>
-            <a:endParaRPr sz="1300">
-              <a:solidFill>
-                <a:srgbClr val="595959"/>
-              </a:solidFill>
-              <a:latin typeface="Lato"/>
-              <a:ea typeface="Lato"/>
-              <a:cs typeface="Lato"/>
-              <a:sym typeface="Lato"/>
-            </a:endParaRPr>
-          </a:p>
-          <a:p>
-            <a:pPr indent="0" lvl="0" marL="0" rtl="0" algn="l">
-              <a:spcBef>
-                <a:spcPts val="0"/>
-              </a:spcBef>
-              <a:spcAft>
-                <a:spcPts val="0"/>
-              </a:spcAft>
-              <a:buNone/>
-            </a:pPr>
-            <a:r>
-              <a:rPr lang="en" sz="1300">
-                <a:solidFill>
-                  <a:srgbClr val="595959"/>
-                </a:solidFill>
-                <a:latin typeface="Lato"/>
-                <a:ea typeface="Lato"/>
-                <a:cs typeface="Lato"/>
-                <a:sym typeface="Lato"/>
-              </a:rPr>
-              <a:t>Geo fencing is to set up a visual boundary, and then track the mobile devices’ information that enter the boundary.</a:t>
-            </a:r>
-            <a:endParaRPr sz="1300">
-              <a:solidFill>
-                <a:srgbClr val="595959"/>
-              </a:solidFill>
-              <a:latin typeface="Lato"/>
-              <a:ea typeface="Lato"/>
-              <a:cs typeface="Lato"/>
-              <a:sym typeface="Lato"/>
-            </a:endParaRPr>
-          </a:p>
-          <a:p>
-            <a:pPr indent="0" lvl="0" marL="0" rtl="0" algn="l">
-              <a:spcBef>
-                <a:spcPts val="0"/>
-              </a:spcBef>
-              <a:spcAft>
-                <a:spcPts val="0"/>
-              </a:spcAft>
-              <a:buNone/>
-            </a:pPr>
-            <a:r>
-              <a:rPr lang="en" sz="1300">
-                <a:solidFill>
-                  <a:srgbClr val="595959"/>
-                </a:solidFill>
-                <a:latin typeface="Lato"/>
-                <a:ea typeface="Lato"/>
-                <a:cs typeface="Lato"/>
-                <a:sym typeface="Lato"/>
-              </a:rPr>
-              <a:t>Since we have our target</a:t>
-            </a:r>
-            <a:r>
-              <a:rPr lang="en">
-                <a:solidFill>
-                  <a:schemeClr val="dk1"/>
-                </a:solidFill>
-              </a:rPr>
-              <a:t> column named “category”.</a:t>
-            </a:r>
-            <a:endParaRPr>
-              <a:solidFill>
-                <a:schemeClr val="dk1"/>
-              </a:solidFill>
-            </a:endParaRPr>
-          </a:p>
-          <a:p>
-            <a:pPr indent="0" lvl="0" marL="0" rtl="0" algn="l">
-              <a:spcBef>
-                <a:spcPts val="0"/>
-              </a:spcBef>
-              <a:spcAft>
-                <a:spcPts val="0"/>
-              </a:spcAft>
-              <a:buNone/>
-            </a:pPr>
-            <a:r>
-              <a:rPr lang="en">
-                <a:solidFill>
-                  <a:schemeClr val="dk1"/>
-                </a:solidFill>
-              </a:rPr>
-              <a:t>We use the bar chart to visualize it.</a:t>
-            </a:r>
-            <a:endParaRPr>
-              <a:solidFill>
-                <a:schemeClr val="dk1"/>
-              </a:solidFill>
-            </a:endParaRPr>
-          </a:p>
-          <a:p>
-            <a:pPr indent="0" lvl="0" marL="0" rtl="0" algn="l">
-              <a:spcBef>
-                <a:spcPts val="0"/>
-              </a:spcBef>
-              <a:spcAft>
-                <a:spcPts val="0"/>
-              </a:spcAft>
-              <a:buNone/>
-            </a:pPr>
-            <a:r>
-              <a:rPr lang="en" sz="1300">
-                <a:solidFill>
-                  <a:srgbClr val="595959"/>
-                </a:solidFill>
-                <a:latin typeface="Lato"/>
-                <a:ea typeface="Lato"/>
-                <a:cs typeface="Lato"/>
-                <a:sym typeface="Lato"/>
-              </a:rPr>
-              <a:t>The home category has the largest counts.</a:t>
-            </a:r>
-            <a:endParaRPr sz="1300">
-              <a:solidFill>
-                <a:srgbClr val="595959"/>
-              </a:solidFill>
-              <a:latin typeface="Lato"/>
-              <a:ea typeface="Lato"/>
-              <a:cs typeface="Lato"/>
-              <a:sym typeface="Lato"/>
-            </a:endParaRPr>
-          </a:p>
-          <a:p>
-            <a:pPr indent="0" lvl="0" marL="0" rtl="0" algn="l">
-              <a:spcBef>
-                <a:spcPts val="0"/>
-              </a:spcBef>
-              <a:spcAft>
-                <a:spcPts val="0"/>
-              </a:spcAft>
-              <a:buNone/>
-            </a:pPr>
-            <a:r>
               <a:t/>
             </a:r>
             <a:endParaRPr/>
@@ -3106,12 +3042,12 @@
 </p:notes>
 </file>
 
-<file path=ppt/notesSlides/notesSlide9.xml><?xml version="1.0" encoding="utf-8"?>
+<file path=ppt/notesSlides/notesSlide7.xml><?xml version="1.0" encoding="utf-8"?>
 <p:notes xmlns:a="http://schemas.openxmlformats.org/drawingml/2006/main" xmlns:r="http://schemas.openxmlformats.org/officeDocument/2006/relationships" xmlns:mc="http://schemas.openxmlformats.org/markup-compatibility/2006" xmlns:mv="urn:schemas-microsoft-com:mac:vml" xmlns:p="http://schemas.openxmlformats.org/presentationml/2006/main" xmlns:c="http://schemas.openxmlformats.org/drawingml/2006/chart" xmlns:dgm="http://schemas.openxmlformats.org/drawingml/2006/diagram" xmlns:o="urn:schemas-microsoft-com:office:office" xmlns:v="urn:schemas-microsoft-com:vml" xmlns:pvml="urn:schemas-microsoft-com:office:powerpoint" xmlns:com="http://schemas.openxmlformats.org/drawingml/2006/compatibility" xmlns:p14="http://schemas.microsoft.com/office/powerpoint/2010/main" xmlns:p15="http://schemas.microsoft.com/office/powerpoint/2012/main" xmlns:ahyp="http://schemas.microsoft.com/office/drawing/2018/hyperlinkcolor" showMasterPhAnim="0" showMasterSp="0">
   <p:cSld>
     <p:spTree>
       <p:nvGrpSpPr>
-        <p:cNvPr id="131" name="Shape 131"/>
+        <p:cNvPr id="118" name="Shape 118"/>
         <p:cNvGrpSpPr/>
         <p:nvPr/>
       </p:nvGrpSpPr>
@@ -3125,7 +3061,7 @@
       </p:grpSpPr>
       <p:sp>
         <p:nvSpPr>
-          <p:cNvPr id="132" name="Google Shape;132;g23e34196cf2_0_0:notes"/>
+          <p:cNvPr id="119" name="Google Shape;119;g23d19337122_0_5:notes"/>
           <p:cNvSpPr/>
           <p:nvPr>
             <p:ph idx="2" type="sldImg"/>
@@ -3160,7 +3096,7 @@
       </p:sp>
       <p:sp>
         <p:nvSpPr>
-          <p:cNvPr id="133" name="Google Shape;133;g23e34196cf2_0_0:notes"/>
+          <p:cNvPr id="120" name="Google Shape;120;g23d19337122_0_5:notes"/>
           <p:cNvSpPr txBox="1"/>
           <p:nvPr>
             <p:ph idx="1" type="body"/>
@@ -3181,35 +3117,260 @@
           </a:bodyPr>
           <a:lstStyle/>
           <a:p>
-            <a:pPr indent="-317500" lvl="0" marL="457200" rtl="0" algn="l">
-              <a:spcBef>
-                <a:spcPts val="0"/>
-              </a:spcBef>
-              <a:spcAft>
-                <a:spcPts val="0"/>
-              </a:spcAft>
-              <a:buClr>
-                <a:schemeClr val="dk1"/>
-              </a:buClr>
-              <a:buSzPts val="1400"/>
-              <a:buFont typeface="Lato"/>
-              <a:buChar char="●"/>
-            </a:pPr>
-            <a:r>
-              <a:rPr lang="en" sz="1400">
-                <a:solidFill>
-                  <a:schemeClr val="dk1"/>
+            <a:pPr indent="0" lvl="0" marL="0" rtl="0" algn="l">
+              <a:spcBef>
+                <a:spcPts val="0"/>
+              </a:spcBef>
+              <a:spcAft>
+                <a:spcPts val="0"/>
+              </a:spcAft>
+              <a:buNone/>
+            </a:pPr>
+            <a:r>
+              <a:t/>
+            </a:r>
+            <a:endParaRPr/>
+          </a:p>
+        </p:txBody>
+      </p:sp>
+    </p:spTree>
+  </p:cSld>
+  <p:clrMapOvr>
+    <a:masterClrMapping/>
+  </p:clrMapOvr>
+</p:notes>
+</file>
+
+<file path=ppt/notesSlides/notesSlide8.xml><?xml version="1.0" encoding="utf-8"?>
+<p:notes xmlns:a="http://schemas.openxmlformats.org/drawingml/2006/main" xmlns:r="http://schemas.openxmlformats.org/officeDocument/2006/relationships" xmlns:mc="http://schemas.openxmlformats.org/markup-compatibility/2006" xmlns:mv="urn:schemas-microsoft-com:mac:vml" xmlns:p="http://schemas.openxmlformats.org/presentationml/2006/main" xmlns:c="http://schemas.openxmlformats.org/drawingml/2006/chart" xmlns:dgm="http://schemas.openxmlformats.org/drawingml/2006/diagram" xmlns:o="urn:schemas-microsoft-com:office:office" xmlns:v="urn:schemas-microsoft-com:vml" xmlns:pvml="urn:schemas-microsoft-com:office:powerpoint" xmlns:com="http://schemas.openxmlformats.org/drawingml/2006/compatibility" xmlns:p14="http://schemas.microsoft.com/office/powerpoint/2010/main" xmlns:p15="http://schemas.microsoft.com/office/powerpoint/2012/main" xmlns:ahyp="http://schemas.microsoft.com/office/drawing/2018/hyperlinkcolor" showMasterPhAnim="0" showMasterSp="0">
+  <p:cSld>
+    <p:spTree>
+      <p:nvGrpSpPr>
+        <p:cNvPr id="124" name="Shape 124"/>
+        <p:cNvGrpSpPr/>
+        <p:nvPr/>
+      </p:nvGrpSpPr>
+      <p:grpSpPr>
+        <a:xfrm>
+          <a:off x="0" y="0"/>
+          <a:ext cx="0" cy="0"/>
+          <a:chOff x="0" y="0"/>
+          <a:chExt cx="0" cy="0"/>
+        </a:xfrm>
+      </p:grpSpPr>
+      <p:sp>
+        <p:nvSpPr>
+          <p:cNvPr id="125" name="Google Shape;125;g22196019e4d_1_13:notes"/>
+          <p:cNvSpPr/>
+          <p:nvPr>
+            <p:ph idx="2" type="sldImg"/>
+          </p:nvPr>
+        </p:nvSpPr>
+        <p:spPr>
+          <a:xfrm>
+            <a:off x="381300" y="685800"/>
+            <a:ext cx="6096000" cy="3429000"/>
+          </a:xfrm>
+          <a:custGeom>
+            <a:rect b="b" l="l" r="r" t="t"/>
+            <a:pathLst>
+              <a:path extrusionOk="0" h="120000" w="120000">
+                <a:moveTo>
+                  <a:pt x="0" y="0"/>
+                </a:moveTo>
+                <a:lnTo>
+                  <a:pt x="120000" y="0"/>
+                </a:lnTo>
+                <a:lnTo>
+                  <a:pt x="120000" y="120000"/>
+                </a:lnTo>
+                <a:lnTo>
+                  <a:pt x="0" y="120000"/>
+                </a:lnTo>
+                <a:close/>
+              </a:path>
+            </a:pathLst>
+          </a:custGeom>
+        </p:spPr>
+      </p:sp>
+      <p:sp>
+        <p:nvSpPr>
+          <p:cNvPr id="126" name="Google Shape;126;g22196019e4d_1_13:notes"/>
+          <p:cNvSpPr txBox="1"/>
+          <p:nvPr>
+            <p:ph idx="1" type="body"/>
+          </p:nvPr>
+        </p:nvSpPr>
+        <p:spPr>
+          <a:xfrm>
+            <a:off x="685800" y="4343400"/>
+            <a:ext cx="5486400" cy="4114800"/>
+          </a:xfrm>
+          <a:prstGeom prst="rect">
+            <a:avLst/>
+          </a:prstGeom>
+        </p:spPr>
+        <p:txBody>
+          <a:bodyPr anchorCtr="0" anchor="t" bIns="91425" lIns="91425" spcFirstLastPara="1" rIns="91425" wrap="square" tIns="91425">
+            <a:noAutofit/>
+          </a:bodyPr>
+          <a:lstStyle/>
+          <a:p>
+            <a:pPr indent="0" lvl="0" marL="0" rtl="0" algn="l">
+              <a:spcBef>
+                <a:spcPts val="0"/>
+              </a:spcBef>
+              <a:spcAft>
+                <a:spcPts val="0"/>
+              </a:spcAft>
+              <a:buNone/>
+            </a:pPr>
+            <a:r>
+              <a:t/>
+            </a:r>
+            <a:endParaRPr/>
+          </a:p>
+        </p:txBody>
+      </p:sp>
+    </p:spTree>
+  </p:cSld>
+  <p:clrMapOvr>
+    <a:masterClrMapping/>
+  </p:clrMapOvr>
+</p:notes>
+</file>
+
+<file path=ppt/notesSlides/notesSlide9.xml><?xml version="1.0" encoding="utf-8"?>
+<p:notes xmlns:a="http://schemas.openxmlformats.org/drawingml/2006/main" xmlns:r="http://schemas.openxmlformats.org/officeDocument/2006/relationships" xmlns:mc="http://schemas.openxmlformats.org/markup-compatibility/2006" xmlns:mv="urn:schemas-microsoft-com:mac:vml" xmlns:p="http://schemas.openxmlformats.org/presentationml/2006/main" xmlns:c="http://schemas.openxmlformats.org/drawingml/2006/chart" xmlns:dgm="http://schemas.openxmlformats.org/drawingml/2006/diagram" xmlns:o="urn:schemas-microsoft-com:office:office" xmlns:v="urn:schemas-microsoft-com:vml" xmlns:pvml="urn:schemas-microsoft-com:office:powerpoint" xmlns:com="http://schemas.openxmlformats.org/drawingml/2006/compatibility" xmlns:p14="http://schemas.microsoft.com/office/powerpoint/2010/main" xmlns:p15="http://schemas.microsoft.com/office/powerpoint/2012/main" xmlns:ahyp="http://schemas.microsoft.com/office/drawing/2018/hyperlinkcolor" showMasterPhAnim="0" showMasterSp="0">
+  <p:cSld>
+    <p:spTree>
+      <p:nvGrpSpPr>
+        <p:cNvPr id="129" name="Shape 129"/>
+        <p:cNvGrpSpPr/>
+        <p:nvPr/>
+      </p:nvGrpSpPr>
+      <p:grpSpPr>
+        <a:xfrm>
+          <a:off x="0" y="0"/>
+          <a:ext cx="0" cy="0"/>
+          <a:chOff x="0" y="0"/>
+          <a:chExt cx="0" cy="0"/>
+        </a:xfrm>
+      </p:grpSpPr>
+      <p:sp>
+        <p:nvSpPr>
+          <p:cNvPr id="130" name="Google Shape;130;g23daaea3afc_0_112:notes"/>
+          <p:cNvSpPr/>
+          <p:nvPr>
+            <p:ph idx="2" type="sldImg"/>
+          </p:nvPr>
+        </p:nvSpPr>
+        <p:spPr>
+          <a:xfrm>
+            <a:off x="381300" y="685800"/>
+            <a:ext cx="6096000" cy="3429000"/>
+          </a:xfrm>
+          <a:custGeom>
+            <a:rect b="b" l="l" r="r" t="t"/>
+            <a:pathLst>
+              <a:path extrusionOk="0" h="120000" w="120000">
+                <a:moveTo>
+                  <a:pt x="0" y="0"/>
+                </a:moveTo>
+                <a:lnTo>
+                  <a:pt x="120000" y="0"/>
+                </a:lnTo>
+                <a:lnTo>
+                  <a:pt x="120000" y="120000"/>
+                </a:lnTo>
+                <a:lnTo>
+                  <a:pt x="0" y="120000"/>
+                </a:lnTo>
+                <a:close/>
+              </a:path>
+            </a:pathLst>
+          </a:custGeom>
+        </p:spPr>
+      </p:sp>
+      <p:sp>
+        <p:nvSpPr>
+          <p:cNvPr id="131" name="Google Shape;131;g23daaea3afc_0_112:notes"/>
+          <p:cNvSpPr txBox="1"/>
+          <p:nvPr>
+            <p:ph idx="1" type="body"/>
+          </p:nvPr>
+        </p:nvSpPr>
+        <p:spPr>
+          <a:xfrm>
+            <a:off x="685800" y="4343400"/>
+            <a:ext cx="5486400" cy="4114800"/>
+          </a:xfrm>
+          <a:prstGeom prst="rect">
+            <a:avLst/>
+          </a:prstGeom>
+        </p:spPr>
+        <p:txBody>
+          <a:bodyPr anchorCtr="0" anchor="t" bIns="91425" lIns="91425" spcFirstLastPara="1" rIns="91425" wrap="square" tIns="91425">
+            <a:noAutofit/>
+          </a:bodyPr>
+          <a:lstStyle/>
+          <a:p>
+            <a:pPr indent="0" lvl="0" marL="0" rtl="0" algn="l">
+              <a:spcBef>
+                <a:spcPts val="0"/>
+              </a:spcBef>
+              <a:spcAft>
+                <a:spcPts val="0"/>
+              </a:spcAft>
+              <a:buNone/>
+            </a:pPr>
+            <a:r>
+              <a:rPr lang="en" sz="1700"/>
+              <a:t>The smoothies knig’s data is </a:t>
+            </a:r>
+            <a:r>
+              <a:rPr lang="en" sz="1700"/>
+              <a:t>collected from </a:t>
+            </a:r>
+            <a:r>
+              <a:rPr lang="en" sz="1700">
+                <a:solidFill>
+                  <a:srgbClr val="595959"/>
                 </a:solidFill>
                 <a:latin typeface="Lato"/>
                 <a:ea typeface="Lato"/>
                 <a:cs typeface="Lato"/>
                 <a:sym typeface="Lato"/>
               </a:rPr>
-              <a:t>The highest portion among categories are very large metro.</a:t>
-            </a:r>
-            <a:endParaRPr sz="1400">
+              <a:t>Mobile devices tracking through </a:t>
+            </a:r>
+            <a:r>
+              <a:rPr b="1" lang="en" sz="1700">
+                <a:solidFill>
+                  <a:srgbClr val="595959"/>
+                </a:solidFill>
+                <a:latin typeface="Lato"/>
+                <a:ea typeface="Lato"/>
+                <a:cs typeface="Lato"/>
+                <a:sym typeface="Lato"/>
+              </a:rPr>
+              <a:t>geo fencing</a:t>
+            </a:r>
+            <a:r>
+              <a:rPr lang="en" sz="1700">
+                <a:solidFill>
+                  <a:srgbClr val="595959"/>
+                </a:solidFill>
+                <a:latin typeface="Lato"/>
+                <a:ea typeface="Lato"/>
+                <a:cs typeface="Lato"/>
+                <a:sym typeface="Lato"/>
+              </a:rPr>
+              <a:t> over 12 months.</a:t>
+            </a:r>
+            <a:endParaRPr sz="1700">
               <a:solidFill>
-                <a:schemeClr val="dk1"/>
+                <a:srgbClr val="595959"/>
               </a:solidFill>
               <a:latin typeface="Lato"/>
               <a:ea typeface="Lato"/>
@@ -3218,59 +3379,21 @@
             </a:endParaRPr>
           </a:p>
           <a:p>
-            <a:pPr indent="-317500" lvl="0" marL="457200" rtl="0" algn="l">
-              <a:spcBef>
-                <a:spcPts val="0"/>
-              </a:spcBef>
-              <a:spcAft>
-                <a:spcPts val="0"/>
-              </a:spcAft>
-              <a:buClr>
-                <a:schemeClr val="dk1"/>
-              </a:buClr>
-              <a:buSzPts val="1400"/>
-              <a:buFont typeface="Lato"/>
-              <a:buChar char="●"/>
-            </a:pPr>
-            <a:r>
-              <a:rPr lang="en" sz="1400">
-                <a:solidFill>
-                  <a:schemeClr val="dk1"/>
-                </a:solidFill>
-                <a:latin typeface="Lato"/>
-                <a:ea typeface="Lato"/>
-                <a:cs typeface="Lato"/>
-                <a:sym typeface="Lato"/>
-              </a:rPr>
-              <a:t>Home has a high percentage of </a:t>
-            </a:r>
-            <a:r>
-              <a:rPr b="1" lang="en" sz="1400">
-                <a:solidFill>
-                  <a:schemeClr val="dk1"/>
-                </a:solidFill>
-                <a:latin typeface="Lato"/>
-                <a:ea typeface="Lato"/>
-                <a:cs typeface="Lato"/>
-                <a:sym typeface="Lato"/>
-              </a:rPr>
-              <a:t>very large metro</a:t>
-            </a:r>
-            <a:r>
-              <a:rPr lang="en" sz="1400">
-                <a:solidFill>
-                  <a:schemeClr val="dk1"/>
-                </a:solidFill>
-                <a:latin typeface="Lato"/>
-                <a:ea typeface="Lato"/>
-                <a:cs typeface="Lato"/>
-                <a:sym typeface="Lato"/>
-              </a:rPr>
-              <a:t>.</a:t>
-            </a:r>
-            <a:endParaRPr sz="1400">
+            <a:pPr indent="0" lvl="0" marL="0" rtl="0" algn="l">
+              <a:spcBef>
+                <a:spcPts val="0"/>
+              </a:spcBef>
+              <a:spcAft>
+                <a:spcPts val="0"/>
+              </a:spcAft>
+              <a:buNone/>
+            </a:pPr>
+            <a:r>
+              <a:t/>
+            </a:r>
+            <a:endParaRPr sz="1700">
               <a:solidFill>
-                <a:schemeClr val="dk1"/>
+                <a:srgbClr val="595959"/>
               </a:solidFill>
               <a:latin typeface="Lato"/>
               <a:ea typeface="Lato"/>
@@ -3279,43 +3402,219 @@
             </a:endParaRPr>
           </a:p>
           <a:p>
-            <a:pPr indent="-317500" lvl="0" marL="457200" rtl="0" algn="l">
-              <a:spcBef>
-                <a:spcPts val="0"/>
-              </a:spcBef>
-              <a:spcAft>
-                <a:spcPts val="0"/>
-              </a:spcAft>
-              <a:buClr>
-                <a:schemeClr val="dk1"/>
-              </a:buClr>
-              <a:buSzPts val="1400"/>
-              <a:buFont typeface="Lato"/>
-              <a:buChar char="●"/>
-            </a:pPr>
-            <a:r>
-              <a:rPr lang="en" sz="1400">
-                <a:solidFill>
-                  <a:schemeClr val="dk1"/>
+            <a:pPr indent="0" lvl="0" marL="0" rtl="0" algn="l">
+              <a:spcBef>
+                <a:spcPts val="0"/>
+              </a:spcBef>
+              <a:spcAft>
+                <a:spcPts val="0"/>
+              </a:spcAft>
+              <a:buNone/>
+            </a:pPr>
+            <a:r>
+              <a:rPr lang="en" sz="1700">
+                <a:solidFill>
+                  <a:srgbClr val="595959"/>
                 </a:solidFill>
                 <a:latin typeface="Lato"/>
                 <a:ea typeface="Lato"/>
                 <a:cs typeface="Lato"/>
                 <a:sym typeface="Lato"/>
               </a:rPr>
-              <a:t>Travel has a high percentage of </a:t>
-            </a:r>
-            <a:r>
-              <a:rPr b="1" lang="en" sz="1400">
-                <a:solidFill>
-                  <a:schemeClr val="dk1"/>
+              <a:t>If you are not familiar with geo fencing.</a:t>
+            </a:r>
+            <a:endParaRPr sz="1700">
+              <a:solidFill>
+                <a:srgbClr val="595959"/>
+              </a:solidFill>
+              <a:latin typeface="Lato"/>
+              <a:ea typeface="Lato"/>
+              <a:cs typeface="Lato"/>
+              <a:sym typeface="Lato"/>
+            </a:endParaRPr>
+          </a:p>
+          <a:p>
+            <a:pPr indent="0" lvl="0" marL="0" rtl="0" algn="l">
+              <a:spcBef>
+                <a:spcPts val="0"/>
+              </a:spcBef>
+              <a:spcAft>
+                <a:spcPts val="0"/>
+              </a:spcAft>
+              <a:buNone/>
+            </a:pPr>
+            <a:r>
+              <a:t/>
+            </a:r>
+            <a:endParaRPr sz="1700">
+              <a:solidFill>
+                <a:srgbClr val="595959"/>
+              </a:solidFill>
+              <a:latin typeface="Lato"/>
+              <a:ea typeface="Lato"/>
+              <a:cs typeface="Lato"/>
+              <a:sym typeface="Lato"/>
+            </a:endParaRPr>
+          </a:p>
+          <a:p>
+            <a:pPr indent="0" lvl="0" marL="0" rtl="0" algn="l">
+              <a:spcBef>
+                <a:spcPts val="0"/>
+              </a:spcBef>
+              <a:spcAft>
+                <a:spcPts val="0"/>
+              </a:spcAft>
+              <a:buNone/>
+            </a:pPr>
+            <a:r>
+              <a:rPr lang="en" sz="1700">
+                <a:solidFill>
+                  <a:srgbClr val="595959"/>
                 </a:solidFill>
                 <a:latin typeface="Lato"/>
                 <a:ea typeface="Lato"/>
                 <a:cs typeface="Lato"/>
                 <a:sym typeface="Lato"/>
               </a:rPr>
-              <a:t>small city.</a:t>
+              <a:t>Geo fencing is to set up a visual boundary, and then track the mobile devices that enter the boundary. Then collect the information we needed.</a:t>
+            </a:r>
+            <a:endParaRPr sz="1700">
+              <a:solidFill>
+                <a:srgbClr val="595959"/>
+              </a:solidFill>
+              <a:latin typeface="Lato"/>
+              <a:ea typeface="Lato"/>
+              <a:cs typeface="Lato"/>
+              <a:sym typeface="Lato"/>
+            </a:endParaRPr>
+          </a:p>
+          <a:p>
+            <a:pPr indent="0" lvl="0" marL="0" rtl="0" algn="l">
+              <a:spcBef>
+                <a:spcPts val="0"/>
+              </a:spcBef>
+              <a:spcAft>
+                <a:spcPts val="0"/>
+              </a:spcAft>
+              <a:buNone/>
+            </a:pPr>
+            <a:r>
+              <a:t/>
+            </a:r>
+            <a:endParaRPr sz="1700">
+              <a:solidFill>
+                <a:srgbClr val="595959"/>
+              </a:solidFill>
+              <a:latin typeface="Lato"/>
+              <a:ea typeface="Lato"/>
+              <a:cs typeface="Lato"/>
+              <a:sym typeface="Lato"/>
+            </a:endParaRPr>
+          </a:p>
+          <a:p>
+            <a:pPr indent="0" lvl="0" marL="0" rtl="0" algn="l">
+              <a:spcBef>
+                <a:spcPts val="0"/>
+              </a:spcBef>
+              <a:spcAft>
+                <a:spcPts val="0"/>
+              </a:spcAft>
+              <a:buNone/>
+            </a:pPr>
+            <a:r>
+              <a:rPr lang="en" sz="1700">
+                <a:solidFill>
+                  <a:srgbClr val="595959"/>
+                </a:solidFill>
+                <a:latin typeface="Lato"/>
+                <a:ea typeface="Lato"/>
+                <a:cs typeface="Lato"/>
+                <a:sym typeface="Lato"/>
+              </a:rPr>
+              <a:t>Form the information collected during the process, we have our target</a:t>
+            </a:r>
+            <a:r>
+              <a:rPr lang="en" sz="1700">
+                <a:solidFill>
+                  <a:schemeClr val="dk1"/>
+                </a:solidFill>
+              </a:rPr>
+              <a:t> column named “category”.</a:t>
+            </a:r>
+            <a:endParaRPr sz="1700">
+              <a:solidFill>
+                <a:schemeClr val="dk1"/>
+              </a:solidFill>
+            </a:endParaRPr>
+          </a:p>
+          <a:p>
+            <a:pPr indent="0" lvl="0" marL="0" rtl="0" algn="l">
+              <a:spcBef>
+                <a:spcPts val="0"/>
+              </a:spcBef>
+              <a:spcAft>
+                <a:spcPts val="0"/>
+              </a:spcAft>
+              <a:buNone/>
+            </a:pPr>
+            <a:r>
+              <a:rPr lang="en" sz="1700">
+                <a:solidFill>
+                  <a:schemeClr val="dk1"/>
+                </a:solidFill>
+              </a:rPr>
+              <a:t>We use the bar chart to visualize it.</a:t>
+            </a:r>
+            <a:endParaRPr sz="1700">
+              <a:solidFill>
+                <a:schemeClr val="dk1"/>
+              </a:solidFill>
+            </a:endParaRPr>
+          </a:p>
+          <a:p>
+            <a:pPr indent="0" lvl="0" marL="0" rtl="0" algn="l">
+              <a:spcBef>
+                <a:spcPts val="0"/>
+              </a:spcBef>
+              <a:spcAft>
+                <a:spcPts val="0"/>
+              </a:spcAft>
+              <a:buNone/>
+            </a:pPr>
+            <a:r>
+              <a:rPr lang="en" sz="1700">
+                <a:solidFill>
+                  <a:srgbClr val="595959"/>
+                </a:solidFill>
+                <a:latin typeface="Lato"/>
+                <a:ea typeface="Lato"/>
+                <a:cs typeface="Lato"/>
+                <a:sym typeface="Lato"/>
+              </a:rPr>
+              <a:t>The home category has the largest counts.</a:t>
+            </a:r>
+            <a:endParaRPr sz="1700">
+              <a:solidFill>
+                <a:srgbClr val="595959"/>
+              </a:solidFill>
+              <a:latin typeface="Lato"/>
+              <a:ea typeface="Lato"/>
+              <a:cs typeface="Lato"/>
+              <a:sym typeface="Lato"/>
+            </a:endParaRPr>
+          </a:p>
+          <a:p>
+            <a:pPr indent="0" lvl="0" marL="0" rtl="0" algn="l">
+              <a:spcBef>
+                <a:spcPts val="0"/>
+              </a:spcBef>
+              <a:spcAft>
+                <a:spcPts val="0"/>
+              </a:spcAft>
+              <a:buNone/>
+            </a:pPr>
+            <a:r>
+              <a:t/>
             </a:r>
             <a:endParaRPr/>
           </a:p>
@@ -9692,7 +9991,7 @@
         </p:spPr>
         <p:txBody>
           <a:bodyPr anchorCtr="0" anchor="t" bIns="91425" lIns="91425" spcFirstLastPara="1" rIns="91425" wrap="square" tIns="91425">
-            <a:normAutofit/>
+            <a:normAutofit fontScale="85000" lnSpcReduction="20000"/>
           </a:bodyPr>
           <a:lstStyle/>
           <a:p>
@@ -9708,6 +10007,22 @@
             <a:r>
               <a:rPr lang="en"/>
               <a:t>Presentors: Eric Tsai, Xinru Lu, Morris Zhao, Chen Lin</a:t>
+            </a:r>
+            <a:endParaRPr/>
+          </a:p>
+          <a:p>
+            <a:pPr indent="0" lvl="0" marL="0" rtl="0" algn="r">
+              <a:spcBef>
+                <a:spcPts val="0"/>
+              </a:spcBef>
+              <a:spcAft>
+                <a:spcPts val="0"/>
+              </a:spcAft>
+              <a:buNone/>
+            </a:pPr>
+            <a:r>
+              <a:rPr lang="en"/>
+              <a:t>Mentor: Gittu George</a:t>
             </a:r>
             <a:endParaRPr/>
           </a:p>
@@ -9742,7 +10057,7 @@
   <p:cSld>
     <p:spTree>
       <p:nvGrpSpPr>
-        <p:cNvPr id="141" name="Shape 141"/>
+        <p:cNvPr id="139" name="Shape 139"/>
         <p:cNvGrpSpPr/>
         <p:nvPr/>
       </p:nvGrpSpPr>
@@ -9756,7 +10071,7 @@
       </p:grpSpPr>
       <p:sp>
         <p:nvSpPr>
-          <p:cNvPr id="142" name="Google Shape;142;p22"/>
+          <p:cNvPr id="140" name="Google Shape;140;p22"/>
           <p:cNvSpPr txBox="1"/>
           <p:nvPr>
             <p:ph type="title"/>
@@ -9788,7 +10103,7 @@
             </a:pPr>
             <a:r>
               <a:rPr lang="en"/>
-              <a:t>Visualize Category and Store Density</a:t>
+              <a:t>Visualize Category and Market Size </a:t>
             </a:r>
             <a:endParaRPr/>
           </a:p>
@@ -9796,7 +10111,281 @@
       </p:sp>
       <p:pic>
         <p:nvPicPr>
-          <p:cNvPr id="143" name="Google Shape;143;p22"/>
+          <p:cNvPr id="141" name="Google Shape;141;p22"/>
+          <p:cNvPicPr preferRelativeResize="0"/>
+          <p:nvPr/>
+        </p:nvPicPr>
+        <p:blipFill rotWithShape="1">
+          <a:blip r:embed="rId3">
+            <a:alphaModFix/>
+          </a:blip>
+          <a:srcRect b="0" l="179" r="179" t="0"/>
+          <a:stretch/>
+        </p:blipFill>
+        <p:spPr>
+          <a:xfrm>
+            <a:off x="729450" y="1853850"/>
+            <a:ext cx="4753576" cy="3150550"/>
+          </a:xfrm>
+          <a:prstGeom prst="rect">
+            <a:avLst/>
+          </a:prstGeom>
+          <a:noFill/>
+          <a:ln>
+            <a:noFill/>
+          </a:ln>
+        </p:spPr>
+      </p:pic>
+      <p:sp>
+        <p:nvSpPr>
+          <p:cNvPr id="142" name="Google Shape;142;p22"/>
+          <p:cNvSpPr txBox="1"/>
+          <p:nvPr/>
+        </p:nvSpPr>
+        <p:spPr>
+          <a:xfrm>
+            <a:off x="5678400" y="2341900"/>
+            <a:ext cx="3156000" cy="1477500"/>
+          </a:xfrm>
+          <a:prstGeom prst="rect">
+            <a:avLst/>
+          </a:prstGeom>
+          <a:noFill/>
+          <a:ln>
+            <a:noFill/>
+          </a:ln>
+        </p:spPr>
+        <p:txBody>
+          <a:bodyPr anchorCtr="0" anchor="t" bIns="91425" lIns="91425" spcFirstLastPara="1" rIns="91425" wrap="square" tIns="91425">
+            <a:spAutoFit/>
+          </a:bodyPr>
+          <a:lstStyle/>
+          <a:p>
+            <a:pPr indent="-317500" lvl="0" marL="457200" rtl="0" algn="l">
+              <a:spcBef>
+                <a:spcPts val="0"/>
+              </a:spcBef>
+              <a:spcAft>
+                <a:spcPts val="0"/>
+              </a:spcAft>
+              <a:buSzPts val="1400"/>
+              <a:buFont typeface="Lato"/>
+              <a:buChar char="●"/>
+            </a:pPr>
+            <a:r>
+              <a:rPr lang="en">
+                <a:latin typeface="Lato"/>
+                <a:ea typeface="Lato"/>
+                <a:cs typeface="Lato"/>
+                <a:sym typeface="Lato"/>
+              </a:rPr>
+              <a:t>The highest </a:t>
+            </a:r>
+            <a:r>
+              <a:rPr lang="en">
+                <a:latin typeface="Lato"/>
+                <a:ea typeface="Lato"/>
+                <a:cs typeface="Lato"/>
+                <a:sym typeface="Lato"/>
+              </a:rPr>
+              <a:t>portion</a:t>
+            </a:r>
+            <a:r>
+              <a:rPr lang="en">
+                <a:latin typeface="Lato"/>
+                <a:ea typeface="Lato"/>
+                <a:cs typeface="Lato"/>
+                <a:sym typeface="Lato"/>
+              </a:rPr>
+              <a:t> among categories are very large metro.</a:t>
+            </a:r>
+            <a:endParaRPr>
+              <a:latin typeface="Lato"/>
+              <a:ea typeface="Lato"/>
+              <a:cs typeface="Lato"/>
+              <a:sym typeface="Lato"/>
+            </a:endParaRPr>
+          </a:p>
+          <a:p>
+            <a:pPr indent="-317500" lvl="0" marL="457200" rtl="0" algn="l">
+              <a:spcBef>
+                <a:spcPts val="0"/>
+              </a:spcBef>
+              <a:spcAft>
+                <a:spcPts val="0"/>
+              </a:spcAft>
+              <a:buSzPts val="1400"/>
+              <a:buFont typeface="Lato"/>
+              <a:buChar char="●"/>
+            </a:pPr>
+            <a:r>
+              <a:rPr lang="en">
+                <a:latin typeface="Lato"/>
+                <a:ea typeface="Lato"/>
+                <a:cs typeface="Lato"/>
+                <a:sym typeface="Lato"/>
+              </a:rPr>
+              <a:t>Home has a high </a:t>
+            </a:r>
+            <a:r>
+              <a:rPr lang="en">
+                <a:latin typeface="Lato"/>
+                <a:ea typeface="Lato"/>
+                <a:cs typeface="Lato"/>
+                <a:sym typeface="Lato"/>
+              </a:rPr>
+              <a:t>percentage</a:t>
+            </a:r>
+            <a:r>
+              <a:rPr lang="en">
+                <a:latin typeface="Lato"/>
+                <a:ea typeface="Lato"/>
+                <a:cs typeface="Lato"/>
+                <a:sym typeface="Lato"/>
+              </a:rPr>
+              <a:t> of </a:t>
+            </a:r>
+            <a:r>
+              <a:rPr b="1" lang="en">
+                <a:latin typeface="Lato"/>
+                <a:ea typeface="Lato"/>
+                <a:cs typeface="Lato"/>
+                <a:sym typeface="Lato"/>
+              </a:rPr>
+              <a:t>very large metro</a:t>
+            </a:r>
+            <a:r>
+              <a:rPr lang="en">
+                <a:latin typeface="Lato"/>
+                <a:ea typeface="Lato"/>
+                <a:cs typeface="Lato"/>
+                <a:sym typeface="Lato"/>
+              </a:rPr>
+              <a:t>.</a:t>
+            </a:r>
+            <a:endParaRPr>
+              <a:latin typeface="Lato"/>
+              <a:ea typeface="Lato"/>
+              <a:cs typeface="Lato"/>
+              <a:sym typeface="Lato"/>
+            </a:endParaRPr>
+          </a:p>
+          <a:p>
+            <a:pPr indent="-317500" lvl="0" marL="457200" rtl="0" algn="l">
+              <a:spcBef>
+                <a:spcPts val="0"/>
+              </a:spcBef>
+              <a:spcAft>
+                <a:spcPts val="0"/>
+              </a:spcAft>
+              <a:buSzPts val="1400"/>
+              <a:buFont typeface="Lato"/>
+              <a:buChar char="●"/>
+            </a:pPr>
+            <a:r>
+              <a:rPr lang="en">
+                <a:latin typeface="Lato"/>
+                <a:ea typeface="Lato"/>
+                <a:cs typeface="Lato"/>
+                <a:sym typeface="Lato"/>
+              </a:rPr>
+              <a:t>Travel has a high </a:t>
+            </a:r>
+            <a:r>
+              <a:rPr lang="en">
+                <a:latin typeface="Lato"/>
+                <a:ea typeface="Lato"/>
+                <a:cs typeface="Lato"/>
+                <a:sym typeface="Lato"/>
+              </a:rPr>
+              <a:t>percentage of </a:t>
+            </a:r>
+            <a:r>
+              <a:rPr b="1" lang="en">
+                <a:latin typeface="Lato"/>
+                <a:ea typeface="Lato"/>
+                <a:cs typeface="Lato"/>
+                <a:sym typeface="Lato"/>
+              </a:rPr>
+              <a:t>small city.</a:t>
+            </a:r>
+            <a:endParaRPr b="1">
+              <a:latin typeface="Lato"/>
+              <a:ea typeface="Lato"/>
+              <a:cs typeface="Lato"/>
+              <a:sym typeface="Lato"/>
+            </a:endParaRPr>
+          </a:p>
+        </p:txBody>
+      </p:sp>
+    </p:spTree>
+  </p:cSld>
+  <p:clrMapOvr>
+    <a:masterClrMapping/>
+  </p:clrMapOvr>
+</p:sld>
+</file>
+
+<file path=ppt/slides/slide11.xml><?xml version="1.0" encoding="utf-8"?>
+<p:sld xmlns:a="http://schemas.openxmlformats.org/drawingml/2006/main" xmlns:r="http://schemas.openxmlformats.org/officeDocument/2006/relationships" xmlns:mc="http://schemas.openxmlformats.org/markup-compatibility/2006" xmlns:mv="urn:schemas-microsoft-com:mac:vml" xmlns:p="http://schemas.openxmlformats.org/presentationml/2006/main" xmlns:c="http://schemas.openxmlformats.org/drawingml/2006/chart" xmlns:dgm="http://schemas.openxmlformats.org/drawingml/2006/diagram" xmlns:o="urn:schemas-microsoft-com:office:office" xmlns:v="urn:schemas-microsoft-com:vml" xmlns:pvml="urn:schemas-microsoft-com:office:powerpoint" xmlns:com="http://schemas.openxmlformats.org/drawingml/2006/compatibility" xmlns:p14="http://schemas.microsoft.com/office/powerpoint/2010/main" xmlns:p15="http://schemas.microsoft.com/office/powerpoint/2012/main" xmlns:ahyp="http://schemas.microsoft.com/office/drawing/2018/hyperlinkcolor">
+  <p:cSld>
+    <p:spTree>
+      <p:nvGrpSpPr>
+        <p:cNvPr id="146" name="Shape 146"/>
+        <p:cNvGrpSpPr/>
+        <p:nvPr/>
+      </p:nvGrpSpPr>
+      <p:grpSpPr>
+        <a:xfrm>
+          <a:off x="0" y="0"/>
+          <a:ext cx="0" cy="0"/>
+          <a:chOff x="0" y="0"/>
+          <a:chExt cx="0" cy="0"/>
+        </a:xfrm>
+      </p:grpSpPr>
+      <p:sp>
+        <p:nvSpPr>
+          <p:cNvPr id="147" name="Google Shape;147;p23"/>
+          <p:cNvSpPr txBox="1"/>
+          <p:nvPr>
+            <p:ph type="title"/>
+          </p:nvPr>
+        </p:nvSpPr>
+        <p:spPr>
+          <a:xfrm>
+            <a:off x="729450" y="1318650"/>
+            <a:ext cx="7688700" cy="535200"/>
+          </a:xfrm>
+          <a:prstGeom prst="rect">
+            <a:avLst/>
+          </a:prstGeom>
+        </p:spPr>
+        <p:txBody>
+          <a:bodyPr anchorCtr="0" anchor="t" bIns="91425" lIns="91425" spcFirstLastPara="1" rIns="91425" wrap="square" tIns="91425">
+            <a:normAutofit fontScale="90000"/>
+          </a:bodyPr>
+          <a:lstStyle/>
+          <a:p>
+            <a:pPr indent="0" lvl="0" marL="0" rtl="0" algn="l">
+              <a:spcBef>
+                <a:spcPts val="0"/>
+              </a:spcBef>
+              <a:spcAft>
+                <a:spcPts val="0"/>
+              </a:spcAft>
+              <a:buNone/>
+            </a:pPr>
+            <a:r>
+              <a:rPr lang="en"/>
+              <a:t>Visualize Category and Store Density</a:t>
+            </a:r>
+            <a:endParaRPr/>
+          </a:p>
+        </p:txBody>
+      </p:sp>
+      <p:pic>
+        <p:nvPicPr>
+          <p:cNvPr id="148" name="Google Shape;148;p23"/>
           <p:cNvPicPr preferRelativeResize="0"/>
           <p:nvPr/>
         </p:nvPicPr>
@@ -9823,7 +10412,7 @@
       </p:pic>
       <p:grpSp>
         <p:nvGrpSpPr>
-          <p:cNvPr id="144" name="Google Shape;144;p22"/>
+          <p:cNvPr id="149" name="Google Shape;149;p23"/>
           <p:cNvGrpSpPr/>
           <p:nvPr/>
         </p:nvGrpSpPr>
@@ -9837,7 +10426,7 @@
         </p:grpSpPr>
         <p:sp>
           <p:nvSpPr>
-            <p:cNvPr id="145" name="Google Shape;145;p22"/>
+            <p:cNvPr id="150" name="Google Shape;150;p23"/>
             <p:cNvSpPr/>
             <p:nvPr/>
           </p:nvSpPr>
@@ -9886,7 +10475,7 @@
         </p:sp>
         <p:sp>
           <p:nvSpPr>
-            <p:cNvPr id="146" name="Google Shape;146;p22"/>
+            <p:cNvPr id="151" name="Google Shape;151;p23"/>
             <p:cNvSpPr/>
             <p:nvPr/>
           </p:nvSpPr>
@@ -9935,7 +10524,7 @@
         </p:sp>
         <p:sp>
           <p:nvSpPr>
-            <p:cNvPr id="147" name="Google Shape;147;p22"/>
+            <p:cNvPr id="152" name="Google Shape;152;p23"/>
             <p:cNvSpPr/>
             <p:nvPr/>
           </p:nvSpPr>
@@ -9984,7 +10573,7 @@
         </p:sp>
         <p:sp>
           <p:nvSpPr>
-            <p:cNvPr id="148" name="Google Shape;148;p22"/>
+            <p:cNvPr id="153" name="Google Shape;153;p23"/>
             <p:cNvSpPr/>
             <p:nvPr/>
           </p:nvSpPr>
@@ -10033,7 +10622,7 @@
         </p:sp>
         <p:sp>
           <p:nvSpPr>
-            <p:cNvPr id="149" name="Google Shape;149;p22"/>
+            <p:cNvPr id="154" name="Google Shape;154;p23"/>
             <p:cNvSpPr/>
             <p:nvPr/>
           </p:nvSpPr>
@@ -10082,7 +10671,7 @@
         </p:sp>
         <p:sp>
           <p:nvSpPr>
-            <p:cNvPr id="150" name="Google Shape;150;p22"/>
+            <p:cNvPr id="155" name="Google Shape;155;p23"/>
             <p:cNvSpPr/>
             <p:nvPr/>
           </p:nvSpPr>
@@ -10131,7 +10720,7 @@
         </p:sp>
         <p:sp>
           <p:nvSpPr>
-            <p:cNvPr id="151" name="Google Shape;151;p22"/>
+            <p:cNvPr id="156" name="Google Shape;156;p23"/>
             <p:cNvSpPr/>
             <p:nvPr/>
           </p:nvSpPr>
@@ -10180,7 +10769,7 @@
         </p:sp>
         <p:sp>
           <p:nvSpPr>
-            <p:cNvPr id="152" name="Google Shape;152;p22"/>
+            <p:cNvPr id="157" name="Google Shape;157;p23"/>
             <p:cNvSpPr txBox="1"/>
             <p:nvPr/>
           </p:nvSpPr>
@@ -10238,7 +10827,7 @@
         </p:sp>
         <p:sp>
           <p:nvSpPr>
-            <p:cNvPr id="153" name="Google Shape;153;p22"/>
+            <p:cNvPr id="158" name="Google Shape;158;p23"/>
             <p:cNvSpPr txBox="1"/>
             <p:nvPr/>
           </p:nvSpPr>
@@ -10296,7 +10885,7 @@
         </p:sp>
         <p:sp>
           <p:nvSpPr>
-            <p:cNvPr id="154" name="Google Shape;154;p22"/>
+            <p:cNvPr id="159" name="Google Shape;159;p23"/>
             <p:cNvSpPr txBox="1"/>
             <p:nvPr/>
           </p:nvSpPr>
@@ -10354,7 +10943,7 @@
         </p:sp>
         <p:sp>
           <p:nvSpPr>
-            <p:cNvPr id="155" name="Google Shape;155;p22"/>
+            <p:cNvPr id="160" name="Google Shape;160;p23"/>
             <p:cNvSpPr txBox="1"/>
             <p:nvPr/>
           </p:nvSpPr>
@@ -10412,7 +11001,7 @@
         </p:sp>
         <p:sp>
           <p:nvSpPr>
-            <p:cNvPr id="156" name="Google Shape;156;p22"/>
+            <p:cNvPr id="161" name="Google Shape;161;p23"/>
             <p:cNvSpPr txBox="1"/>
             <p:nvPr/>
           </p:nvSpPr>
@@ -10470,7 +11059,7 @@
         </p:sp>
         <p:sp>
           <p:nvSpPr>
-            <p:cNvPr id="157" name="Google Shape;157;p22"/>
+            <p:cNvPr id="162" name="Google Shape;162;p23"/>
             <p:cNvSpPr txBox="1"/>
             <p:nvPr/>
           </p:nvSpPr>
@@ -10534,7 +11123,7 @@
         </p:sp>
         <p:sp>
           <p:nvSpPr>
-            <p:cNvPr id="158" name="Google Shape;158;p22"/>
+            <p:cNvPr id="163" name="Google Shape;163;p23"/>
             <p:cNvSpPr txBox="1"/>
             <p:nvPr/>
           </p:nvSpPr>
@@ -10599,12 +11188,12 @@
 </p:sld>
 </file>
 
-<file path=ppt/slides/slide11.xml><?xml version="1.0" encoding="utf-8"?>
+<file path=ppt/slides/slide12.xml><?xml version="1.0" encoding="utf-8"?>
 <p:sld xmlns:a="http://schemas.openxmlformats.org/drawingml/2006/main" xmlns:r="http://schemas.openxmlformats.org/officeDocument/2006/relationships" xmlns:mc="http://schemas.openxmlformats.org/markup-compatibility/2006" xmlns:mv="urn:schemas-microsoft-com:mac:vml" xmlns:p="http://schemas.openxmlformats.org/presentationml/2006/main" xmlns:c="http://schemas.openxmlformats.org/drawingml/2006/chart" xmlns:dgm="http://schemas.openxmlformats.org/drawingml/2006/diagram" xmlns:o="urn:schemas-microsoft-com:office:office" xmlns:v="urn:schemas-microsoft-com:vml" xmlns:pvml="urn:schemas-microsoft-com:office:powerpoint" xmlns:com="http://schemas.openxmlformats.org/drawingml/2006/compatibility" xmlns:p14="http://schemas.microsoft.com/office/powerpoint/2010/main" xmlns:p15="http://schemas.microsoft.com/office/powerpoint/2012/main" xmlns:ahyp="http://schemas.microsoft.com/office/drawing/2018/hyperlinkcolor">
   <p:cSld>
     <p:spTree>
       <p:nvGrpSpPr>
-        <p:cNvPr id="162" name="Shape 162"/>
+        <p:cNvPr id="167" name="Shape 167"/>
         <p:cNvGrpSpPr/>
         <p:nvPr/>
       </p:nvGrpSpPr>
@@ -10618,7 +11207,7 @@
       </p:grpSpPr>
       <p:sp>
         <p:nvSpPr>
-          <p:cNvPr id="163" name="Google Shape;163;p23"/>
+          <p:cNvPr id="168" name="Google Shape;168;p24"/>
           <p:cNvSpPr txBox="1"/>
           <p:nvPr>
             <p:ph type="title"/>
@@ -10661,7 +11250,7 @@
       </p:sp>
       <p:sp>
         <p:nvSpPr>
-          <p:cNvPr id="164" name="Google Shape;164;p23"/>
+          <p:cNvPr id="169" name="Google Shape;169;p24"/>
           <p:cNvSpPr txBox="1"/>
           <p:nvPr>
             <p:ph idx="1" type="body"/>
@@ -11177,12 +11766,12 @@
 </p:sld>
 </file>
 
-<file path=ppt/slides/slide12.xml><?xml version="1.0" encoding="utf-8"?>
+<file path=ppt/slides/slide13.xml><?xml version="1.0" encoding="utf-8"?>
 <p:sld xmlns:a="http://schemas.openxmlformats.org/drawingml/2006/main" xmlns:r="http://schemas.openxmlformats.org/officeDocument/2006/relationships" xmlns:mc="http://schemas.openxmlformats.org/markup-compatibility/2006" xmlns:mv="urn:schemas-microsoft-com:mac:vml" xmlns:p="http://schemas.openxmlformats.org/presentationml/2006/main" xmlns:c="http://schemas.openxmlformats.org/drawingml/2006/chart" xmlns:dgm="http://schemas.openxmlformats.org/drawingml/2006/diagram" xmlns:o="urn:schemas-microsoft-com:office:office" xmlns:v="urn:schemas-microsoft-com:vml" xmlns:pvml="urn:schemas-microsoft-com:office:powerpoint" xmlns:com="http://schemas.openxmlformats.org/drawingml/2006/compatibility" xmlns:p14="http://schemas.microsoft.com/office/powerpoint/2010/main" xmlns:p15="http://schemas.microsoft.com/office/powerpoint/2012/main" xmlns:ahyp="http://schemas.microsoft.com/office/drawing/2018/hyperlinkcolor">
   <p:cSld>
     <p:spTree>
       <p:nvGrpSpPr>
-        <p:cNvPr id="168" name="Shape 168"/>
+        <p:cNvPr id="173" name="Shape 173"/>
         <p:cNvGrpSpPr/>
         <p:nvPr/>
       </p:nvGrpSpPr>
@@ -11196,7 +11785,7 @@
       </p:grpSpPr>
       <p:pic>
         <p:nvPicPr>
-          <p:cNvPr id="169" name="Google Shape;169;p24"/>
+          <p:cNvPr id="174" name="Google Shape;174;p25"/>
           <p:cNvPicPr preferRelativeResize="0"/>
           <p:nvPr/>
         </p:nvPicPr>
@@ -11224,7 +11813,7 @@
       </p:pic>
       <p:sp>
         <p:nvSpPr>
-          <p:cNvPr id="170" name="Google Shape;170;p24"/>
+          <p:cNvPr id="175" name="Google Shape;175;p25"/>
           <p:cNvSpPr txBox="1"/>
           <p:nvPr/>
         </p:nvSpPr>
@@ -11266,7 +11855,7 @@
       </p:sp>
       <p:sp>
         <p:nvSpPr>
-          <p:cNvPr id="171" name="Google Shape;171;p24"/>
+          <p:cNvPr id="176" name="Google Shape;176;p25"/>
           <p:cNvSpPr txBox="1"/>
           <p:nvPr>
             <p:ph type="title"/>
@@ -11315,12 +11904,12 @@
 </p:sld>
 </file>
 
-<file path=ppt/slides/slide13.xml><?xml version="1.0" encoding="utf-8"?>
+<file path=ppt/slides/slide14.xml><?xml version="1.0" encoding="utf-8"?>
 <p:sld xmlns:a="http://schemas.openxmlformats.org/drawingml/2006/main" xmlns:r="http://schemas.openxmlformats.org/officeDocument/2006/relationships" xmlns:mc="http://schemas.openxmlformats.org/markup-compatibility/2006" xmlns:mv="urn:schemas-microsoft-com:mac:vml" xmlns:p="http://schemas.openxmlformats.org/presentationml/2006/main" xmlns:c="http://schemas.openxmlformats.org/drawingml/2006/chart" xmlns:dgm="http://schemas.openxmlformats.org/drawingml/2006/diagram" xmlns:o="urn:schemas-microsoft-com:office:office" xmlns:v="urn:schemas-microsoft-com:vml" xmlns:pvml="urn:schemas-microsoft-com:office:powerpoint" xmlns:com="http://schemas.openxmlformats.org/drawingml/2006/compatibility" xmlns:p14="http://schemas.microsoft.com/office/powerpoint/2010/main" xmlns:p15="http://schemas.microsoft.com/office/powerpoint/2012/main" xmlns:ahyp="http://schemas.microsoft.com/office/drawing/2018/hyperlinkcolor">
   <p:cSld>
     <p:spTree>
       <p:nvGrpSpPr>
-        <p:cNvPr id="175" name="Shape 175"/>
+        <p:cNvPr id="180" name="Shape 180"/>
         <p:cNvGrpSpPr/>
         <p:nvPr/>
       </p:nvGrpSpPr>
@@ -11334,7 +11923,7 @@
       </p:grpSpPr>
       <p:sp>
         <p:nvSpPr>
-          <p:cNvPr id="176" name="Google Shape;176;p25"/>
+          <p:cNvPr id="181" name="Google Shape;181;p26"/>
           <p:cNvSpPr txBox="1"/>
           <p:nvPr>
             <p:ph type="title"/>
@@ -11464,7 +12053,7 @@
       </p:sp>
       <p:pic>
         <p:nvPicPr>
-          <p:cNvPr id="177" name="Google Shape;177;p25"/>
+          <p:cNvPr id="182" name="Google Shape;182;p26"/>
           <p:cNvPicPr preferRelativeResize="0"/>
           <p:nvPr/>
         </p:nvPicPr>
@@ -11497,12 +12086,12 @@
 </p:sld>
 </file>
 
-<file path=ppt/slides/slide14.xml><?xml version="1.0" encoding="utf-8"?>
+<file path=ppt/slides/slide15.xml><?xml version="1.0" encoding="utf-8"?>
 <p:sld xmlns:a="http://schemas.openxmlformats.org/drawingml/2006/main" xmlns:r="http://schemas.openxmlformats.org/officeDocument/2006/relationships" xmlns:mc="http://schemas.openxmlformats.org/markup-compatibility/2006" xmlns:mv="urn:schemas-microsoft-com:mac:vml" xmlns:p="http://schemas.openxmlformats.org/presentationml/2006/main" xmlns:c="http://schemas.openxmlformats.org/drawingml/2006/chart" xmlns:dgm="http://schemas.openxmlformats.org/drawingml/2006/diagram" xmlns:o="urn:schemas-microsoft-com:office:office" xmlns:v="urn:schemas-microsoft-com:vml" xmlns:pvml="urn:schemas-microsoft-com:office:powerpoint" xmlns:com="http://schemas.openxmlformats.org/drawingml/2006/compatibility" xmlns:p14="http://schemas.microsoft.com/office/powerpoint/2010/main" xmlns:p15="http://schemas.microsoft.com/office/powerpoint/2012/main" xmlns:ahyp="http://schemas.microsoft.com/office/drawing/2018/hyperlinkcolor">
   <p:cSld>
     <p:spTree>
       <p:nvGrpSpPr>
-        <p:cNvPr id="181" name="Shape 181"/>
+        <p:cNvPr id="186" name="Shape 186"/>
         <p:cNvGrpSpPr/>
         <p:nvPr/>
       </p:nvGrpSpPr>
@@ -11516,7 +12105,7 @@
       </p:grpSpPr>
       <p:sp>
         <p:nvSpPr>
-          <p:cNvPr id="182" name="Google Shape;182;p26"/>
+          <p:cNvPr id="187" name="Google Shape;187;p27"/>
           <p:cNvSpPr txBox="1"/>
           <p:nvPr>
             <p:ph type="title"/>
@@ -11556,7 +12145,7 @@
       </p:sp>
       <p:sp>
         <p:nvSpPr>
-          <p:cNvPr id="183" name="Google Shape;183;p26"/>
+          <p:cNvPr id="188" name="Google Shape;188;p27"/>
           <p:cNvSpPr txBox="1"/>
           <p:nvPr>
             <p:ph idx="1" type="body"/>
@@ -11943,12 +12532,12 @@
 </p:sld>
 </file>
 
-<file path=ppt/slides/slide15.xml><?xml version="1.0" encoding="utf-8"?>
+<file path=ppt/slides/slide16.xml><?xml version="1.0" encoding="utf-8"?>
 <p:sld xmlns:a="http://schemas.openxmlformats.org/drawingml/2006/main" xmlns:r="http://schemas.openxmlformats.org/officeDocument/2006/relationships" xmlns:mc="http://schemas.openxmlformats.org/markup-compatibility/2006" xmlns:mv="urn:schemas-microsoft-com:mac:vml" xmlns:p="http://schemas.openxmlformats.org/presentationml/2006/main" xmlns:c="http://schemas.openxmlformats.org/drawingml/2006/chart" xmlns:dgm="http://schemas.openxmlformats.org/drawingml/2006/diagram" xmlns:o="urn:schemas-microsoft-com:office:office" xmlns:v="urn:schemas-microsoft-com:vml" xmlns:pvml="urn:schemas-microsoft-com:office:powerpoint" xmlns:com="http://schemas.openxmlformats.org/drawingml/2006/compatibility" xmlns:p14="http://schemas.microsoft.com/office/powerpoint/2010/main" xmlns:p15="http://schemas.microsoft.com/office/powerpoint/2012/main" xmlns:ahyp="http://schemas.microsoft.com/office/drawing/2018/hyperlinkcolor">
   <p:cSld>
     <p:spTree>
       <p:nvGrpSpPr>
-        <p:cNvPr id="187" name="Shape 187"/>
+        <p:cNvPr id="192" name="Shape 192"/>
         <p:cNvGrpSpPr/>
         <p:nvPr/>
       </p:nvGrpSpPr>
@@ -11962,7 +12551,7 @@
       </p:grpSpPr>
       <p:sp>
         <p:nvSpPr>
-          <p:cNvPr id="188" name="Google Shape;188;p27"/>
+          <p:cNvPr id="193" name="Google Shape;193;p28"/>
           <p:cNvSpPr txBox="1"/>
           <p:nvPr>
             <p:ph type="title"/>
@@ -12002,7 +12591,7 @@
       </p:sp>
       <p:pic>
         <p:nvPicPr>
-          <p:cNvPr id="189" name="Google Shape;189;p27"/>
+          <p:cNvPr id="194" name="Google Shape;194;p28"/>
           <p:cNvPicPr preferRelativeResize="0"/>
           <p:nvPr/>
         </p:nvPicPr>
@@ -12030,7 +12619,7 @@
       </p:pic>
       <p:sp>
         <p:nvSpPr>
-          <p:cNvPr id="190" name="Google Shape;190;p27"/>
+          <p:cNvPr id="195" name="Google Shape;195;p28"/>
           <p:cNvSpPr txBox="1"/>
           <p:nvPr/>
         </p:nvSpPr>
@@ -12078,12 +12667,12 @@
 </p:sld>
 </file>
 
-<file path=ppt/slides/slide16.xml><?xml version="1.0" encoding="utf-8"?>
+<file path=ppt/slides/slide17.xml><?xml version="1.0" encoding="utf-8"?>
 <p:sld xmlns:a="http://schemas.openxmlformats.org/drawingml/2006/main" xmlns:r="http://schemas.openxmlformats.org/officeDocument/2006/relationships" xmlns:mc="http://schemas.openxmlformats.org/markup-compatibility/2006" xmlns:mv="urn:schemas-microsoft-com:mac:vml" xmlns:p="http://schemas.openxmlformats.org/presentationml/2006/main" xmlns:c="http://schemas.openxmlformats.org/drawingml/2006/chart" xmlns:dgm="http://schemas.openxmlformats.org/drawingml/2006/diagram" xmlns:o="urn:schemas-microsoft-com:office:office" xmlns:v="urn:schemas-microsoft-com:vml" xmlns:pvml="urn:schemas-microsoft-com:office:powerpoint" xmlns:com="http://schemas.openxmlformats.org/drawingml/2006/compatibility" xmlns:p14="http://schemas.microsoft.com/office/powerpoint/2010/main" xmlns:p15="http://schemas.microsoft.com/office/powerpoint/2012/main" xmlns:ahyp="http://schemas.microsoft.com/office/drawing/2018/hyperlinkcolor">
   <p:cSld>
     <p:spTree>
       <p:nvGrpSpPr>
-        <p:cNvPr id="194" name="Shape 194"/>
+        <p:cNvPr id="199" name="Shape 199"/>
         <p:cNvGrpSpPr/>
         <p:nvPr/>
       </p:nvGrpSpPr>
@@ -12097,7 +12686,7 @@
       </p:grpSpPr>
       <p:sp>
         <p:nvSpPr>
-          <p:cNvPr id="195" name="Google Shape;195;p28"/>
+          <p:cNvPr id="200" name="Google Shape;200;p29"/>
           <p:cNvSpPr txBox="1"/>
           <p:nvPr>
             <p:ph type="title"/>
@@ -12137,7 +12726,7 @@
       </p:sp>
       <p:sp>
         <p:nvSpPr>
-          <p:cNvPr id="196" name="Google Shape;196;p28"/>
+          <p:cNvPr id="201" name="Google Shape;201;p29"/>
           <p:cNvSpPr txBox="1"/>
           <p:nvPr>
             <p:ph idx="1" type="body"/>
@@ -12401,12 +12990,12 @@
 </p:sld>
 </file>
 
-<file path=ppt/slides/slide17.xml><?xml version="1.0" encoding="utf-8"?>
+<file path=ppt/slides/slide18.xml><?xml version="1.0" encoding="utf-8"?>
 <p:sld xmlns:a="http://schemas.openxmlformats.org/drawingml/2006/main" xmlns:r="http://schemas.openxmlformats.org/officeDocument/2006/relationships" xmlns:mc="http://schemas.openxmlformats.org/markup-compatibility/2006" xmlns:mv="urn:schemas-microsoft-com:mac:vml" xmlns:p="http://schemas.openxmlformats.org/presentationml/2006/main" xmlns:c="http://schemas.openxmlformats.org/drawingml/2006/chart" xmlns:dgm="http://schemas.openxmlformats.org/drawingml/2006/diagram" xmlns:o="urn:schemas-microsoft-com:office:office" xmlns:v="urn:schemas-microsoft-com:vml" xmlns:pvml="urn:schemas-microsoft-com:office:powerpoint" xmlns:com="http://schemas.openxmlformats.org/drawingml/2006/compatibility" xmlns:p14="http://schemas.microsoft.com/office/powerpoint/2010/main" xmlns:p15="http://schemas.microsoft.com/office/powerpoint/2012/main" xmlns:ahyp="http://schemas.microsoft.com/office/drawing/2018/hyperlinkcolor">
   <p:cSld>
     <p:spTree>
       <p:nvGrpSpPr>
-        <p:cNvPr id="200" name="Shape 200"/>
+        <p:cNvPr id="205" name="Shape 205"/>
         <p:cNvGrpSpPr/>
         <p:nvPr/>
       </p:nvGrpSpPr>
@@ -12420,7 +13009,7 @@
       </p:grpSpPr>
       <p:sp>
         <p:nvSpPr>
-          <p:cNvPr id="201" name="Google Shape;201;p29"/>
+          <p:cNvPr id="206" name="Google Shape;206;p30"/>
           <p:cNvSpPr txBox="1"/>
           <p:nvPr>
             <p:ph type="title"/>
@@ -12507,7 +13096,7 @@
       </p:sp>
       <p:pic>
         <p:nvPicPr>
-          <p:cNvPr id="202" name="Google Shape;202;p29"/>
+          <p:cNvPr id="207" name="Google Shape;207;p30"/>
           <p:cNvPicPr preferRelativeResize="0"/>
           <p:nvPr/>
         </p:nvPicPr>
@@ -12541,12 +13130,12 @@
 </p:sld>
 </file>
 
-<file path=ppt/slides/slide18.xml><?xml version="1.0" encoding="utf-8"?>
+<file path=ppt/slides/slide19.xml><?xml version="1.0" encoding="utf-8"?>
 <p:sld xmlns:a="http://schemas.openxmlformats.org/drawingml/2006/main" xmlns:r="http://schemas.openxmlformats.org/officeDocument/2006/relationships" xmlns:mc="http://schemas.openxmlformats.org/markup-compatibility/2006" xmlns:mv="urn:schemas-microsoft-com:mac:vml" xmlns:p="http://schemas.openxmlformats.org/presentationml/2006/main" xmlns:c="http://schemas.openxmlformats.org/drawingml/2006/chart" xmlns:dgm="http://schemas.openxmlformats.org/drawingml/2006/diagram" xmlns:o="urn:schemas-microsoft-com:office:office" xmlns:v="urn:schemas-microsoft-com:vml" xmlns:pvml="urn:schemas-microsoft-com:office:powerpoint" xmlns:com="http://schemas.openxmlformats.org/drawingml/2006/compatibility" xmlns:p14="http://schemas.microsoft.com/office/powerpoint/2010/main" xmlns:p15="http://schemas.microsoft.com/office/powerpoint/2012/main" xmlns:ahyp="http://schemas.microsoft.com/office/drawing/2018/hyperlinkcolor">
   <p:cSld>
     <p:spTree>
       <p:nvGrpSpPr>
-        <p:cNvPr id="206" name="Shape 206"/>
+        <p:cNvPr id="211" name="Shape 211"/>
         <p:cNvGrpSpPr/>
         <p:nvPr/>
       </p:nvGrpSpPr>
@@ -12560,7 +13149,7 @@
       </p:grpSpPr>
       <p:sp>
         <p:nvSpPr>
-          <p:cNvPr id="207" name="Google Shape;207;p30"/>
+          <p:cNvPr id="212" name="Google Shape;212;p31"/>
           <p:cNvSpPr txBox="1"/>
           <p:nvPr>
             <p:ph type="title"/>
@@ -12600,7 +13189,7 @@
       </p:sp>
       <p:grpSp>
         <p:nvGrpSpPr>
-          <p:cNvPr id="208" name="Google Shape;208;p30"/>
+          <p:cNvPr id="213" name="Google Shape;213;p31"/>
           <p:cNvGrpSpPr/>
           <p:nvPr/>
         </p:nvGrpSpPr>
@@ -12614,7 +13203,7 @@
         </p:grpSpPr>
         <p:grpSp>
           <p:nvGrpSpPr>
-            <p:cNvPr id="209" name="Google Shape;209;p30"/>
+            <p:cNvPr id="214" name="Google Shape;214;p31"/>
             <p:cNvGrpSpPr/>
             <p:nvPr/>
           </p:nvGrpSpPr>
@@ -12628,7 +13217,7 @@
           </p:grpSpPr>
           <p:sp>
             <p:nvSpPr>
-              <p:cNvPr id="210" name="Google Shape;210;p30"/>
+              <p:cNvPr id="215" name="Google Shape;215;p31"/>
               <p:cNvSpPr/>
               <p:nvPr/>
             </p:nvSpPr>
@@ -12671,7 +13260,7 @@
           </p:sp>
           <p:sp>
             <p:nvSpPr>
-              <p:cNvPr id="211" name="Google Shape;211;p30"/>
+              <p:cNvPr id="216" name="Google Shape;216;p31"/>
               <p:cNvSpPr/>
               <p:nvPr/>
             </p:nvSpPr>
@@ -12715,7 +13304,7 @@
         </p:grpSp>
         <p:sp>
           <p:nvSpPr>
-            <p:cNvPr id="212" name="Google Shape;212;p30"/>
+            <p:cNvPr id="217" name="Google Shape;217;p31"/>
             <p:cNvSpPr txBox="1"/>
             <p:nvPr/>
           </p:nvSpPr>
@@ -12777,7 +13366,7 @@
       </p:grpSp>
       <p:grpSp>
         <p:nvGrpSpPr>
-          <p:cNvPr id="213" name="Google Shape;213;p30"/>
+          <p:cNvPr id="218" name="Google Shape;218;p31"/>
           <p:cNvGrpSpPr/>
           <p:nvPr/>
         </p:nvGrpSpPr>
@@ -12791,7 +13380,7 @@
         </p:grpSpPr>
         <p:grpSp>
           <p:nvGrpSpPr>
-            <p:cNvPr id="214" name="Google Shape;214;p30"/>
+            <p:cNvPr id="219" name="Google Shape;219;p31"/>
             <p:cNvGrpSpPr/>
             <p:nvPr/>
           </p:nvGrpSpPr>
@@ -12805,7 +13394,7 @@
           </p:grpSpPr>
           <p:sp>
             <p:nvSpPr>
-              <p:cNvPr id="215" name="Google Shape;215;p30"/>
+              <p:cNvPr id="220" name="Google Shape;220;p31"/>
               <p:cNvSpPr/>
               <p:nvPr/>
             </p:nvSpPr>
@@ -12848,7 +13437,7 @@
           </p:sp>
           <p:sp>
             <p:nvSpPr>
-              <p:cNvPr id="216" name="Google Shape;216;p30"/>
+              <p:cNvPr id="221" name="Google Shape;221;p31"/>
               <p:cNvSpPr/>
               <p:nvPr/>
             </p:nvSpPr>
@@ -12892,7 +13481,7 @@
         </p:grpSp>
         <p:cxnSp>
           <p:nvCxnSpPr>
-            <p:cNvPr id="217" name="Google Shape;217;p30"/>
+            <p:cNvPr id="222" name="Google Shape;222;p31"/>
             <p:cNvCxnSpPr/>
             <p:nvPr/>
           </p:nvCxnSpPr>
@@ -12918,7 +13507,7 @@
         </p:cxnSp>
         <p:sp>
           <p:nvSpPr>
-            <p:cNvPr id="218" name="Google Shape;218;p30"/>
+            <p:cNvPr id="223" name="Google Shape;223;p31"/>
             <p:cNvSpPr txBox="1"/>
             <p:nvPr/>
           </p:nvSpPr>
@@ -12976,7 +13565,7 @@
         </p:sp>
         <p:sp>
           <p:nvSpPr>
-            <p:cNvPr id="219" name="Google Shape;219;p30"/>
+            <p:cNvPr id="224" name="Google Shape;224;p31"/>
             <p:cNvSpPr txBox="1"/>
             <p:nvPr/>
           </p:nvSpPr>
@@ -13038,7 +13627,7 @@
       </p:grpSp>
       <p:grpSp>
         <p:nvGrpSpPr>
-          <p:cNvPr id="220" name="Google Shape;220;p30"/>
+          <p:cNvPr id="225" name="Google Shape;225;p31"/>
           <p:cNvGrpSpPr/>
           <p:nvPr/>
         </p:nvGrpSpPr>
@@ -13052,7 +13641,7 @@
         </p:grpSpPr>
         <p:grpSp>
           <p:nvGrpSpPr>
-            <p:cNvPr id="221" name="Google Shape;221;p30"/>
+            <p:cNvPr id="226" name="Google Shape;226;p31"/>
             <p:cNvGrpSpPr/>
             <p:nvPr/>
           </p:nvGrpSpPr>
@@ -13066,7 +13655,7 @@
           </p:grpSpPr>
           <p:sp>
             <p:nvSpPr>
-              <p:cNvPr id="222" name="Google Shape;222;p30"/>
+              <p:cNvPr id="227" name="Google Shape;227;p31"/>
               <p:cNvSpPr/>
               <p:nvPr/>
             </p:nvSpPr>
@@ -13109,7 +13698,7 @@
           </p:sp>
           <p:sp>
             <p:nvSpPr>
-              <p:cNvPr id="223" name="Google Shape;223;p30"/>
+              <p:cNvPr id="228" name="Google Shape;228;p31"/>
               <p:cNvSpPr/>
               <p:nvPr/>
             </p:nvSpPr>
@@ -13153,7 +13742,7 @@
         </p:grpSp>
         <p:cxnSp>
           <p:nvCxnSpPr>
-            <p:cNvPr id="224" name="Google Shape;224;p30"/>
+            <p:cNvPr id="229" name="Google Shape;229;p31"/>
             <p:cNvCxnSpPr/>
             <p:nvPr/>
           </p:nvCxnSpPr>
@@ -13179,7 +13768,7 @@
         </p:cxnSp>
         <p:sp>
           <p:nvSpPr>
-            <p:cNvPr id="225" name="Google Shape;225;p30"/>
+            <p:cNvPr id="230" name="Google Shape;230;p31"/>
             <p:cNvSpPr txBox="1"/>
             <p:nvPr/>
           </p:nvSpPr>
@@ -13241,7 +13830,7 @@
       </p:grpSp>
       <p:grpSp>
         <p:nvGrpSpPr>
-          <p:cNvPr id="226" name="Google Shape;226;p30"/>
+          <p:cNvPr id="231" name="Google Shape;231;p31"/>
           <p:cNvGrpSpPr/>
           <p:nvPr/>
         </p:nvGrpSpPr>
@@ -13255,7 +13844,7 @@
         </p:grpSpPr>
         <p:grpSp>
           <p:nvGrpSpPr>
-            <p:cNvPr id="227" name="Google Shape;227;p30"/>
+            <p:cNvPr id="232" name="Google Shape;232;p31"/>
             <p:cNvGrpSpPr/>
             <p:nvPr/>
           </p:nvGrpSpPr>
@@ -13269,7 +13858,7 @@
           </p:grpSpPr>
           <p:sp>
             <p:nvSpPr>
-              <p:cNvPr id="228" name="Google Shape;228;p30"/>
+              <p:cNvPr id="233" name="Google Shape;233;p31"/>
               <p:cNvSpPr/>
               <p:nvPr/>
             </p:nvSpPr>
@@ -13312,7 +13901,7 @@
           </p:sp>
           <p:sp>
             <p:nvSpPr>
-              <p:cNvPr id="229" name="Google Shape;229;p30"/>
+              <p:cNvPr id="234" name="Google Shape;234;p31"/>
               <p:cNvSpPr/>
               <p:nvPr/>
             </p:nvSpPr>
@@ -13356,7 +13945,7 @@
         </p:grpSp>
         <p:cxnSp>
           <p:nvCxnSpPr>
-            <p:cNvPr id="230" name="Google Shape;230;p30"/>
+            <p:cNvPr id="235" name="Google Shape;235;p31"/>
             <p:cNvCxnSpPr/>
             <p:nvPr/>
           </p:nvCxnSpPr>
@@ -13382,7 +13971,7 @@
         </p:cxnSp>
         <p:sp>
           <p:nvSpPr>
-            <p:cNvPr id="231" name="Google Shape;231;p30"/>
+            <p:cNvPr id="236" name="Google Shape;236;p31"/>
             <p:cNvSpPr txBox="1"/>
             <p:nvPr/>
           </p:nvSpPr>
@@ -13444,7 +14033,7 @@
       </p:grpSp>
       <p:grpSp>
         <p:nvGrpSpPr>
-          <p:cNvPr id="232" name="Google Shape;232;p30"/>
+          <p:cNvPr id="237" name="Google Shape;237;p31"/>
           <p:cNvGrpSpPr/>
           <p:nvPr/>
         </p:nvGrpSpPr>
@@ -13458,7 +14047,7 @@
         </p:grpSpPr>
         <p:sp>
           <p:nvSpPr>
-            <p:cNvPr id="233" name="Google Shape;233;p30"/>
+            <p:cNvPr id="238" name="Google Shape;238;p31"/>
             <p:cNvSpPr/>
             <p:nvPr/>
           </p:nvSpPr>
@@ -13501,7 +14090,7 @@
         </p:sp>
         <p:sp>
           <p:nvSpPr>
-            <p:cNvPr id="234" name="Google Shape;234;p30"/>
+            <p:cNvPr id="239" name="Google Shape;239;p31"/>
             <p:cNvSpPr/>
             <p:nvPr/>
           </p:nvSpPr>
@@ -13544,7 +14133,7 @@
         </p:sp>
         <p:sp>
           <p:nvSpPr>
-            <p:cNvPr id="235" name="Google Shape;235;p30"/>
+            <p:cNvPr id="240" name="Google Shape;240;p31"/>
             <p:cNvSpPr txBox="1"/>
             <p:nvPr/>
           </p:nvSpPr>
@@ -13646,7 +14235,7 @@
         </p:sp>
         <p:sp>
           <p:nvSpPr>
-            <p:cNvPr id="236" name="Google Shape;236;p30"/>
+            <p:cNvPr id="241" name="Google Shape;241;p31"/>
             <p:cNvSpPr txBox="1"/>
             <p:nvPr/>
           </p:nvSpPr>
@@ -13707,7 +14296,7 @@
         </p:sp>
         <p:cxnSp>
           <p:nvCxnSpPr>
-            <p:cNvPr id="237" name="Google Shape;237;p30"/>
+            <p:cNvPr id="242" name="Google Shape;242;p31"/>
             <p:cNvCxnSpPr/>
             <p:nvPr/>
           </p:nvCxnSpPr>
@@ -13734,7 +14323,7 @@
       </p:grpSp>
       <p:sp>
         <p:nvSpPr>
-          <p:cNvPr id="238" name="Google Shape;238;p30"/>
+          <p:cNvPr id="243" name="Google Shape;243;p31"/>
           <p:cNvSpPr txBox="1"/>
           <p:nvPr/>
         </p:nvSpPr>
@@ -13795,7 +14384,7 @@
       </p:sp>
       <p:sp>
         <p:nvSpPr>
-          <p:cNvPr id="239" name="Google Shape;239;p30"/>
+          <p:cNvPr id="244" name="Google Shape;244;p31"/>
           <p:cNvSpPr txBox="1"/>
           <p:nvPr/>
         </p:nvSpPr>
@@ -13868,7 +14457,7 @@
       </p:sp>
       <p:sp>
         <p:nvSpPr>
-          <p:cNvPr id="240" name="Google Shape;240;p30"/>
+          <p:cNvPr id="245" name="Google Shape;245;p31"/>
           <p:cNvSpPr txBox="1"/>
           <p:nvPr/>
         </p:nvSpPr>
@@ -13929,7 +14518,7 @@
       </p:sp>
       <p:sp>
         <p:nvSpPr>
-          <p:cNvPr id="241" name="Google Shape;241;p30"/>
+          <p:cNvPr id="246" name="Google Shape;246;p31"/>
           <p:cNvSpPr txBox="1"/>
           <p:nvPr/>
         </p:nvSpPr>
@@ -13990,7 +14579,7 @@
       </p:sp>
       <p:sp>
         <p:nvSpPr>
-          <p:cNvPr id="242" name="Google Shape;242;p30"/>
+          <p:cNvPr id="247" name="Google Shape;247;p31"/>
           <p:cNvSpPr txBox="1"/>
           <p:nvPr/>
         </p:nvSpPr>
@@ -14051,7 +14640,7 @@
       </p:sp>
       <p:grpSp>
         <p:nvGrpSpPr>
-          <p:cNvPr id="243" name="Google Shape;243;p30"/>
+          <p:cNvPr id="248" name="Google Shape;248;p31"/>
           <p:cNvGrpSpPr/>
           <p:nvPr/>
         </p:nvGrpSpPr>
@@ -14065,7 +14654,7 @@
         </p:grpSpPr>
         <p:grpSp>
           <p:nvGrpSpPr>
-            <p:cNvPr id="244" name="Google Shape;244;p30"/>
+            <p:cNvPr id="249" name="Google Shape;249;p31"/>
             <p:cNvGrpSpPr/>
             <p:nvPr/>
           </p:nvGrpSpPr>
@@ -14079,7 +14668,7 @@
           </p:grpSpPr>
           <p:sp>
             <p:nvSpPr>
-              <p:cNvPr id="245" name="Google Shape;245;p30"/>
+              <p:cNvPr id="250" name="Google Shape;250;p31"/>
               <p:cNvSpPr/>
               <p:nvPr/>
             </p:nvSpPr>
@@ -14122,7 +14711,7 @@
           </p:sp>
           <p:sp>
             <p:nvSpPr>
-              <p:cNvPr id="246" name="Google Shape;246;p30"/>
+              <p:cNvPr id="251" name="Google Shape;251;p31"/>
               <p:cNvSpPr/>
               <p:nvPr/>
             </p:nvSpPr>
@@ -14166,7 +14755,7 @@
         </p:grpSp>
         <p:sp>
           <p:nvSpPr>
-            <p:cNvPr id="247" name="Google Shape;247;p30"/>
+            <p:cNvPr id="252" name="Google Shape;252;p31"/>
             <p:cNvSpPr txBox="1"/>
             <p:nvPr/>
           </p:nvSpPr>
@@ -14224,7 +14813,7 @@
         </p:sp>
         <p:sp>
           <p:nvSpPr>
-            <p:cNvPr id="248" name="Google Shape;248;p30"/>
+            <p:cNvPr id="253" name="Google Shape;253;p31"/>
             <p:cNvSpPr txBox="1"/>
             <p:nvPr/>
           </p:nvSpPr>
@@ -14276,7 +14865,7 @@
         </p:sp>
         <p:sp>
           <p:nvSpPr>
-            <p:cNvPr id="249" name="Google Shape;249;p30"/>
+            <p:cNvPr id="254" name="Google Shape;254;p31"/>
             <p:cNvSpPr txBox="1"/>
             <p:nvPr/>
           </p:nvSpPr>
@@ -14338,7 +14927,7 @@
       </p:grpSp>
       <p:grpSp>
         <p:nvGrpSpPr>
-          <p:cNvPr id="250" name="Google Shape;250;p30"/>
+          <p:cNvPr id="255" name="Google Shape;255;p31"/>
           <p:cNvGrpSpPr/>
           <p:nvPr/>
         </p:nvGrpSpPr>
@@ -14352,7 +14941,7 @@
         </p:grpSpPr>
         <p:grpSp>
           <p:nvGrpSpPr>
-            <p:cNvPr id="251" name="Google Shape;251;p30"/>
+            <p:cNvPr id="256" name="Google Shape;256;p31"/>
             <p:cNvGrpSpPr/>
             <p:nvPr/>
           </p:nvGrpSpPr>
@@ -14366,7 +14955,7 @@
           </p:grpSpPr>
           <p:sp>
             <p:nvSpPr>
-              <p:cNvPr id="252" name="Google Shape;252;p30"/>
+              <p:cNvPr id="257" name="Google Shape;257;p31"/>
               <p:cNvSpPr/>
               <p:nvPr/>
             </p:nvSpPr>
@@ -14409,7 +14998,7 @@
           </p:sp>
           <p:sp>
             <p:nvSpPr>
-              <p:cNvPr id="253" name="Google Shape;253;p30"/>
+              <p:cNvPr id="258" name="Google Shape;258;p31"/>
               <p:cNvSpPr/>
               <p:nvPr/>
             </p:nvSpPr>
@@ -14453,7 +15042,7 @@
         </p:grpSp>
         <p:cxnSp>
           <p:nvCxnSpPr>
-            <p:cNvPr id="254" name="Google Shape;254;p30"/>
+            <p:cNvPr id="259" name="Google Shape;259;p31"/>
             <p:cNvCxnSpPr/>
             <p:nvPr/>
           </p:nvCxnSpPr>
@@ -14479,7 +15068,7 @@
         </p:cxnSp>
         <p:sp>
           <p:nvSpPr>
-            <p:cNvPr id="255" name="Google Shape;255;p30"/>
+            <p:cNvPr id="260" name="Google Shape;260;p31"/>
             <p:cNvSpPr txBox="1"/>
             <p:nvPr/>
           </p:nvSpPr>
@@ -14537,7 +15126,7 @@
         </p:sp>
         <p:sp>
           <p:nvSpPr>
-            <p:cNvPr id="256" name="Google Shape;256;p30"/>
+            <p:cNvPr id="261" name="Google Shape;261;p31"/>
             <p:cNvSpPr txBox="1"/>
             <p:nvPr/>
           </p:nvSpPr>
@@ -14599,7 +15188,7 @@
       </p:grpSp>
       <p:grpSp>
         <p:nvGrpSpPr>
-          <p:cNvPr id="257" name="Google Shape;257;p30"/>
+          <p:cNvPr id="262" name="Google Shape;262;p31"/>
           <p:cNvGrpSpPr/>
           <p:nvPr/>
         </p:nvGrpSpPr>
@@ -14613,7 +15202,7 @@
         </p:grpSpPr>
         <p:grpSp>
           <p:nvGrpSpPr>
-            <p:cNvPr id="258" name="Google Shape;258;p30"/>
+            <p:cNvPr id="263" name="Google Shape;263;p31"/>
             <p:cNvGrpSpPr/>
             <p:nvPr/>
           </p:nvGrpSpPr>
@@ -14627,7 +15216,7 @@
           </p:grpSpPr>
           <p:sp>
             <p:nvSpPr>
-              <p:cNvPr id="259" name="Google Shape;259;p30"/>
+              <p:cNvPr id="264" name="Google Shape;264;p31"/>
               <p:cNvSpPr/>
               <p:nvPr/>
             </p:nvSpPr>
@@ -14670,7 +15259,7 @@
           </p:sp>
           <p:sp>
             <p:nvSpPr>
-              <p:cNvPr id="260" name="Google Shape;260;p30"/>
+              <p:cNvPr id="265" name="Google Shape;265;p31"/>
               <p:cNvSpPr/>
               <p:nvPr/>
             </p:nvSpPr>
@@ -14714,7 +15303,7 @@
         </p:grpSp>
         <p:cxnSp>
           <p:nvCxnSpPr>
-            <p:cNvPr id="261" name="Google Shape;261;p30"/>
+            <p:cNvPr id="266" name="Google Shape;266;p31"/>
             <p:cNvCxnSpPr/>
             <p:nvPr/>
           </p:nvCxnSpPr>
@@ -14740,7 +15329,7 @@
         </p:cxnSp>
         <p:sp>
           <p:nvSpPr>
-            <p:cNvPr id="262" name="Google Shape;262;p30"/>
+            <p:cNvPr id="267" name="Google Shape;267;p31"/>
             <p:cNvSpPr txBox="1"/>
             <p:nvPr/>
           </p:nvSpPr>
@@ -14802,7 +15391,7 @@
       </p:grpSp>
       <p:sp>
         <p:nvSpPr>
-          <p:cNvPr id="263" name="Google Shape;263;p30"/>
+          <p:cNvPr id="268" name="Google Shape;268;p31"/>
           <p:cNvSpPr txBox="1"/>
           <p:nvPr/>
         </p:nvSpPr>
@@ -14863,7 +15452,7 @@
       </p:sp>
       <p:sp>
         <p:nvSpPr>
-          <p:cNvPr id="264" name="Google Shape;264;p30"/>
+          <p:cNvPr id="269" name="Google Shape;269;p31"/>
           <p:cNvSpPr txBox="1"/>
           <p:nvPr/>
         </p:nvSpPr>
@@ -14924,7 +15513,7 @@
       </p:sp>
       <p:sp>
         <p:nvSpPr>
-          <p:cNvPr id="265" name="Google Shape;265;p30"/>
+          <p:cNvPr id="270" name="Google Shape;270;p31"/>
           <p:cNvSpPr txBox="1"/>
           <p:nvPr/>
         </p:nvSpPr>
@@ -14985,7 +15574,7 @@
       </p:sp>
       <p:sp>
         <p:nvSpPr>
-          <p:cNvPr id="266" name="Google Shape;266;p30"/>
+          <p:cNvPr id="271" name="Google Shape;271;p31"/>
           <p:cNvSpPr txBox="1"/>
           <p:nvPr/>
         </p:nvSpPr>
@@ -15055,7 +15644,7 @@
       </p:sp>
       <p:sp>
         <p:nvSpPr>
-          <p:cNvPr id="267" name="Google Shape;267;p30"/>
+          <p:cNvPr id="272" name="Google Shape;272;p31"/>
           <p:cNvSpPr txBox="1"/>
           <p:nvPr/>
         </p:nvSpPr>
@@ -15113,7 +15702,7 @@
       </p:sp>
       <p:sp>
         <p:nvSpPr>
-          <p:cNvPr id="268" name="Google Shape;268;p30"/>
+          <p:cNvPr id="273" name="Google Shape;273;p31"/>
           <p:cNvSpPr txBox="1"/>
           <p:nvPr/>
         </p:nvSpPr>
@@ -15171,7 +15760,7 @@
       </p:sp>
       <p:sp>
         <p:nvSpPr>
-          <p:cNvPr id="269" name="Google Shape;269;p30"/>
+          <p:cNvPr id="274" name="Google Shape;274;p31"/>
           <p:cNvSpPr txBox="1"/>
           <p:nvPr/>
         </p:nvSpPr>
@@ -15236,71 +15825,6 @@
               <a:cs typeface="Roboto"/>
               <a:sym typeface="Roboto"/>
             </a:endParaRPr>
-          </a:p>
-        </p:txBody>
-      </p:sp>
-    </p:spTree>
-  </p:cSld>
-  <p:clrMapOvr>
-    <a:masterClrMapping/>
-  </p:clrMapOvr>
-</p:sld>
-</file>
-
-<file path=ppt/slides/slide19.xml><?xml version="1.0" encoding="utf-8"?>
-<p:sld xmlns:a="http://schemas.openxmlformats.org/drawingml/2006/main" xmlns:r="http://schemas.openxmlformats.org/officeDocument/2006/relationships" xmlns:mc="http://schemas.openxmlformats.org/markup-compatibility/2006" xmlns:mv="urn:schemas-microsoft-com:mac:vml" xmlns:p="http://schemas.openxmlformats.org/presentationml/2006/main" xmlns:c="http://schemas.openxmlformats.org/drawingml/2006/chart" xmlns:dgm="http://schemas.openxmlformats.org/drawingml/2006/diagram" xmlns:o="urn:schemas-microsoft-com:office:office" xmlns:v="urn:schemas-microsoft-com:vml" xmlns:pvml="urn:schemas-microsoft-com:office:powerpoint" xmlns:com="http://schemas.openxmlformats.org/drawingml/2006/compatibility" xmlns:p14="http://schemas.microsoft.com/office/powerpoint/2010/main" xmlns:p15="http://schemas.microsoft.com/office/powerpoint/2012/main" xmlns:ahyp="http://schemas.microsoft.com/office/drawing/2018/hyperlinkcolor">
-  <p:cSld>
-    <p:spTree>
-      <p:nvGrpSpPr>
-        <p:cNvPr id="273" name="Shape 273"/>
-        <p:cNvGrpSpPr/>
-        <p:nvPr/>
-      </p:nvGrpSpPr>
-      <p:grpSpPr>
-        <a:xfrm>
-          <a:off x="0" y="0"/>
-          <a:ext cx="0" cy="0"/>
-          <a:chOff x="0" y="0"/>
-          <a:chExt cx="0" cy="0"/>
-        </a:xfrm>
-      </p:grpSpPr>
-      <p:sp>
-        <p:nvSpPr>
-          <p:cNvPr id="274" name="Google Shape;274;p31"/>
-          <p:cNvSpPr txBox="1"/>
-          <p:nvPr>
-            <p:ph type="title"/>
-          </p:nvPr>
-        </p:nvSpPr>
-        <p:spPr>
-          <a:xfrm>
-            <a:off x="729450" y="1318650"/>
-            <a:ext cx="7688400" cy="535200"/>
-          </a:xfrm>
-          <a:prstGeom prst="rect">
-            <a:avLst/>
-          </a:prstGeom>
-        </p:spPr>
-        <p:txBody>
-          <a:bodyPr anchorCtr="0" anchor="t" bIns="91425" lIns="91425" spcFirstLastPara="1" rIns="91425" wrap="square" tIns="91425">
-            <a:normAutofit fontScale="90000"/>
-          </a:bodyPr>
-          <a:lstStyle/>
-          <a:p>
-            <a:pPr indent="0" lvl="0" marL="0" rtl="0" algn="l">
-              <a:spcBef>
-                <a:spcPts val="0"/>
-              </a:spcBef>
-              <a:spcAft>
-                <a:spcPts val="0"/>
-              </a:spcAft>
-              <a:buNone/>
-            </a:pPr>
-            <a:r>
-              <a:rPr lang="en"/>
-              <a:t>Thanks</a:t>
-            </a:r>
-            <a:endParaRPr/>
           </a:p>
         </p:txBody>
       </p:sp>
@@ -15554,6 +16078,136 @@
 </p:sld>
 </file>
 
+<file path=ppt/slides/slide20.xml><?xml version="1.0" encoding="utf-8"?>
+<p:sld xmlns:a="http://schemas.openxmlformats.org/drawingml/2006/main" xmlns:r="http://schemas.openxmlformats.org/officeDocument/2006/relationships" xmlns:mc="http://schemas.openxmlformats.org/markup-compatibility/2006" xmlns:mv="urn:schemas-microsoft-com:mac:vml" xmlns:p="http://schemas.openxmlformats.org/presentationml/2006/main" xmlns:c="http://schemas.openxmlformats.org/drawingml/2006/chart" xmlns:dgm="http://schemas.openxmlformats.org/drawingml/2006/diagram" xmlns:o="urn:schemas-microsoft-com:office:office" xmlns:v="urn:schemas-microsoft-com:vml" xmlns:pvml="urn:schemas-microsoft-com:office:powerpoint" xmlns:com="http://schemas.openxmlformats.org/drawingml/2006/compatibility" xmlns:p14="http://schemas.microsoft.com/office/powerpoint/2010/main" xmlns:p15="http://schemas.microsoft.com/office/powerpoint/2012/main" xmlns:ahyp="http://schemas.microsoft.com/office/drawing/2018/hyperlinkcolor">
+  <p:cSld>
+    <p:spTree>
+      <p:nvGrpSpPr>
+        <p:cNvPr id="278" name="Shape 278"/>
+        <p:cNvGrpSpPr/>
+        <p:nvPr/>
+      </p:nvGrpSpPr>
+      <p:grpSpPr>
+        <a:xfrm>
+          <a:off x="0" y="0"/>
+          <a:ext cx="0" cy="0"/>
+          <a:chOff x="0" y="0"/>
+          <a:chExt cx="0" cy="0"/>
+        </a:xfrm>
+      </p:grpSpPr>
+      <p:sp>
+        <p:nvSpPr>
+          <p:cNvPr id="279" name="Google Shape;279;p32"/>
+          <p:cNvSpPr txBox="1"/>
+          <p:nvPr>
+            <p:ph type="title"/>
+          </p:nvPr>
+        </p:nvSpPr>
+        <p:spPr>
+          <a:xfrm>
+            <a:off x="729450" y="1318650"/>
+            <a:ext cx="7688400" cy="535200"/>
+          </a:xfrm>
+          <a:prstGeom prst="rect">
+            <a:avLst/>
+          </a:prstGeom>
+        </p:spPr>
+        <p:txBody>
+          <a:bodyPr anchorCtr="0" anchor="t" bIns="91425" lIns="91425" spcFirstLastPara="1" rIns="91425" wrap="square" tIns="91425">
+            <a:normAutofit fontScale="90000"/>
+          </a:bodyPr>
+          <a:lstStyle/>
+          <a:p>
+            <a:pPr indent="0" lvl="0" marL="0" rtl="0" algn="l">
+              <a:spcBef>
+                <a:spcPts val="0"/>
+              </a:spcBef>
+              <a:spcAft>
+                <a:spcPts val="0"/>
+              </a:spcAft>
+              <a:buNone/>
+            </a:pPr>
+            <a:r>
+              <a:rPr lang="en"/>
+              <a:t>Thanks</a:t>
+            </a:r>
+            <a:endParaRPr/>
+          </a:p>
+        </p:txBody>
+      </p:sp>
+    </p:spTree>
+  </p:cSld>
+  <p:clrMapOvr>
+    <a:masterClrMapping/>
+  </p:clrMapOvr>
+</p:sld>
+</file>
+
+<file path=ppt/slides/slide21.xml><?xml version="1.0" encoding="utf-8"?>
+<p:sld xmlns:a="http://schemas.openxmlformats.org/drawingml/2006/main" xmlns:r="http://schemas.openxmlformats.org/officeDocument/2006/relationships" xmlns:mc="http://schemas.openxmlformats.org/markup-compatibility/2006" xmlns:mv="urn:schemas-microsoft-com:mac:vml" xmlns:p="http://schemas.openxmlformats.org/presentationml/2006/main" xmlns:c="http://schemas.openxmlformats.org/drawingml/2006/chart" xmlns:dgm="http://schemas.openxmlformats.org/drawingml/2006/diagram" xmlns:o="urn:schemas-microsoft-com:office:office" xmlns:v="urn:schemas-microsoft-com:vml" xmlns:pvml="urn:schemas-microsoft-com:office:powerpoint" xmlns:com="http://schemas.openxmlformats.org/drawingml/2006/compatibility" xmlns:p14="http://schemas.microsoft.com/office/powerpoint/2010/main" xmlns:p15="http://schemas.microsoft.com/office/powerpoint/2012/main" xmlns:ahyp="http://schemas.microsoft.com/office/drawing/2018/hyperlinkcolor">
+  <p:cSld>
+    <p:spTree>
+      <p:nvGrpSpPr>
+        <p:cNvPr id="283" name="Shape 283"/>
+        <p:cNvGrpSpPr/>
+        <p:nvPr/>
+      </p:nvGrpSpPr>
+      <p:grpSpPr>
+        <a:xfrm>
+          <a:off x="0" y="0"/>
+          <a:ext cx="0" cy="0"/>
+          <a:chOff x="0" y="0"/>
+          <a:chExt cx="0" cy="0"/>
+        </a:xfrm>
+      </p:grpSpPr>
+      <p:sp>
+        <p:nvSpPr>
+          <p:cNvPr id="284" name="Google Shape;284;p33"/>
+          <p:cNvSpPr txBox="1"/>
+          <p:nvPr>
+            <p:ph type="title"/>
+          </p:nvPr>
+        </p:nvSpPr>
+        <p:spPr>
+          <a:xfrm>
+            <a:off x="729450" y="1318650"/>
+            <a:ext cx="7688400" cy="535200"/>
+          </a:xfrm>
+          <a:prstGeom prst="rect">
+            <a:avLst/>
+          </a:prstGeom>
+        </p:spPr>
+        <p:txBody>
+          <a:bodyPr anchorCtr="0" anchor="t" bIns="91425" lIns="91425" spcFirstLastPara="1" rIns="91425" wrap="square" tIns="91425">
+            <a:normAutofit fontScale="90000"/>
+          </a:bodyPr>
+          <a:lstStyle/>
+          <a:p>
+            <a:pPr indent="0" lvl="0" marL="0" rtl="0" algn="l">
+              <a:spcBef>
+                <a:spcPts val="0"/>
+              </a:spcBef>
+              <a:spcAft>
+                <a:spcPts val="0"/>
+              </a:spcAft>
+              <a:buNone/>
+            </a:pPr>
+            <a:r>
+              <a:rPr lang="en"/>
+              <a:t>Q&amp;A</a:t>
+            </a:r>
+            <a:endParaRPr/>
+          </a:p>
+        </p:txBody>
+      </p:sp>
+    </p:spTree>
+  </p:cSld>
+  <p:clrMapOvr>
+    <a:masterClrMapping/>
+  </p:clrMapOvr>
+</p:sld>
+</file>
+
 <file path=ppt/slides/slide3.xml><?xml version="1.0" encoding="utf-8"?>
 <p:sld xmlns:a="http://schemas.openxmlformats.org/drawingml/2006/main" xmlns:r="http://schemas.openxmlformats.org/officeDocument/2006/relationships" xmlns:mc="http://schemas.openxmlformats.org/markup-compatibility/2006" xmlns:mv="urn:schemas-microsoft-com:mac:vml" xmlns:p="http://schemas.openxmlformats.org/presentationml/2006/main" xmlns:c="http://schemas.openxmlformats.org/drawingml/2006/chart" xmlns:dgm="http://schemas.openxmlformats.org/drawingml/2006/diagram" xmlns:o="urn:schemas-microsoft-com:office:office" xmlns:v="urn:schemas-microsoft-com:vml" xmlns:pvml="urn:schemas-microsoft-com:office:powerpoint" xmlns:com="http://schemas.openxmlformats.org/drawingml/2006/compatibility" xmlns:p14="http://schemas.microsoft.com/office/powerpoint/2010/main" xmlns:p15="http://schemas.microsoft.com/office/powerpoint/2012/main" xmlns:ahyp="http://schemas.microsoft.com/office/drawing/2018/hyperlinkcolor">
   <p:cSld>
@@ -15581,6 +16235,79 @@
         </p:nvSpPr>
         <p:spPr>
           <a:xfrm>
+            <a:off x="729450" y="864300"/>
+            <a:ext cx="7021200" cy="2985000"/>
+          </a:xfrm>
+          <a:prstGeom prst="rect">
+            <a:avLst/>
+          </a:prstGeom>
+        </p:spPr>
+        <p:txBody>
+          <a:bodyPr anchorCtr="0" anchor="ctr" bIns="91425" lIns="91425" spcFirstLastPara="1" rIns="91425" wrap="square" tIns="91425">
+            <a:normAutofit/>
+          </a:bodyPr>
+          <a:lstStyle/>
+          <a:p>
+            <a:pPr indent="0" lvl="0" marL="0" rtl="0" algn="l">
+              <a:spcBef>
+                <a:spcPts val="0"/>
+              </a:spcBef>
+              <a:spcAft>
+                <a:spcPts val="0"/>
+              </a:spcAft>
+              <a:buNone/>
+            </a:pPr>
+            <a:r>
+              <a:rPr lang="en"/>
+              <a:t>What’s most important for owning a </a:t>
+            </a:r>
+            <a:r>
+              <a:rPr lang="en"/>
+              <a:t>business</a:t>
+            </a:r>
+            <a:r>
+              <a:rPr lang="en"/>
+              <a:t>?</a:t>
+            </a:r>
+            <a:endParaRPr/>
+          </a:p>
+        </p:txBody>
+      </p:sp>
+    </p:spTree>
+  </p:cSld>
+  <p:clrMapOvr>
+    <a:masterClrMapping/>
+  </p:clrMapOvr>
+</p:sld>
+</file>
+
+<file path=ppt/slides/slide4.xml><?xml version="1.0" encoding="utf-8"?>
+<p:sld xmlns:a="http://schemas.openxmlformats.org/drawingml/2006/main" xmlns:r="http://schemas.openxmlformats.org/officeDocument/2006/relationships" xmlns:mc="http://schemas.openxmlformats.org/markup-compatibility/2006" xmlns:mv="urn:schemas-microsoft-com:mac:vml" xmlns:p="http://schemas.openxmlformats.org/presentationml/2006/main" xmlns:c="http://schemas.openxmlformats.org/drawingml/2006/chart" xmlns:dgm="http://schemas.openxmlformats.org/drawingml/2006/diagram" xmlns:o="urn:schemas-microsoft-com:office:office" xmlns:v="urn:schemas-microsoft-com:vml" xmlns:pvml="urn:schemas-microsoft-com:office:powerpoint" xmlns:com="http://schemas.openxmlformats.org/drawingml/2006/compatibility" xmlns:p14="http://schemas.microsoft.com/office/powerpoint/2010/main" xmlns:p15="http://schemas.microsoft.com/office/powerpoint/2012/main" xmlns:ahyp="http://schemas.microsoft.com/office/drawing/2018/hyperlinkcolor">
+  <p:cSld>
+    <p:spTree>
+      <p:nvGrpSpPr>
+        <p:cNvPr id="102" name="Shape 102"/>
+        <p:cNvGrpSpPr/>
+        <p:nvPr/>
+      </p:nvGrpSpPr>
+      <p:grpSpPr>
+        <a:xfrm>
+          <a:off x="0" y="0"/>
+          <a:ext cx="0" cy="0"/>
+          <a:chOff x="0" y="0"/>
+          <a:chExt cx="0" cy="0"/>
+        </a:xfrm>
+      </p:grpSpPr>
+      <p:sp>
+        <p:nvSpPr>
+          <p:cNvPr id="103" name="Google Shape;103;p16"/>
+          <p:cNvSpPr txBox="1"/>
+          <p:nvPr>
+            <p:ph type="title"/>
+          </p:nvPr>
+        </p:nvSpPr>
+        <p:spPr>
+          <a:xfrm>
             <a:off x="729450" y="1318650"/>
             <a:ext cx="7688700" cy="535200"/>
           </a:xfrm>
@@ -15613,7 +16340,7 @@
       </p:sp>
       <p:sp>
         <p:nvSpPr>
-          <p:cNvPr id="99" name="Google Shape;99;p15"/>
+          <p:cNvPr id="104" name="Google Shape;104;p16"/>
           <p:cNvSpPr txBox="1"/>
           <p:nvPr>
             <p:ph idx="1" type="body"/>
@@ -15704,7 +16431,7 @@
       </p:sp>
       <p:pic>
         <p:nvPicPr>
-          <p:cNvPr id="100" name="Google Shape;100;p15"/>
+          <p:cNvPr id="105" name="Google Shape;105;p16"/>
           <p:cNvPicPr preferRelativeResize="0"/>
           <p:nvPr/>
         </p:nvPicPr>
@@ -15738,12 +16465,12 @@
 </p:sld>
 </file>
 
-<file path=ppt/slides/slide4.xml><?xml version="1.0" encoding="utf-8"?>
+<file path=ppt/slides/slide5.xml><?xml version="1.0" encoding="utf-8"?>
 <p:sld xmlns:a="http://schemas.openxmlformats.org/drawingml/2006/main" xmlns:r="http://schemas.openxmlformats.org/officeDocument/2006/relationships" xmlns:mc="http://schemas.openxmlformats.org/markup-compatibility/2006" xmlns:mv="urn:schemas-microsoft-com:mac:vml" xmlns:p="http://schemas.openxmlformats.org/presentationml/2006/main" xmlns:c="http://schemas.openxmlformats.org/drawingml/2006/chart" xmlns:dgm="http://schemas.openxmlformats.org/drawingml/2006/diagram" xmlns:o="urn:schemas-microsoft-com:office:office" xmlns:v="urn:schemas-microsoft-com:vml" xmlns:pvml="urn:schemas-microsoft-com:office:powerpoint" xmlns:com="http://schemas.openxmlformats.org/drawingml/2006/compatibility" xmlns:p14="http://schemas.microsoft.com/office/powerpoint/2010/main" xmlns:p15="http://schemas.microsoft.com/office/powerpoint/2012/main" xmlns:ahyp="http://schemas.microsoft.com/office/drawing/2018/hyperlinkcolor">
   <p:cSld>
     <p:spTree>
       <p:nvGrpSpPr>
-        <p:cNvPr id="104" name="Shape 104"/>
+        <p:cNvPr id="109" name="Shape 109"/>
         <p:cNvGrpSpPr/>
         <p:nvPr/>
       </p:nvGrpSpPr>
@@ -15757,7 +16484,7 @@
       </p:grpSpPr>
       <p:sp>
         <p:nvSpPr>
-          <p:cNvPr id="105" name="Google Shape;105;p16"/>
+          <p:cNvPr id="110" name="Google Shape;110;p17"/>
           <p:cNvSpPr txBox="1"/>
           <p:nvPr>
             <p:ph type="title"/>
@@ -15797,7 +16524,7 @@
       </p:sp>
       <p:sp>
         <p:nvSpPr>
-          <p:cNvPr id="106" name="Google Shape;106;p16"/>
+          <p:cNvPr id="111" name="Google Shape;111;p17"/>
           <p:cNvSpPr txBox="1"/>
           <p:nvPr>
             <p:ph idx="1" type="body"/>
@@ -15830,7 +16557,7 @@
             </a:pPr>
             <a:r>
               <a:rPr lang="en"/>
-              <a:t>What factors drive traffic to an area depends on many factors:</a:t>
+              <a:t>What drives traffic to an area depends on many factors:</a:t>
             </a:r>
             <a:endParaRPr/>
           </a:p>
@@ -15982,12 +16709,12 @@
 </p:sld>
 </file>
 
-<file path=ppt/slides/slide5.xml><?xml version="1.0" encoding="utf-8"?>
+<file path=ppt/slides/slide6.xml><?xml version="1.0" encoding="utf-8"?>
 <p:sld xmlns:a="http://schemas.openxmlformats.org/drawingml/2006/main" xmlns:r="http://schemas.openxmlformats.org/officeDocument/2006/relationships" xmlns:mc="http://schemas.openxmlformats.org/markup-compatibility/2006" xmlns:mv="urn:schemas-microsoft-com:mac:vml" xmlns:p="http://schemas.openxmlformats.org/presentationml/2006/main" xmlns:c="http://schemas.openxmlformats.org/drawingml/2006/chart" xmlns:dgm="http://schemas.openxmlformats.org/drawingml/2006/diagram" xmlns:o="urn:schemas-microsoft-com:office:office" xmlns:v="urn:schemas-microsoft-com:vml" xmlns:pvml="urn:schemas-microsoft-com:office:powerpoint" xmlns:com="http://schemas.openxmlformats.org/drawingml/2006/compatibility" xmlns:p14="http://schemas.microsoft.com/office/powerpoint/2010/main" xmlns:p15="http://schemas.microsoft.com/office/powerpoint/2012/main" xmlns:ahyp="http://schemas.microsoft.com/office/drawing/2018/hyperlinkcolor">
   <p:cSld>
     <p:spTree>
       <p:nvGrpSpPr>
-        <p:cNvPr id="110" name="Shape 110"/>
+        <p:cNvPr id="115" name="Shape 115"/>
         <p:cNvGrpSpPr/>
         <p:nvPr/>
       </p:nvGrpSpPr>
@@ -16001,7 +16728,7 @@
       </p:grpSpPr>
       <p:sp>
         <p:nvSpPr>
-          <p:cNvPr id="111" name="Google Shape;111;p17"/>
+          <p:cNvPr id="116" name="Google Shape;116;p18"/>
           <p:cNvSpPr txBox="1"/>
           <p:nvPr>
             <p:ph type="title"/>
@@ -16041,14 +16768,14 @@
       </p:sp>
       <p:sp>
         <p:nvSpPr>
-          <p:cNvPr id="112" name="Google Shape;112;p17"/>
+          <p:cNvPr id="117" name="Google Shape;117;p18"/>
           <p:cNvSpPr txBox="1"/>
           <p:nvPr/>
         </p:nvSpPr>
         <p:spPr>
           <a:xfrm>
             <a:off x="729450" y="1791775"/>
-            <a:ext cx="7269600" cy="3875700"/>
+            <a:ext cx="7269600" cy="4009800"/>
           </a:xfrm>
           <a:prstGeom prst="rect">
             <a:avLst/>
@@ -16077,7 +16804,7 @@
               <a:buNone/>
             </a:pPr>
             <a:r>
-              <a:rPr lang="en" sz="1700">
+              <a:rPr lang="en" sz="1500">
                 <a:solidFill>
                   <a:schemeClr val="accent1"/>
                 </a:solidFill>
@@ -16088,7 +16815,7 @@
               </a:rPr>
               <a:t>3 different restaurants: Smoothie King, Subway (USA), Subway (Canada)</a:t>
             </a:r>
-            <a:endParaRPr sz="1700">
+            <a:endParaRPr sz="1500">
               <a:solidFill>
                 <a:schemeClr val="accent1"/>
               </a:solidFill>
@@ -16109,7 +16836,7 @@
               <a:buNone/>
             </a:pPr>
             <a:r>
-              <a:rPr lang="en" sz="1700">
+              <a:rPr lang="en" sz="1500">
                 <a:solidFill>
                   <a:schemeClr val="dk2"/>
                 </a:solidFill>
@@ -16120,7 +16847,7 @@
               </a:rPr>
               <a:t>Demographic Variables</a:t>
             </a:r>
-            <a:endParaRPr sz="1700">
+            <a:endParaRPr sz="1500">
               <a:solidFill>
                 <a:schemeClr val="dk2"/>
               </a:solidFill>
@@ -16131,7 +16858,7 @@
             </a:endParaRPr>
           </a:p>
           <a:p>
-            <a:pPr indent="-311150" lvl="0" marL="457200" rtl="0" algn="l">
+            <a:pPr indent="-298450" lvl="0" marL="457200" rtl="0" algn="l">
               <a:spcBef>
                 <a:spcPts val="0"/>
               </a:spcBef>
@@ -16141,12 +16868,12 @@
               <a:buClr>
                 <a:schemeClr val="dk2"/>
               </a:buClr>
-              <a:buSzPts val="1300"/>
+              <a:buSzPts val="1100"/>
               <a:buFont typeface="Lato"/>
               <a:buChar char="●"/>
             </a:pPr>
             <a:r>
-              <a:rPr lang="en" sz="1300">
+              <a:rPr lang="en" sz="1100">
                 <a:solidFill>
                   <a:schemeClr val="dk2"/>
                 </a:solidFill>
@@ -16157,7 +16884,7 @@
               </a:rPr>
               <a:t>Population of people in different age range</a:t>
             </a:r>
-            <a:endParaRPr sz="1300">
+            <a:endParaRPr sz="1100">
               <a:solidFill>
                 <a:schemeClr val="dk2"/>
               </a:solidFill>
@@ -16168,7 +16895,7 @@
             </a:endParaRPr>
           </a:p>
           <a:p>
-            <a:pPr indent="-311150" lvl="0" marL="457200" rtl="0" algn="l">
+            <a:pPr indent="-298450" lvl="0" marL="457200" rtl="0" algn="l">
               <a:spcBef>
                 <a:spcPts val="0"/>
               </a:spcBef>
@@ -16178,12 +16905,12 @@
               <a:buClr>
                 <a:schemeClr val="dk2"/>
               </a:buClr>
-              <a:buSzPts val="1300"/>
+              <a:buSzPts val="1100"/>
               <a:buFont typeface="Lato"/>
               <a:buChar char="●"/>
             </a:pPr>
             <a:r>
-              <a:rPr lang="en" sz="1300">
+              <a:rPr lang="en" sz="1100">
                 <a:solidFill>
                   <a:schemeClr val="dk2"/>
                 </a:solidFill>
@@ -16194,7 +16921,7 @@
               </a:rPr>
               <a:t>Number of people with income level USD</a:t>
             </a:r>
-            <a:endParaRPr sz="1300">
+            <a:endParaRPr sz="1100">
               <a:solidFill>
                 <a:schemeClr val="dk2"/>
               </a:solidFill>
@@ -16205,19 +16932,33 @@
             </a:endParaRPr>
           </a:p>
           <a:p>
-            <a:pPr indent="0" lvl="0" marL="0" rtl="0" algn="l">
-              <a:spcBef>
-                <a:spcPts val="0"/>
-              </a:spcBef>
-              <a:spcAft>
-                <a:spcPts val="0"/>
-              </a:spcAft>
-              <a:buNone/>
-            </a:pPr>
-            <a:r>
-              <a:t/>
-            </a:r>
-            <a:endParaRPr sz="1300">
+            <a:pPr indent="-298450" lvl="0" marL="457200" rtl="0" algn="l">
+              <a:spcBef>
+                <a:spcPts val="0"/>
+              </a:spcBef>
+              <a:spcAft>
+                <a:spcPts val="0"/>
+              </a:spcAft>
+              <a:buClr>
+                <a:schemeClr val="dk2"/>
+              </a:buClr>
+              <a:buSzPts val="1100"/>
+              <a:buFont typeface="Lato"/>
+              <a:buChar char="●"/>
+            </a:pPr>
+            <a:r>
+              <a:rPr lang="en" sz="1100">
+                <a:solidFill>
+                  <a:schemeClr val="dk2"/>
+                </a:solidFill>
+                <a:latin typeface="Lato"/>
+                <a:ea typeface="Lato"/>
+                <a:cs typeface="Lato"/>
+                <a:sym typeface="Lato"/>
+              </a:rPr>
+              <a:t>etc.</a:t>
+            </a:r>
+            <a:endParaRPr sz="1100">
               <a:solidFill>
                 <a:schemeClr val="dk2"/>
               </a:solidFill>
@@ -16238,18 +16979,9 @@
               <a:buNone/>
             </a:pPr>
             <a:r>
-              <a:rPr lang="en" sz="1700">
-                <a:solidFill>
-                  <a:schemeClr val="dk2"/>
-                </a:solidFill>
-                <a:latin typeface="Lato"/>
-                <a:ea typeface="Lato"/>
-                <a:cs typeface="Lato"/>
-                <a:sym typeface="Lato"/>
-              </a:rPr>
-              <a:t>Point of Interest Variables</a:t>
-            </a:r>
-            <a:endParaRPr sz="1700">
+              <a:t/>
+            </a:r>
+            <a:endParaRPr sz="1200">
               <a:solidFill>
                 <a:schemeClr val="dk2"/>
               </a:solidFill>
@@ -16260,22 +16992,17 @@
             </a:endParaRPr>
           </a:p>
           <a:p>
-            <a:pPr indent="-311150" lvl="0" marL="457200" rtl="0" algn="l">
-              <a:spcBef>
-                <a:spcPts val="0"/>
-              </a:spcBef>
-              <a:spcAft>
-                <a:spcPts val="0"/>
-              </a:spcAft>
-              <a:buClr>
-                <a:schemeClr val="dk2"/>
-              </a:buClr>
-              <a:buSzPts val="1300"/>
-              <a:buFont typeface="Lato"/>
-              <a:buChar char="●"/>
-            </a:pPr>
-            <a:r>
-              <a:rPr lang="en" sz="1300">
+            <a:pPr indent="0" lvl="0" marL="0" rtl="0" algn="l">
+              <a:spcBef>
+                <a:spcPts val="0"/>
+              </a:spcBef>
+              <a:spcAft>
+                <a:spcPts val="0"/>
+              </a:spcAft>
+              <a:buNone/>
+            </a:pPr>
+            <a:r>
+              <a:rPr lang="en" sz="1500">
                 <a:solidFill>
                   <a:schemeClr val="dk2"/>
                 </a:solidFill>
@@ -16284,9 +17011,9 @@
                 <a:cs typeface="Lato"/>
                 <a:sym typeface="Lato"/>
               </a:rPr>
-              <a:t>Gross leasable area</a:t>
-            </a:r>
-            <a:endParaRPr sz="1300">
+              <a:t>Point of Interest Variables</a:t>
+            </a:r>
+            <a:endParaRPr sz="1500">
               <a:solidFill>
                 <a:schemeClr val="dk2"/>
               </a:solidFill>
@@ -16297,7 +17024,7 @@
             </a:endParaRPr>
           </a:p>
           <a:p>
-            <a:pPr indent="-311150" lvl="0" marL="457200" rtl="0" algn="l">
+            <a:pPr indent="-298450" lvl="0" marL="457200" rtl="0" algn="l">
               <a:spcBef>
                 <a:spcPts val="0"/>
               </a:spcBef>
@@ -16307,12 +17034,12 @@
               <a:buClr>
                 <a:schemeClr val="dk2"/>
               </a:buClr>
-              <a:buSzPts val="1300"/>
+              <a:buSzPts val="1100"/>
               <a:buFont typeface="Lato"/>
               <a:buChar char="●"/>
             </a:pPr>
             <a:r>
-              <a:rPr lang="en" sz="1300">
+              <a:rPr lang="en" sz="1100">
                 <a:solidFill>
                   <a:schemeClr val="dk2"/>
                 </a:solidFill>
@@ -16321,9 +17048,9 @@
                 <a:cs typeface="Lato"/>
                 <a:sym typeface="Lato"/>
               </a:rPr>
-              <a:t>Number of hospital beds nearby</a:t>
-            </a:r>
-            <a:endParaRPr sz="1300">
+              <a:t>Gross leasable area</a:t>
+            </a:r>
+            <a:endParaRPr sz="1100">
               <a:solidFill>
                 <a:schemeClr val="dk2"/>
               </a:solidFill>
@@ -16334,7 +17061,7 @@
             </a:endParaRPr>
           </a:p>
           <a:p>
-            <a:pPr indent="-311150" lvl="0" marL="457200" rtl="0" algn="l">
+            <a:pPr indent="-298450" lvl="0" marL="457200" rtl="0" algn="l">
               <a:spcBef>
                 <a:spcPts val="0"/>
               </a:spcBef>
@@ -16344,12 +17071,12 @@
               <a:buClr>
                 <a:schemeClr val="dk2"/>
               </a:buClr>
-              <a:buSzPts val="1300"/>
+              <a:buSzPts val="1100"/>
               <a:buFont typeface="Lato"/>
               <a:buChar char="●"/>
             </a:pPr>
             <a:r>
-              <a:rPr lang="en" sz="1300">
+              <a:rPr lang="en" sz="1100">
                 <a:solidFill>
                   <a:schemeClr val="dk2"/>
                 </a:solidFill>
@@ -16358,9 +17085,9 @@
                 <a:cs typeface="Lato"/>
                 <a:sym typeface="Lato"/>
               </a:rPr>
-              <a:t>Public school enrollment count</a:t>
-            </a:r>
-            <a:endParaRPr sz="1300">
+              <a:t>Number of hospital beds nearby</a:t>
+            </a:r>
+            <a:endParaRPr sz="1100">
               <a:solidFill>
                 <a:schemeClr val="dk2"/>
               </a:solidFill>
@@ -16371,19 +17098,33 @@
             </a:endParaRPr>
           </a:p>
           <a:p>
-            <a:pPr indent="0" lvl="0" marL="0" rtl="0" algn="l">
-              <a:spcBef>
-                <a:spcPts val="0"/>
-              </a:spcBef>
-              <a:spcAft>
-                <a:spcPts val="0"/>
-              </a:spcAft>
-              <a:buNone/>
-            </a:pPr>
-            <a:r>
-              <a:t/>
-            </a:r>
-            <a:endParaRPr sz="1300">
+            <a:pPr indent="-298450" lvl="0" marL="457200" rtl="0" algn="l">
+              <a:spcBef>
+                <a:spcPts val="0"/>
+              </a:spcBef>
+              <a:spcAft>
+                <a:spcPts val="0"/>
+              </a:spcAft>
+              <a:buClr>
+                <a:schemeClr val="dk2"/>
+              </a:buClr>
+              <a:buSzPts val="1100"/>
+              <a:buFont typeface="Lato"/>
+              <a:buChar char="●"/>
+            </a:pPr>
+            <a:r>
+              <a:rPr lang="en" sz="1100">
+                <a:solidFill>
+                  <a:schemeClr val="dk2"/>
+                </a:solidFill>
+                <a:latin typeface="Lato"/>
+                <a:ea typeface="Lato"/>
+                <a:cs typeface="Lato"/>
+                <a:sym typeface="Lato"/>
+              </a:rPr>
+              <a:t>Public school enrollment count</a:t>
+            </a:r>
+            <a:endParaRPr sz="1100">
               <a:solidFill>
                 <a:schemeClr val="dk2"/>
               </a:solidFill>
@@ -16394,17 +17135,22 @@
             </a:endParaRPr>
           </a:p>
           <a:p>
-            <a:pPr indent="0" lvl="0" marL="0" rtl="0" algn="l">
-              <a:spcBef>
-                <a:spcPts val="0"/>
-              </a:spcBef>
-              <a:spcAft>
-                <a:spcPts val="0"/>
-              </a:spcAft>
-              <a:buNone/>
-            </a:pPr>
-            <a:r>
-              <a:rPr lang="en" sz="1700">
+            <a:pPr indent="-298450" lvl="0" marL="457200" rtl="0" algn="l">
+              <a:spcBef>
+                <a:spcPts val="0"/>
+              </a:spcBef>
+              <a:spcAft>
+                <a:spcPts val="0"/>
+              </a:spcAft>
+              <a:buClr>
+                <a:schemeClr val="dk2"/>
+              </a:buClr>
+              <a:buSzPts val="1100"/>
+              <a:buFont typeface="Lato"/>
+              <a:buChar char="●"/>
+            </a:pPr>
+            <a:r>
+              <a:rPr lang="en" sz="1100">
                 <a:solidFill>
                   <a:schemeClr val="dk2"/>
                 </a:solidFill>
@@ -16413,9 +17159,9 @@
                 <a:cs typeface="Lato"/>
                 <a:sym typeface="Lato"/>
               </a:rPr>
-              <a:t>Store Information</a:t>
-            </a:r>
-            <a:endParaRPr sz="1700">
+              <a:t>etc.</a:t>
+            </a:r>
+            <a:endParaRPr sz="1100">
               <a:solidFill>
                 <a:schemeClr val="dk2"/>
               </a:solidFill>
@@ -16426,33 +17172,19 @@
             </a:endParaRPr>
           </a:p>
           <a:p>
-            <a:pPr indent="-311150" lvl="0" marL="457200" rtl="0" algn="l">
-              <a:spcBef>
-                <a:spcPts val="0"/>
-              </a:spcBef>
-              <a:spcAft>
-                <a:spcPts val="0"/>
-              </a:spcAft>
-              <a:buClr>
-                <a:schemeClr val="dk2"/>
-              </a:buClr>
-              <a:buSzPts val="1300"/>
-              <a:buFont typeface="Lato"/>
-              <a:buChar char="●"/>
-            </a:pPr>
-            <a:r>
-              <a:rPr lang="en" sz="1300">
-                <a:solidFill>
-                  <a:schemeClr val="dk2"/>
-                </a:solidFill>
-                <a:latin typeface="Lato"/>
-                <a:ea typeface="Lato"/>
-                <a:cs typeface="Lato"/>
-                <a:sym typeface="Lato"/>
-              </a:rPr>
-              <a:t>Latitude/longitude</a:t>
-            </a:r>
-            <a:endParaRPr sz="1300">
+            <a:pPr indent="0" lvl="0" marL="0" rtl="0" algn="l">
+              <a:spcBef>
+                <a:spcPts val="0"/>
+              </a:spcBef>
+              <a:spcAft>
+                <a:spcPts val="0"/>
+              </a:spcAft>
+              <a:buNone/>
+            </a:pPr>
+            <a:r>
+              <a:t/>
+            </a:r>
+            <a:endParaRPr sz="1200">
               <a:solidFill>
                 <a:schemeClr val="dk2"/>
               </a:solidFill>
@@ -16463,7 +17195,39 @@
             </a:endParaRPr>
           </a:p>
           <a:p>
-            <a:pPr indent="-311150" lvl="0" marL="457200" rtl="0" algn="l">
+            <a:pPr indent="0" lvl="0" marL="0" rtl="0" algn="l">
+              <a:spcBef>
+                <a:spcPts val="0"/>
+              </a:spcBef>
+              <a:spcAft>
+                <a:spcPts val="0"/>
+              </a:spcAft>
+              <a:buNone/>
+            </a:pPr>
+            <a:r>
+              <a:rPr lang="en" sz="1500">
+                <a:solidFill>
+                  <a:schemeClr val="dk2"/>
+                </a:solidFill>
+                <a:latin typeface="Lato"/>
+                <a:ea typeface="Lato"/>
+                <a:cs typeface="Lato"/>
+                <a:sym typeface="Lato"/>
+              </a:rPr>
+              <a:t>Store Information</a:t>
+            </a:r>
+            <a:endParaRPr sz="1500">
+              <a:solidFill>
+                <a:schemeClr val="dk2"/>
+              </a:solidFill>
+              <a:latin typeface="Lato"/>
+              <a:ea typeface="Lato"/>
+              <a:cs typeface="Lato"/>
+              <a:sym typeface="Lato"/>
+            </a:endParaRPr>
+          </a:p>
+          <a:p>
+            <a:pPr indent="-298450" lvl="0" marL="457200" rtl="0" algn="l">
               <a:spcBef>
                 <a:spcPts val="0"/>
               </a:spcBef>
@@ -16473,12 +17237,49 @@
               <a:buClr>
                 <a:schemeClr val="dk2"/>
               </a:buClr>
-              <a:buSzPts val="1300"/>
+              <a:buSzPts val="1100"/>
               <a:buFont typeface="Lato"/>
               <a:buChar char="●"/>
             </a:pPr>
             <a:r>
-              <a:rPr lang="en" sz="1300">
+              <a:rPr lang="en" sz="1100">
+                <a:solidFill>
+                  <a:schemeClr val="dk2"/>
+                </a:solidFill>
+                <a:latin typeface="Lato"/>
+                <a:ea typeface="Lato"/>
+                <a:cs typeface="Lato"/>
+                <a:sym typeface="Lato"/>
+              </a:rPr>
+              <a:t>Latitude/longitude</a:t>
+            </a:r>
+            <a:endParaRPr sz="1100">
+              <a:solidFill>
+                <a:schemeClr val="dk2"/>
+              </a:solidFill>
+              <a:latin typeface="Lato"/>
+              <a:ea typeface="Lato"/>
+              <a:cs typeface="Lato"/>
+              <a:sym typeface="Lato"/>
+            </a:endParaRPr>
+          </a:p>
+          <a:p>
+            <a:pPr indent="-298450" lvl="0" marL="457200" rtl="0" algn="l">
+              <a:spcBef>
+                <a:spcPts val="0"/>
+              </a:spcBef>
+              <a:spcAft>
+                <a:spcPts val="0"/>
+              </a:spcAft>
+              <a:buClr>
+                <a:schemeClr val="dk2"/>
+              </a:buClr>
+              <a:buSzPts val="1100"/>
+              <a:buFont typeface="Lato"/>
+              <a:buChar char="●"/>
+            </a:pPr>
+            <a:r>
+              <a:rPr lang="en" sz="1100">
                 <a:solidFill>
                   <a:schemeClr val="dk2"/>
                 </a:solidFill>
@@ -16489,7 +17290,44 @@
               </a:rPr>
               <a:t>Market size (e.g. large city, small town, etc) </a:t>
             </a:r>
-            <a:endParaRPr sz="1300">
+            <a:endParaRPr sz="1100">
+              <a:solidFill>
+                <a:schemeClr val="dk2"/>
+              </a:solidFill>
+              <a:latin typeface="Lato"/>
+              <a:ea typeface="Lato"/>
+              <a:cs typeface="Lato"/>
+              <a:sym typeface="Lato"/>
+            </a:endParaRPr>
+          </a:p>
+          <a:p>
+            <a:pPr indent="-298450" lvl="0" marL="457200" rtl="0" algn="l">
+              <a:spcBef>
+                <a:spcPts val="0"/>
+              </a:spcBef>
+              <a:spcAft>
+                <a:spcPts val="0"/>
+              </a:spcAft>
+              <a:buClr>
+                <a:schemeClr val="dk2"/>
+              </a:buClr>
+              <a:buSzPts val="1100"/>
+              <a:buFont typeface="Lato"/>
+              <a:buChar char="●"/>
+            </a:pPr>
+            <a:r>
+              <a:rPr lang="en" sz="1100">
+                <a:solidFill>
+                  <a:schemeClr val="dk2"/>
+                </a:solidFill>
+                <a:latin typeface="Lato"/>
+                <a:ea typeface="Lato"/>
+                <a:cs typeface="Lato"/>
+                <a:sym typeface="Lato"/>
+              </a:rPr>
+              <a:t>etc.</a:t>
+            </a:r>
+            <a:endParaRPr sz="1100">
               <a:solidFill>
                 <a:schemeClr val="dk2"/>
               </a:solidFill>
@@ -16561,12 +17399,12 @@
 </p:sld>
 </file>
 
-<file path=ppt/slides/slide6.xml><?xml version="1.0" encoding="utf-8"?>
+<file path=ppt/slides/slide7.xml><?xml version="1.0" encoding="utf-8"?>
 <p:sld xmlns:a="http://schemas.openxmlformats.org/drawingml/2006/main" xmlns:r="http://schemas.openxmlformats.org/officeDocument/2006/relationships" xmlns:mc="http://schemas.openxmlformats.org/markup-compatibility/2006" xmlns:mv="urn:schemas-microsoft-com:mac:vml" xmlns:p="http://schemas.openxmlformats.org/presentationml/2006/main" xmlns:c="http://schemas.openxmlformats.org/drawingml/2006/chart" xmlns:dgm="http://schemas.openxmlformats.org/drawingml/2006/diagram" xmlns:o="urn:schemas-microsoft-com:office:office" xmlns:v="urn:schemas-microsoft-com:vml" xmlns:pvml="urn:schemas-microsoft-com:office:powerpoint" xmlns:com="http://schemas.openxmlformats.org/drawingml/2006/compatibility" xmlns:p14="http://schemas.microsoft.com/office/powerpoint/2010/main" xmlns:p15="http://schemas.microsoft.com/office/powerpoint/2012/main" xmlns:ahyp="http://schemas.microsoft.com/office/drawing/2018/hyperlinkcolor">
   <p:cSld>
     <p:spTree>
       <p:nvGrpSpPr>
-        <p:cNvPr id="116" name="Shape 116"/>
+        <p:cNvPr id="121" name="Shape 121"/>
         <p:cNvGrpSpPr/>
         <p:nvPr/>
       </p:nvGrpSpPr>
@@ -16580,7 +17418,7 @@
       </p:grpSpPr>
       <p:sp>
         <p:nvSpPr>
-          <p:cNvPr id="117" name="Google Shape;117;p18"/>
+          <p:cNvPr id="122" name="Google Shape;122;p19"/>
           <p:cNvSpPr txBox="1"/>
           <p:nvPr>
             <p:ph type="title"/>
@@ -16620,7 +17458,7 @@
       </p:sp>
       <p:sp>
         <p:nvSpPr>
-          <p:cNvPr id="118" name="Google Shape;118;p18"/>
+          <p:cNvPr id="123" name="Google Shape;123;p19"/>
           <p:cNvSpPr txBox="1"/>
           <p:nvPr>
             <p:ph idx="1" type="body"/>
@@ -16758,12 +17596,12 @@
 </p:sld>
 </file>
 
-<file path=ppt/slides/slide7.xml><?xml version="1.0" encoding="utf-8"?>
+<file path=ppt/slides/slide8.xml><?xml version="1.0" encoding="utf-8"?>
 <p:sld xmlns:a="http://schemas.openxmlformats.org/drawingml/2006/main" xmlns:r="http://schemas.openxmlformats.org/officeDocument/2006/relationships" xmlns:mc="http://schemas.openxmlformats.org/markup-compatibility/2006" xmlns:mv="urn:schemas-microsoft-com:mac:vml" xmlns:p="http://schemas.openxmlformats.org/presentationml/2006/main" xmlns:c="http://schemas.openxmlformats.org/drawingml/2006/chart" xmlns:dgm="http://schemas.openxmlformats.org/drawingml/2006/diagram" xmlns:o="urn:schemas-microsoft-com:office:office" xmlns:v="urn:schemas-microsoft-com:vml" xmlns:pvml="urn:schemas-microsoft-com:office:powerpoint" xmlns:com="http://schemas.openxmlformats.org/drawingml/2006/compatibility" xmlns:p14="http://schemas.microsoft.com/office/powerpoint/2010/main" xmlns:p15="http://schemas.microsoft.com/office/powerpoint/2012/main" xmlns:ahyp="http://schemas.microsoft.com/office/drawing/2018/hyperlinkcolor">
   <p:cSld>
     <p:spTree>
       <p:nvGrpSpPr>
-        <p:cNvPr id="122" name="Shape 122"/>
+        <p:cNvPr id="127" name="Shape 127"/>
         <p:cNvGrpSpPr/>
         <p:nvPr/>
       </p:nvGrpSpPr>
@@ -16777,7 +17615,7 @@
       </p:grpSpPr>
       <p:pic>
         <p:nvPicPr>
-          <p:cNvPr id="123" name="Google Shape;123;p19"/>
+          <p:cNvPr id="128" name="Google Shape;128;p20"/>
           <p:cNvPicPr preferRelativeResize="0"/>
           <p:nvPr/>
         </p:nvPicPr>
@@ -16811,12 +17649,12 @@
 </p:sld>
 </file>
 
-<file path=ppt/slides/slide8.xml><?xml version="1.0" encoding="utf-8"?>
+<file path=ppt/slides/slide9.xml><?xml version="1.0" encoding="utf-8"?>
 <p:sld xmlns:a="http://schemas.openxmlformats.org/drawingml/2006/main" xmlns:r="http://schemas.openxmlformats.org/officeDocument/2006/relationships" xmlns:mc="http://schemas.openxmlformats.org/markup-compatibility/2006" xmlns:mv="urn:schemas-microsoft-com:mac:vml" xmlns:p="http://schemas.openxmlformats.org/presentationml/2006/main" xmlns:c="http://schemas.openxmlformats.org/drawingml/2006/chart" xmlns:dgm="http://schemas.openxmlformats.org/drawingml/2006/diagram" xmlns:o="urn:schemas-microsoft-com:office:office" xmlns:v="urn:schemas-microsoft-com:vml" xmlns:pvml="urn:schemas-microsoft-com:office:powerpoint" xmlns:com="http://schemas.openxmlformats.org/drawingml/2006/compatibility" xmlns:p14="http://schemas.microsoft.com/office/powerpoint/2010/main" xmlns:p15="http://schemas.microsoft.com/office/powerpoint/2012/main" xmlns:ahyp="http://schemas.microsoft.com/office/drawing/2018/hyperlinkcolor">
   <p:cSld>
     <p:spTree>
       <p:nvGrpSpPr>
-        <p:cNvPr id="127" name="Shape 127"/>
+        <p:cNvPr id="132" name="Shape 132"/>
         <p:cNvGrpSpPr/>
         <p:nvPr/>
       </p:nvGrpSpPr>
@@ -16830,7 +17668,7 @@
       </p:grpSpPr>
       <p:sp>
         <p:nvSpPr>
-          <p:cNvPr id="128" name="Google Shape;128;p20"/>
+          <p:cNvPr id="133" name="Google Shape;133;p21"/>
           <p:cNvSpPr txBox="1"/>
           <p:nvPr>
             <p:ph type="title"/>
@@ -16889,7 +17727,7 @@
       </p:sp>
       <p:sp>
         <p:nvSpPr>
-          <p:cNvPr id="129" name="Google Shape;129;p20"/>
+          <p:cNvPr id="134" name="Google Shape;134;p21"/>
           <p:cNvSpPr txBox="1"/>
           <p:nvPr/>
         </p:nvSpPr>
@@ -17127,7 +17965,7 @@
       </p:sp>
       <p:pic>
         <p:nvPicPr>
-          <p:cNvPr id="130" name="Google Shape;130;p20"/>
+          <p:cNvPr id="135" name="Google Shape;135;p21"/>
           <p:cNvPicPr preferRelativeResize="0"/>
           <p:nvPr/>
         </p:nvPicPr>
@@ -17153,280 +17991,6 @@
           </a:ln>
         </p:spPr>
       </p:pic>
-    </p:spTree>
-  </p:cSld>
-  <p:clrMapOvr>
-    <a:masterClrMapping/>
-  </p:clrMapOvr>
-</p:sld>
-</file>
-
-<file path=ppt/slides/slide9.xml><?xml version="1.0" encoding="utf-8"?>
-<p:sld xmlns:a="http://schemas.openxmlformats.org/drawingml/2006/main" xmlns:r="http://schemas.openxmlformats.org/officeDocument/2006/relationships" xmlns:mc="http://schemas.openxmlformats.org/markup-compatibility/2006" xmlns:mv="urn:schemas-microsoft-com:mac:vml" xmlns:p="http://schemas.openxmlformats.org/presentationml/2006/main" xmlns:c="http://schemas.openxmlformats.org/drawingml/2006/chart" xmlns:dgm="http://schemas.openxmlformats.org/drawingml/2006/diagram" xmlns:o="urn:schemas-microsoft-com:office:office" xmlns:v="urn:schemas-microsoft-com:vml" xmlns:pvml="urn:schemas-microsoft-com:office:powerpoint" xmlns:com="http://schemas.openxmlformats.org/drawingml/2006/compatibility" xmlns:p14="http://schemas.microsoft.com/office/powerpoint/2010/main" xmlns:p15="http://schemas.microsoft.com/office/powerpoint/2012/main" xmlns:ahyp="http://schemas.microsoft.com/office/drawing/2018/hyperlinkcolor">
-  <p:cSld>
-    <p:spTree>
-      <p:nvGrpSpPr>
-        <p:cNvPr id="134" name="Shape 134"/>
-        <p:cNvGrpSpPr/>
-        <p:nvPr/>
-      </p:nvGrpSpPr>
-      <p:grpSpPr>
-        <a:xfrm>
-          <a:off x="0" y="0"/>
-          <a:ext cx="0" cy="0"/>
-          <a:chOff x="0" y="0"/>
-          <a:chExt cx="0" cy="0"/>
-        </a:xfrm>
-      </p:grpSpPr>
-      <p:sp>
-        <p:nvSpPr>
-          <p:cNvPr id="135" name="Google Shape;135;p21"/>
-          <p:cNvSpPr txBox="1"/>
-          <p:nvPr>
-            <p:ph type="title"/>
-          </p:nvPr>
-        </p:nvSpPr>
-        <p:spPr>
-          <a:xfrm>
-            <a:off x="729450" y="1318650"/>
-            <a:ext cx="7688700" cy="535200"/>
-          </a:xfrm>
-          <a:prstGeom prst="rect">
-            <a:avLst/>
-          </a:prstGeom>
-        </p:spPr>
-        <p:txBody>
-          <a:bodyPr anchorCtr="0" anchor="t" bIns="91425" lIns="91425" spcFirstLastPara="1" rIns="91425" wrap="square" tIns="91425">
-            <a:normAutofit fontScale="90000"/>
-          </a:bodyPr>
-          <a:lstStyle/>
-          <a:p>
-            <a:pPr indent="0" lvl="0" marL="0" rtl="0" algn="l">
-              <a:spcBef>
-                <a:spcPts val="0"/>
-              </a:spcBef>
-              <a:spcAft>
-                <a:spcPts val="0"/>
-              </a:spcAft>
-              <a:buNone/>
-            </a:pPr>
-            <a:r>
-              <a:rPr lang="en"/>
-              <a:t>Visualize Category and Market Size </a:t>
-            </a:r>
-            <a:endParaRPr/>
-          </a:p>
-        </p:txBody>
-      </p:sp>
-      <p:pic>
-        <p:nvPicPr>
-          <p:cNvPr id="136" name="Google Shape;136;p21"/>
-          <p:cNvPicPr preferRelativeResize="0"/>
-          <p:nvPr/>
-        </p:nvPicPr>
-        <p:blipFill rotWithShape="1">
-          <a:blip r:embed="rId3">
-            <a:alphaModFix/>
-          </a:blip>
-          <a:srcRect b="0" l="179" r="179" t="0"/>
-          <a:stretch/>
-        </p:blipFill>
-        <p:spPr>
-          <a:xfrm>
-            <a:off x="729450" y="1853850"/>
-            <a:ext cx="4753576" cy="3150550"/>
-          </a:xfrm>
-          <a:prstGeom prst="rect">
-            <a:avLst/>
-          </a:prstGeom>
-          <a:noFill/>
-          <a:ln>
-            <a:noFill/>
-          </a:ln>
-        </p:spPr>
-      </p:pic>
-      <p:sp>
-        <p:nvSpPr>
-          <p:cNvPr id="137" name="Google Shape;137;p21"/>
-          <p:cNvSpPr txBox="1"/>
-          <p:nvPr/>
-        </p:nvSpPr>
-        <p:spPr>
-          <a:xfrm>
-            <a:off x="5678400" y="2341900"/>
-            <a:ext cx="3156000" cy="1477500"/>
-          </a:xfrm>
-          <a:prstGeom prst="rect">
-            <a:avLst/>
-          </a:prstGeom>
-          <a:noFill/>
-          <a:ln>
-            <a:noFill/>
-          </a:ln>
-        </p:spPr>
-        <p:txBody>
-          <a:bodyPr anchorCtr="0" anchor="t" bIns="91425" lIns="91425" spcFirstLastPara="1" rIns="91425" wrap="square" tIns="91425">
-            <a:spAutoFit/>
-          </a:bodyPr>
-          <a:lstStyle/>
-          <a:p>
-            <a:pPr indent="-317500" lvl="0" marL="457200" rtl="0" algn="l">
-              <a:spcBef>
-                <a:spcPts val="0"/>
-              </a:spcBef>
-              <a:spcAft>
-                <a:spcPts val="0"/>
-              </a:spcAft>
-              <a:buSzPts val="1400"/>
-              <a:buFont typeface="Lato"/>
-              <a:buChar char="●"/>
-            </a:pPr>
-            <a:r>
-              <a:rPr lang="en">
-                <a:latin typeface="Lato"/>
-                <a:ea typeface="Lato"/>
-                <a:cs typeface="Lato"/>
-                <a:sym typeface="Lato"/>
-              </a:rPr>
-              <a:t>The highest </a:t>
-            </a:r>
-            <a:r>
-              <a:rPr lang="en">
-                <a:latin typeface="Lato"/>
-                <a:ea typeface="Lato"/>
-                <a:cs typeface="Lato"/>
-                <a:sym typeface="Lato"/>
-              </a:rPr>
-              <a:t>portion</a:t>
-            </a:r>
-            <a:r>
-              <a:rPr lang="en">
-                <a:latin typeface="Lato"/>
-                <a:ea typeface="Lato"/>
-                <a:cs typeface="Lato"/>
-                <a:sym typeface="Lato"/>
-              </a:rPr>
-              <a:t> among categories are very large metro.</a:t>
-            </a:r>
-            <a:endParaRPr>
-              <a:latin typeface="Lato"/>
-              <a:ea typeface="Lato"/>
-              <a:cs typeface="Lato"/>
-              <a:sym typeface="Lato"/>
-            </a:endParaRPr>
-          </a:p>
-          <a:p>
-            <a:pPr indent="-317500" lvl="0" marL="457200" rtl="0" algn="l">
-              <a:spcBef>
-                <a:spcPts val="0"/>
-              </a:spcBef>
-              <a:spcAft>
-                <a:spcPts val="0"/>
-              </a:spcAft>
-              <a:buSzPts val="1400"/>
-              <a:buFont typeface="Lato"/>
-              <a:buChar char="●"/>
-            </a:pPr>
-            <a:r>
-              <a:rPr lang="en">
-                <a:latin typeface="Lato"/>
-                <a:ea typeface="Lato"/>
-                <a:cs typeface="Lato"/>
-                <a:sym typeface="Lato"/>
-              </a:rPr>
-              <a:t>Home has a high </a:t>
-            </a:r>
-            <a:r>
-              <a:rPr lang="en">
-                <a:latin typeface="Lato"/>
-                <a:ea typeface="Lato"/>
-                <a:cs typeface="Lato"/>
-                <a:sym typeface="Lato"/>
-              </a:rPr>
-              <a:t>percentage</a:t>
-            </a:r>
-            <a:r>
-              <a:rPr lang="en">
-                <a:latin typeface="Lato"/>
-                <a:ea typeface="Lato"/>
-                <a:cs typeface="Lato"/>
-                <a:sym typeface="Lato"/>
-              </a:rPr>
-              <a:t> of </a:t>
-            </a:r>
-            <a:r>
-              <a:rPr b="1" lang="en">
-                <a:latin typeface="Lato"/>
-                <a:ea typeface="Lato"/>
-                <a:cs typeface="Lato"/>
-                <a:sym typeface="Lato"/>
-              </a:rPr>
-              <a:t>very large metro</a:t>
-            </a:r>
-            <a:r>
-              <a:rPr lang="en">
-                <a:latin typeface="Lato"/>
-                <a:ea typeface="Lato"/>
-                <a:cs typeface="Lato"/>
-                <a:sym typeface="Lato"/>
-              </a:rPr>
-              <a:t>.</a:t>
-            </a:r>
-            <a:endParaRPr>
-              <a:latin typeface="Lato"/>
-              <a:ea typeface="Lato"/>
-              <a:cs typeface="Lato"/>
-              <a:sym typeface="Lato"/>
-            </a:endParaRPr>
-          </a:p>
-          <a:p>
-            <a:pPr indent="-317500" lvl="0" marL="457200" rtl="0" algn="l">
-              <a:spcBef>
-                <a:spcPts val="0"/>
-              </a:spcBef>
-              <a:spcAft>
-                <a:spcPts val="0"/>
-              </a:spcAft>
-              <a:buSzPts val="1400"/>
-              <a:buFont typeface="Lato"/>
-              <a:buChar char="●"/>
-            </a:pPr>
-            <a:r>
-              <a:rPr lang="en">
-                <a:latin typeface="Lato"/>
-                <a:ea typeface="Lato"/>
-                <a:cs typeface="Lato"/>
-                <a:sym typeface="Lato"/>
-              </a:rPr>
-              <a:t>Travel has a high </a:t>
-            </a:r>
-            <a:r>
-              <a:rPr lang="en">
-                <a:latin typeface="Lato"/>
-                <a:ea typeface="Lato"/>
-                <a:cs typeface="Lato"/>
-                <a:sym typeface="Lato"/>
-              </a:rPr>
-              <a:t>percentage of </a:t>
-            </a:r>
-            <a:r>
-              <a:rPr b="1" lang="en">
-                <a:latin typeface="Lato"/>
-                <a:ea typeface="Lato"/>
-                <a:cs typeface="Lato"/>
-                <a:sym typeface="Lato"/>
-              </a:rPr>
-              <a:t>small city.</a:t>
-            </a:r>
-            <a:endParaRPr b="1">
-              <a:latin typeface="Lato"/>
-              <a:ea typeface="Lato"/>
-              <a:cs typeface="Lato"/>
-              <a:sym typeface="Lato"/>
-            </a:endParaRPr>
-          </a:p>
-        </p:txBody>
-      </p:sp>
     </p:spTree>
   </p:cSld>
   <p:clrMapOvr>
